--- a/trabajos/09-contenedores-azure-automatizacion-Parte2.pptx
+++ b/trabajos/09-contenedores-azure-automatizacion-Parte2.pptx
@@ -5,31 +5,23 @@
     <p:sldMasterId id="2147483864" r:id="rId4"/>
   </p:sldMasterIdLst>
   <p:notesMasterIdLst>
-    <p:notesMasterId r:id="rId19"/>
+    <p:notesMasterId r:id="rId11"/>
   </p:notesMasterIdLst>
   <p:handoutMasterIdLst>
-    <p:handoutMasterId r:id="rId20"/>
+    <p:handoutMasterId r:id="rId12"/>
   </p:handoutMasterIdLst>
   <p:sldIdLst>
     <p:sldId id="271" r:id="rId5"/>
     <p:sldId id="3743" r:id="rId6"/>
     <p:sldId id="3810" r:id="rId7"/>
-    <p:sldId id="3811" r:id="rId8"/>
-    <p:sldId id="3847" r:id="rId9"/>
-    <p:sldId id="3848" r:id="rId10"/>
-    <p:sldId id="3849" r:id="rId11"/>
-    <p:sldId id="3846" r:id="rId12"/>
-    <p:sldId id="3845" r:id="rId13"/>
-    <p:sldId id="3851" r:id="rId14"/>
-    <p:sldId id="3852" r:id="rId15"/>
-    <p:sldId id="3853" r:id="rId16"/>
-    <p:sldId id="3816" r:id="rId17"/>
-    <p:sldId id="3817" r:id="rId18"/>
+    <p:sldId id="3848" r:id="rId8"/>
+    <p:sldId id="3816" r:id="rId9"/>
+    <p:sldId id="3817" r:id="rId10"/>
   </p:sldIdLst>
   <p:sldSz cx="12436475" cy="6994525"/>
   <p:notesSz cx="6858000" cy="9144000"/>
   <p:custDataLst>
-    <p:tags r:id="rId21"/>
+    <p:tags r:id="rId13"/>
   </p:custDataLst>
   <p:defaultTextStyle>
     <a:defPPr>
@@ -138,15 +130,7 @@
         <p14:section name="Intro" id="{2CC52222-EEFB-42B6-90E5-8E2490915D26}">
           <p14:sldIdLst>
             <p14:sldId id="3810"/>
-            <p14:sldId id="3811"/>
-            <p14:sldId id="3847"/>
             <p14:sldId id="3848"/>
-            <p14:sldId id="3849"/>
-            <p14:sldId id="3846"/>
-            <p14:sldId id="3845"/>
-            <p14:sldId id="3851"/>
-            <p14:sldId id="3852"/>
-            <p14:sldId id="3853"/>
             <p14:sldId id="3816"/>
             <p14:sldId id="3817"/>
           </p14:sldIdLst>
@@ -289,7 +273,7 @@
           <a:p>
             <a:fld id="{2B750920-92A4-224B-9AE0-2C8C93DBE13A}" type="datetimeFigureOut">
               <a:rPr lang="en-US" smtClean="0"/>
-              <a:t>9/22/24</a:t>
+              <a:t>10/7/24</a:t>
             </a:fld>
             <a:endParaRPr lang="en-US"/>
           </a:p>
@@ -466,7 +450,7 @@
           <a:p>
             <a:fld id="{68BF023B-10D3-4BAF-A407-4B4ABDDCF7DA}" type="datetimeFigureOut">
               <a:rPr lang="en-US" smtClean="0"/>
-              <a:t>9/22/24</a:t>
+              <a:t>10/7/24</a:t>
             </a:fld>
             <a:endParaRPr lang="en-US"/>
           </a:p>
@@ -817,433 +801,6 @@
 </p:notes>
 </file>
 
-<file path=ppt/notesSlides/notesSlide10.xml><?xml version="1.0" encoding="utf-8"?>
-<p:notes xmlns:a="http://schemas.openxmlformats.org/drawingml/2006/main" xmlns:r="http://schemas.openxmlformats.org/officeDocument/2006/relationships" xmlns:p="http://schemas.openxmlformats.org/presentationml/2006/main">
-  <p:cSld>
-    <p:spTree>
-      <p:nvGrpSpPr>
-        <p:cNvPr id="1" name=""/>
-        <p:cNvGrpSpPr/>
-        <p:nvPr/>
-      </p:nvGrpSpPr>
-      <p:grpSpPr>
-        <a:xfrm>
-          <a:off x="0" y="0"/>
-          <a:ext cx="0" cy="0"/>
-          <a:chOff x="0" y="0"/>
-          <a:chExt cx="0" cy="0"/>
-        </a:xfrm>
-      </p:grpSpPr>
-      <p:sp>
-        <p:nvSpPr>
-          <p:cNvPr id="2" name="Slide Image Placeholder 1"/>
-          <p:cNvSpPr>
-            <a:spLocks noGrp="1" noRot="1" noChangeAspect="1"/>
-          </p:cNvSpPr>
-          <p:nvPr>
-            <p:ph type="sldImg"/>
-          </p:nvPr>
-        </p:nvSpPr>
-        <p:spPr/>
-      </p:sp>
-      <p:sp>
-        <p:nvSpPr>
-          <p:cNvPr id="3" name="Notes Placeholder 2"/>
-          <p:cNvSpPr>
-            <a:spLocks noGrp="1"/>
-          </p:cNvSpPr>
-          <p:nvPr>
-            <p:ph type="body" idx="1"/>
-          </p:nvPr>
-        </p:nvSpPr>
-        <p:spPr/>
-        <p:txBody>
-          <a:bodyPr/>
-          <a:lstStyle/>
-          <a:p>
-            <a:pPr algn="l"/>
-            <a:endParaRPr lang="en-US" dirty="0"/>
-          </a:p>
-        </p:txBody>
-      </p:sp>
-      <p:sp>
-        <p:nvSpPr>
-          <p:cNvPr id="4" name="Slide Number Placeholder 3"/>
-          <p:cNvSpPr>
-            <a:spLocks noGrp="1"/>
-          </p:cNvSpPr>
-          <p:nvPr>
-            <p:ph type="sldNum" sz="quarter" idx="10"/>
-          </p:nvPr>
-        </p:nvSpPr>
-        <p:spPr/>
-        <p:txBody>
-          <a:bodyPr/>
-          <a:lstStyle/>
-          <a:p>
-            <a:fld id="{5F2D3714-B553-A044-BA72-366907BA36B5}" type="slidenum">
-              <a:rPr lang="en-US" smtClean="0"/>
-              <a:t>10</a:t>
-            </a:fld>
-            <a:endParaRPr lang="en-US"/>
-          </a:p>
-        </p:txBody>
-      </p:sp>
-    </p:spTree>
-    <p:extLst>
-      <p:ext uri="{BB962C8B-B14F-4D97-AF65-F5344CB8AC3E}">
-        <p14:creationId xmlns:p14="http://schemas.microsoft.com/office/powerpoint/2010/main" val="405000230"/>
-      </p:ext>
-    </p:extLst>
-  </p:cSld>
-  <p:clrMapOvr>
-    <a:masterClrMapping/>
-  </p:clrMapOvr>
-</p:notes>
-</file>
-
-<file path=ppt/notesSlides/notesSlide11.xml><?xml version="1.0" encoding="utf-8"?>
-<p:notes xmlns:a="http://schemas.openxmlformats.org/drawingml/2006/main" xmlns:r="http://schemas.openxmlformats.org/officeDocument/2006/relationships" xmlns:p="http://schemas.openxmlformats.org/presentationml/2006/main">
-  <p:cSld>
-    <p:spTree>
-      <p:nvGrpSpPr>
-        <p:cNvPr id="1" name=""/>
-        <p:cNvGrpSpPr/>
-        <p:nvPr/>
-      </p:nvGrpSpPr>
-      <p:grpSpPr>
-        <a:xfrm>
-          <a:off x="0" y="0"/>
-          <a:ext cx="0" cy="0"/>
-          <a:chOff x="0" y="0"/>
-          <a:chExt cx="0" cy="0"/>
-        </a:xfrm>
-      </p:grpSpPr>
-      <p:sp>
-        <p:nvSpPr>
-          <p:cNvPr id="2" name="Slide Image Placeholder 1"/>
-          <p:cNvSpPr>
-            <a:spLocks noGrp="1" noRot="1" noChangeAspect="1"/>
-          </p:cNvSpPr>
-          <p:nvPr>
-            <p:ph type="sldImg"/>
-          </p:nvPr>
-        </p:nvSpPr>
-        <p:spPr/>
-      </p:sp>
-      <p:sp>
-        <p:nvSpPr>
-          <p:cNvPr id="3" name="Notes Placeholder 2"/>
-          <p:cNvSpPr>
-            <a:spLocks noGrp="1"/>
-          </p:cNvSpPr>
-          <p:nvPr>
-            <p:ph type="body" idx="1"/>
-          </p:nvPr>
-        </p:nvSpPr>
-        <p:spPr/>
-        <p:txBody>
-          <a:bodyPr/>
-          <a:lstStyle/>
-          <a:p>
-            <a:pPr algn="l"/>
-            <a:endParaRPr lang="en-US" dirty="0"/>
-          </a:p>
-        </p:txBody>
-      </p:sp>
-      <p:sp>
-        <p:nvSpPr>
-          <p:cNvPr id="4" name="Slide Number Placeholder 3"/>
-          <p:cNvSpPr>
-            <a:spLocks noGrp="1"/>
-          </p:cNvSpPr>
-          <p:nvPr>
-            <p:ph type="sldNum" sz="quarter" idx="10"/>
-          </p:nvPr>
-        </p:nvSpPr>
-        <p:spPr/>
-        <p:txBody>
-          <a:bodyPr/>
-          <a:lstStyle/>
-          <a:p>
-            <a:fld id="{5F2D3714-B553-A044-BA72-366907BA36B5}" type="slidenum">
-              <a:rPr lang="en-US" smtClean="0"/>
-              <a:t>11</a:t>
-            </a:fld>
-            <a:endParaRPr lang="en-US"/>
-          </a:p>
-        </p:txBody>
-      </p:sp>
-    </p:spTree>
-    <p:extLst>
-      <p:ext uri="{BB962C8B-B14F-4D97-AF65-F5344CB8AC3E}">
-        <p14:creationId xmlns:p14="http://schemas.microsoft.com/office/powerpoint/2010/main" val="2904702501"/>
-      </p:ext>
-    </p:extLst>
-  </p:cSld>
-  <p:clrMapOvr>
-    <a:masterClrMapping/>
-  </p:clrMapOvr>
-</p:notes>
-</file>
-
-<file path=ppt/notesSlides/notesSlide12.xml><?xml version="1.0" encoding="utf-8"?>
-<p:notes xmlns:a="http://schemas.openxmlformats.org/drawingml/2006/main" xmlns:r="http://schemas.openxmlformats.org/officeDocument/2006/relationships" xmlns:p="http://schemas.openxmlformats.org/presentationml/2006/main">
-  <p:cSld>
-    <p:spTree>
-      <p:nvGrpSpPr>
-        <p:cNvPr id="1" name=""/>
-        <p:cNvGrpSpPr/>
-        <p:nvPr/>
-      </p:nvGrpSpPr>
-      <p:grpSpPr>
-        <a:xfrm>
-          <a:off x="0" y="0"/>
-          <a:ext cx="0" cy="0"/>
-          <a:chOff x="0" y="0"/>
-          <a:chExt cx="0" cy="0"/>
-        </a:xfrm>
-      </p:grpSpPr>
-      <p:sp>
-        <p:nvSpPr>
-          <p:cNvPr id="2" name="Slide Image Placeholder 1"/>
-          <p:cNvSpPr>
-            <a:spLocks noGrp="1" noRot="1" noChangeAspect="1"/>
-          </p:cNvSpPr>
-          <p:nvPr>
-            <p:ph type="sldImg"/>
-          </p:nvPr>
-        </p:nvSpPr>
-        <p:spPr/>
-      </p:sp>
-      <p:sp>
-        <p:nvSpPr>
-          <p:cNvPr id="3" name="Notes Placeholder 2"/>
-          <p:cNvSpPr>
-            <a:spLocks noGrp="1"/>
-          </p:cNvSpPr>
-          <p:nvPr>
-            <p:ph type="body" idx="1"/>
-          </p:nvPr>
-        </p:nvSpPr>
-        <p:spPr/>
-        <p:txBody>
-          <a:bodyPr/>
-          <a:lstStyle/>
-          <a:p>
-            <a:pPr algn="l"/>
-            <a:endParaRPr lang="en-US" dirty="0"/>
-          </a:p>
-        </p:txBody>
-      </p:sp>
-      <p:sp>
-        <p:nvSpPr>
-          <p:cNvPr id="4" name="Slide Number Placeholder 3"/>
-          <p:cNvSpPr>
-            <a:spLocks noGrp="1"/>
-          </p:cNvSpPr>
-          <p:nvPr>
-            <p:ph type="sldNum" sz="quarter" idx="10"/>
-          </p:nvPr>
-        </p:nvSpPr>
-        <p:spPr/>
-        <p:txBody>
-          <a:bodyPr/>
-          <a:lstStyle/>
-          <a:p>
-            <a:fld id="{5F2D3714-B553-A044-BA72-366907BA36B5}" type="slidenum">
-              <a:rPr lang="en-US" smtClean="0"/>
-              <a:t>12</a:t>
-            </a:fld>
-            <a:endParaRPr lang="en-US"/>
-          </a:p>
-        </p:txBody>
-      </p:sp>
-    </p:spTree>
-    <p:extLst>
-      <p:ext uri="{BB962C8B-B14F-4D97-AF65-F5344CB8AC3E}">
-        <p14:creationId xmlns:p14="http://schemas.microsoft.com/office/powerpoint/2010/main" val="609229896"/>
-      </p:ext>
-    </p:extLst>
-  </p:cSld>
-  <p:clrMapOvr>
-    <a:masterClrMapping/>
-  </p:clrMapOvr>
-</p:notes>
-</file>
-
-<file path=ppt/notesSlides/notesSlide13.xml><?xml version="1.0" encoding="utf-8"?>
-<p:notes xmlns:a="http://schemas.openxmlformats.org/drawingml/2006/main" xmlns:r="http://schemas.openxmlformats.org/officeDocument/2006/relationships" xmlns:p="http://schemas.openxmlformats.org/presentationml/2006/main">
-  <p:cSld>
-    <p:spTree>
-      <p:nvGrpSpPr>
-        <p:cNvPr id="1" name=""/>
-        <p:cNvGrpSpPr/>
-        <p:nvPr/>
-      </p:nvGrpSpPr>
-      <p:grpSpPr>
-        <a:xfrm>
-          <a:off x="0" y="0"/>
-          <a:ext cx="0" cy="0"/>
-          <a:chOff x="0" y="0"/>
-          <a:chExt cx="0" cy="0"/>
-        </a:xfrm>
-      </p:grpSpPr>
-      <p:sp>
-        <p:nvSpPr>
-          <p:cNvPr id="2" name="Slide Image Placeholder 1"/>
-          <p:cNvSpPr>
-            <a:spLocks noGrp="1" noRot="1" noChangeAspect="1"/>
-          </p:cNvSpPr>
-          <p:nvPr>
-            <p:ph type="sldImg"/>
-          </p:nvPr>
-        </p:nvSpPr>
-        <p:spPr/>
-      </p:sp>
-      <p:sp>
-        <p:nvSpPr>
-          <p:cNvPr id="3" name="Notes Placeholder 2"/>
-          <p:cNvSpPr>
-            <a:spLocks noGrp="1"/>
-          </p:cNvSpPr>
-          <p:nvPr>
-            <p:ph type="body" idx="1"/>
-          </p:nvPr>
-        </p:nvSpPr>
-        <p:spPr/>
-        <p:txBody>
-          <a:bodyPr/>
-          <a:lstStyle/>
-          <a:p>
-            <a:r>
-              <a:rPr lang="es-AR" dirty="0"/>
-              <a:t>1 Minuto</a:t>
-            </a:r>
-            <a:endParaRPr lang="en-US" dirty="0"/>
-          </a:p>
-        </p:txBody>
-      </p:sp>
-      <p:sp>
-        <p:nvSpPr>
-          <p:cNvPr id="4" name="Slide Number Placeholder 3"/>
-          <p:cNvSpPr>
-            <a:spLocks noGrp="1"/>
-          </p:cNvSpPr>
-          <p:nvPr>
-            <p:ph type="sldNum" sz="quarter" idx="10"/>
-          </p:nvPr>
-        </p:nvSpPr>
-        <p:spPr/>
-        <p:txBody>
-          <a:bodyPr/>
-          <a:lstStyle/>
-          <a:p>
-            <a:fld id="{5F2D3714-B553-A044-BA72-366907BA36B5}" type="slidenum">
-              <a:rPr lang="en-US" smtClean="0"/>
-              <a:t>13</a:t>
-            </a:fld>
-            <a:endParaRPr lang="en-US"/>
-          </a:p>
-        </p:txBody>
-      </p:sp>
-    </p:spTree>
-    <p:extLst>
-      <p:ext uri="{BB962C8B-B14F-4D97-AF65-F5344CB8AC3E}">
-        <p14:creationId xmlns:p14="http://schemas.microsoft.com/office/powerpoint/2010/main" val="2374705811"/>
-      </p:ext>
-    </p:extLst>
-  </p:cSld>
-  <p:clrMapOvr>
-    <a:masterClrMapping/>
-  </p:clrMapOvr>
-</p:notes>
-</file>
-
-<file path=ppt/notesSlides/notesSlide14.xml><?xml version="1.0" encoding="utf-8"?>
-<p:notes xmlns:a="http://schemas.openxmlformats.org/drawingml/2006/main" xmlns:r="http://schemas.openxmlformats.org/officeDocument/2006/relationships" xmlns:p="http://schemas.openxmlformats.org/presentationml/2006/main">
-  <p:cSld>
-    <p:spTree>
-      <p:nvGrpSpPr>
-        <p:cNvPr id="1" name=""/>
-        <p:cNvGrpSpPr/>
-        <p:nvPr/>
-      </p:nvGrpSpPr>
-      <p:grpSpPr>
-        <a:xfrm>
-          <a:off x="0" y="0"/>
-          <a:ext cx="0" cy="0"/>
-          <a:chOff x="0" y="0"/>
-          <a:chExt cx="0" cy="0"/>
-        </a:xfrm>
-      </p:grpSpPr>
-      <p:sp>
-        <p:nvSpPr>
-          <p:cNvPr id="2" name="Slide Image Placeholder 1"/>
-          <p:cNvSpPr>
-            <a:spLocks noGrp="1" noRot="1" noChangeAspect="1"/>
-          </p:cNvSpPr>
-          <p:nvPr>
-            <p:ph type="sldImg"/>
-          </p:nvPr>
-        </p:nvSpPr>
-        <p:spPr/>
-      </p:sp>
-      <p:sp>
-        <p:nvSpPr>
-          <p:cNvPr id="3" name="Notes Placeholder 2"/>
-          <p:cNvSpPr>
-            <a:spLocks noGrp="1"/>
-          </p:cNvSpPr>
-          <p:nvPr>
-            <p:ph type="body" idx="1"/>
-          </p:nvPr>
-        </p:nvSpPr>
-        <p:spPr/>
-        <p:txBody>
-          <a:bodyPr/>
-          <a:lstStyle/>
-          <a:p>
-            <a:endParaRPr lang="en-US" dirty="0"/>
-          </a:p>
-        </p:txBody>
-      </p:sp>
-      <p:sp>
-        <p:nvSpPr>
-          <p:cNvPr id="4" name="Slide Number Placeholder 3"/>
-          <p:cNvSpPr>
-            <a:spLocks noGrp="1"/>
-          </p:cNvSpPr>
-          <p:nvPr>
-            <p:ph type="sldNum" sz="quarter" idx="10"/>
-          </p:nvPr>
-        </p:nvSpPr>
-        <p:spPr/>
-        <p:txBody>
-          <a:bodyPr/>
-          <a:lstStyle/>
-          <a:p>
-            <a:fld id="{5F2D3714-B553-A044-BA72-366907BA36B5}" type="slidenum">
-              <a:rPr lang="en-US" smtClean="0"/>
-              <a:t>14</a:t>
-            </a:fld>
-            <a:endParaRPr lang="en-US"/>
-          </a:p>
-        </p:txBody>
-      </p:sp>
-    </p:spTree>
-    <p:extLst>
-      <p:ext uri="{BB962C8B-B14F-4D97-AF65-F5344CB8AC3E}">
-        <p14:creationId xmlns:p14="http://schemas.microsoft.com/office/powerpoint/2010/main" val="4069236727"/>
-      </p:ext>
-    </p:extLst>
-  </p:cSld>
-  <p:clrMapOvr>
-    <a:masterClrMapping/>
-  </p:clrMapOvr>
-</p:notes>
-</file>
-
 <file path=ppt/notesSlides/notesSlide2.xml><?xml version="1.0" encoding="utf-8"?>
 <p:notes xmlns:a="http://schemas.openxmlformats.org/drawingml/2006/main" xmlns:r="http://schemas.openxmlformats.org/officeDocument/2006/relationships" xmlns:p="http://schemas.openxmlformats.org/presentationml/2006/main">
   <p:cSld>
@@ -1288,7 +845,7 @@
           <a:bodyPr/>
           <a:lstStyle/>
           <a:p>
-            <a:endParaRPr lang="en-US"/>
+            <a:endParaRPr lang="en-US" dirty="0"/>
           </a:p>
         </p:txBody>
       </p:sp>
@@ -1456,122 +1013,6 @@
           <a:bodyPr/>
           <a:lstStyle/>
           <a:p>
-            <a:r>
-              <a:rPr lang="es-AR" dirty="0"/>
-              <a:t>Por "orquestación" nos referimos a la capacidad de gestionar y coordinar múltiples contenedores para que trabajen juntos de manera eficiente. La orquestación incluye aspectos como:</a:t>
-            </a:r>
-          </a:p>
-          <a:p>
-            <a:pPr>
-              <a:buFont typeface="Arial" panose="020B0604020202020204" pitchFamily="34" charset="0"/>
-              <a:buChar char="•"/>
-            </a:pPr>
-            <a:r>
-              <a:rPr lang="es-AR" b="1" dirty="0"/>
-              <a:t>Escalabilidad automática</a:t>
-            </a:r>
-            <a:r>
-              <a:rPr lang="es-AR" dirty="0"/>
-              <a:t>: Aumentar o reducir el número de contenedores en función de la demanda.</a:t>
-            </a:r>
-          </a:p>
-          <a:p>
-            <a:pPr>
-              <a:buFont typeface="Arial" panose="020B0604020202020204" pitchFamily="34" charset="0"/>
-              <a:buChar char="•"/>
-            </a:pPr>
-            <a:r>
-              <a:rPr lang="es-AR" b="1" dirty="0"/>
-              <a:t>Distribución de carga</a:t>
-            </a:r>
-            <a:r>
-              <a:rPr lang="es-AR" dirty="0"/>
-              <a:t>: Repartir el tráfico entre varios contenedores para optimizar el rendimiento.</a:t>
-            </a:r>
-          </a:p>
-          <a:p>
-            <a:pPr>
-              <a:buFont typeface="Arial" panose="020B0604020202020204" pitchFamily="34" charset="0"/>
-              <a:buChar char="•"/>
-            </a:pPr>
-            <a:r>
-              <a:rPr lang="es-AR" b="1" dirty="0"/>
-              <a:t>Gestión del ciclo de vida de los contenedores</a:t>
-            </a:r>
-            <a:r>
-              <a:rPr lang="es-AR" dirty="0"/>
-              <a:t>: Crear, eliminar, reiniciar o migrar contenedores de manera automatizada.</a:t>
-            </a:r>
-          </a:p>
-          <a:p>
-            <a:pPr>
-              <a:buFont typeface="Arial" panose="020B0604020202020204" pitchFamily="34" charset="0"/>
-              <a:buChar char="•"/>
-            </a:pPr>
-            <a:r>
-              <a:rPr lang="es-AR" b="1" dirty="0"/>
-              <a:t>Supervisión y recuperación ante fallos</a:t>
-            </a:r>
-            <a:r>
-              <a:rPr lang="es-AR" dirty="0"/>
-              <a:t>: Detectar problemas en los contenedores y reiniciarlos o reemplazarlos automáticamente.</a:t>
-            </a:r>
-          </a:p>
-          <a:p>
-            <a:r>
-              <a:rPr lang="es-AR" dirty="0"/>
-              <a:t>En Azure, servicios como </a:t>
-            </a:r>
-            <a:r>
-              <a:rPr lang="es-AR" b="1" dirty="0"/>
-              <a:t>Azure </a:t>
-            </a:r>
-            <a:r>
-              <a:rPr lang="es-AR" b="1" dirty="0" err="1"/>
-              <a:t>Kubernetes</a:t>
-            </a:r>
-            <a:r>
-              <a:rPr lang="es-AR" b="1" dirty="0"/>
-              <a:t> </a:t>
-            </a:r>
-            <a:r>
-              <a:rPr lang="es-AR" b="1" dirty="0" err="1"/>
-              <a:t>Service</a:t>
-            </a:r>
-            <a:r>
-              <a:rPr lang="es-AR" b="1" dirty="0"/>
-              <a:t> (AKS)</a:t>
-            </a:r>
-            <a:r>
-              <a:rPr lang="es-AR" dirty="0"/>
-              <a:t> ofrecen orquestación avanzada utilizando </a:t>
-            </a:r>
-            <a:r>
-              <a:rPr lang="es-AR" dirty="0" err="1"/>
-              <a:t>Kubernetes</a:t>
-            </a:r>
-            <a:r>
-              <a:rPr lang="es-AR" dirty="0"/>
-              <a:t>. Otros servicios, como </a:t>
-            </a:r>
-            <a:r>
-              <a:rPr lang="es-AR" b="1" dirty="0"/>
-              <a:t>Azure Container Apps</a:t>
-            </a:r>
-            <a:r>
-              <a:rPr lang="es-AR" dirty="0"/>
-              <a:t>, proporcionan orquestación ligera, permitiendo escalar y gestionar microservicios sin la complejidad de </a:t>
-            </a:r>
-            <a:r>
-              <a:rPr lang="es-AR" dirty="0" err="1"/>
-              <a:t>Kubernetes</a:t>
-            </a:r>
-            <a:r>
-              <a:rPr lang="es-AR" dirty="0"/>
-              <a:t>.</a:t>
-            </a:r>
-          </a:p>
-          <a:p>
             <a:pPr algn="l"/>
             <a:endParaRPr lang="en-US" dirty="0"/>
           </a:p>
@@ -1603,7 +1044,7 @@
     </p:spTree>
     <p:extLst>
       <p:ext uri="{BB962C8B-B14F-4D97-AF65-F5344CB8AC3E}">
-        <p14:creationId xmlns:p14="http://schemas.microsoft.com/office/powerpoint/2010/main" val="2984933448"/>
+        <p14:creationId xmlns:p14="http://schemas.microsoft.com/office/powerpoint/2010/main" val="924425954"/>
       </p:ext>
     </p:extLst>
   </p:cSld>
@@ -1657,7 +1098,10 @@
           <a:bodyPr/>
           <a:lstStyle/>
           <a:p>
-            <a:pPr algn="l"/>
+            <a:r>
+              <a:rPr lang="es-AR" dirty="0"/>
+              <a:t>1 Minuto</a:t>
+            </a:r>
             <a:endParaRPr lang="en-US" dirty="0"/>
           </a:p>
         </p:txBody>
@@ -1688,7 +1132,7 @@
     </p:spTree>
     <p:extLst>
       <p:ext uri="{BB962C8B-B14F-4D97-AF65-F5344CB8AC3E}">
-        <p14:creationId xmlns:p14="http://schemas.microsoft.com/office/powerpoint/2010/main" val="2085528201"/>
+        <p14:creationId xmlns:p14="http://schemas.microsoft.com/office/powerpoint/2010/main" val="2374705811"/>
       </p:ext>
     </p:extLst>
   </p:cSld>
@@ -1742,7 +1186,6 @@
           <a:bodyPr/>
           <a:lstStyle/>
           <a:p>
-            <a:pPr algn="l"/>
             <a:endParaRPr lang="en-US" dirty="0"/>
           </a:p>
         </p:txBody>
@@ -1773,534 +1216,7 @@
     </p:spTree>
     <p:extLst>
       <p:ext uri="{BB962C8B-B14F-4D97-AF65-F5344CB8AC3E}">
-        <p14:creationId xmlns:p14="http://schemas.microsoft.com/office/powerpoint/2010/main" val="924425954"/>
-      </p:ext>
-    </p:extLst>
-  </p:cSld>
-  <p:clrMapOvr>
-    <a:masterClrMapping/>
-  </p:clrMapOvr>
-</p:notes>
-</file>
-
-<file path=ppt/notesSlides/notesSlide7.xml><?xml version="1.0" encoding="utf-8"?>
-<p:notes xmlns:a="http://schemas.openxmlformats.org/drawingml/2006/main" xmlns:r="http://schemas.openxmlformats.org/officeDocument/2006/relationships" xmlns:p="http://schemas.openxmlformats.org/presentationml/2006/main">
-  <p:cSld>
-    <p:spTree>
-      <p:nvGrpSpPr>
-        <p:cNvPr id="1" name=""/>
-        <p:cNvGrpSpPr/>
-        <p:nvPr/>
-      </p:nvGrpSpPr>
-      <p:grpSpPr>
-        <a:xfrm>
-          <a:off x="0" y="0"/>
-          <a:ext cx="0" cy="0"/>
-          <a:chOff x="0" y="0"/>
-          <a:chExt cx="0" cy="0"/>
-        </a:xfrm>
-      </p:grpSpPr>
-      <p:sp>
-        <p:nvSpPr>
-          <p:cNvPr id="2" name="Slide Image Placeholder 1"/>
-          <p:cNvSpPr>
-            <a:spLocks noGrp="1" noRot="1" noChangeAspect="1"/>
-          </p:cNvSpPr>
-          <p:nvPr>
-            <p:ph type="sldImg"/>
-          </p:nvPr>
-        </p:nvSpPr>
-        <p:spPr/>
-      </p:sp>
-      <p:sp>
-        <p:nvSpPr>
-          <p:cNvPr id="3" name="Notes Placeholder 2"/>
-          <p:cNvSpPr>
-            <a:spLocks noGrp="1"/>
-          </p:cNvSpPr>
-          <p:nvPr>
-            <p:ph type="body" idx="1"/>
-          </p:nvPr>
-        </p:nvSpPr>
-        <p:spPr/>
-        <p:txBody>
-          <a:bodyPr/>
-          <a:lstStyle/>
-          <a:p>
-            <a:pPr algn="l"/>
-            <a:endParaRPr lang="en-US" dirty="0"/>
-          </a:p>
-        </p:txBody>
-      </p:sp>
-      <p:sp>
-        <p:nvSpPr>
-          <p:cNvPr id="4" name="Slide Number Placeholder 3"/>
-          <p:cNvSpPr>
-            <a:spLocks noGrp="1"/>
-          </p:cNvSpPr>
-          <p:nvPr>
-            <p:ph type="sldNum" sz="quarter" idx="10"/>
-          </p:nvPr>
-        </p:nvSpPr>
-        <p:spPr/>
-        <p:txBody>
-          <a:bodyPr/>
-          <a:lstStyle/>
-          <a:p>
-            <a:fld id="{5F2D3714-B553-A044-BA72-366907BA36B5}" type="slidenum">
-              <a:rPr lang="en-US" smtClean="0"/>
-              <a:t>7</a:t>
-            </a:fld>
-            <a:endParaRPr lang="en-US"/>
-          </a:p>
-        </p:txBody>
-      </p:sp>
-    </p:spTree>
-    <p:extLst>
-      <p:ext uri="{BB962C8B-B14F-4D97-AF65-F5344CB8AC3E}">
-        <p14:creationId xmlns:p14="http://schemas.microsoft.com/office/powerpoint/2010/main" val="2260118327"/>
-      </p:ext>
-    </p:extLst>
-  </p:cSld>
-  <p:clrMapOvr>
-    <a:masterClrMapping/>
-  </p:clrMapOvr>
-</p:notes>
-</file>
-
-<file path=ppt/notesSlides/notesSlide8.xml><?xml version="1.0" encoding="utf-8"?>
-<p:notes xmlns:a="http://schemas.openxmlformats.org/drawingml/2006/main" xmlns:r="http://schemas.openxmlformats.org/officeDocument/2006/relationships" xmlns:p="http://schemas.openxmlformats.org/presentationml/2006/main">
-  <p:cSld>
-    <p:spTree>
-      <p:nvGrpSpPr>
-        <p:cNvPr id="1" name=""/>
-        <p:cNvGrpSpPr/>
-        <p:nvPr/>
-      </p:nvGrpSpPr>
-      <p:grpSpPr>
-        <a:xfrm>
-          <a:off x="0" y="0"/>
-          <a:ext cx="0" cy="0"/>
-          <a:chOff x="0" y="0"/>
-          <a:chExt cx="0" cy="0"/>
-        </a:xfrm>
-      </p:grpSpPr>
-      <p:sp>
-        <p:nvSpPr>
-          <p:cNvPr id="2" name="Slide Image Placeholder 1"/>
-          <p:cNvSpPr>
-            <a:spLocks noGrp="1" noRot="1" noChangeAspect="1"/>
-          </p:cNvSpPr>
-          <p:nvPr>
-            <p:ph type="sldImg"/>
-          </p:nvPr>
-        </p:nvSpPr>
-        <p:spPr/>
-      </p:sp>
-      <p:sp>
-        <p:nvSpPr>
-          <p:cNvPr id="3" name="Notes Placeholder 2"/>
-          <p:cNvSpPr>
-            <a:spLocks noGrp="1"/>
-          </p:cNvSpPr>
-          <p:nvPr>
-            <p:ph type="body" idx="1"/>
-          </p:nvPr>
-        </p:nvSpPr>
-        <p:spPr/>
-        <p:txBody>
-          <a:bodyPr/>
-          <a:lstStyle/>
-          <a:p>
-            <a:pPr algn="l"/>
-            <a:endParaRPr lang="en-US" dirty="0"/>
-          </a:p>
-        </p:txBody>
-      </p:sp>
-      <p:sp>
-        <p:nvSpPr>
-          <p:cNvPr id="4" name="Slide Number Placeholder 3"/>
-          <p:cNvSpPr>
-            <a:spLocks noGrp="1"/>
-          </p:cNvSpPr>
-          <p:nvPr>
-            <p:ph type="sldNum" sz="quarter" idx="10"/>
-          </p:nvPr>
-        </p:nvSpPr>
-        <p:spPr/>
-        <p:txBody>
-          <a:bodyPr/>
-          <a:lstStyle/>
-          <a:p>
-            <a:fld id="{5F2D3714-B553-A044-BA72-366907BA36B5}" type="slidenum">
-              <a:rPr lang="en-US" smtClean="0"/>
-              <a:t>8</a:t>
-            </a:fld>
-            <a:endParaRPr lang="en-US"/>
-          </a:p>
-        </p:txBody>
-      </p:sp>
-    </p:spTree>
-    <p:extLst>
-      <p:ext uri="{BB962C8B-B14F-4D97-AF65-F5344CB8AC3E}">
-        <p14:creationId xmlns:p14="http://schemas.microsoft.com/office/powerpoint/2010/main" val="3894084411"/>
-      </p:ext>
-    </p:extLst>
-  </p:cSld>
-  <p:clrMapOvr>
-    <a:masterClrMapping/>
-  </p:clrMapOvr>
-</p:notes>
-</file>
-
-<file path=ppt/notesSlides/notesSlide9.xml><?xml version="1.0" encoding="utf-8"?>
-<p:notes xmlns:a="http://schemas.openxmlformats.org/drawingml/2006/main" xmlns:r="http://schemas.openxmlformats.org/officeDocument/2006/relationships" xmlns:p="http://schemas.openxmlformats.org/presentationml/2006/main">
-  <p:cSld>
-    <p:spTree>
-      <p:nvGrpSpPr>
-        <p:cNvPr id="1" name=""/>
-        <p:cNvGrpSpPr/>
-        <p:nvPr/>
-      </p:nvGrpSpPr>
-      <p:grpSpPr>
-        <a:xfrm>
-          <a:off x="0" y="0"/>
-          <a:ext cx="0" cy="0"/>
-          <a:chOff x="0" y="0"/>
-          <a:chExt cx="0" cy="0"/>
-        </a:xfrm>
-      </p:grpSpPr>
-      <p:sp>
-        <p:nvSpPr>
-          <p:cNvPr id="2" name="Slide Image Placeholder 1"/>
-          <p:cNvSpPr>
-            <a:spLocks noGrp="1" noRot="1" noChangeAspect="1"/>
-          </p:cNvSpPr>
-          <p:nvPr>
-            <p:ph type="sldImg"/>
-          </p:nvPr>
-        </p:nvSpPr>
-        <p:spPr/>
-      </p:sp>
-      <p:sp>
-        <p:nvSpPr>
-          <p:cNvPr id="3" name="Notes Placeholder 2"/>
-          <p:cNvSpPr>
-            <a:spLocks noGrp="1"/>
-          </p:cNvSpPr>
-          <p:nvPr>
-            <p:ph type="body" idx="1"/>
-          </p:nvPr>
-        </p:nvSpPr>
-        <p:spPr/>
-        <p:txBody>
-          <a:bodyPr/>
-          <a:lstStyle/>
-          <a:p>
-            <a:r>
-              <a:rPr lang="es-AR" dirty="0"/>
-              <a:t>No es obligatorio usar </a:t>
-            </a:r>
-            <a:r>
-              <a:rPr lang="es-AR" b="1" dirty="0"/>
-              <a:t>Azure Container </a:t>
-            </a:r>
-            <a:r>
-              <a:rPr lang="es-AR" b="1" dirty="0" err="1"/>
-              <a:t>Registry</a:t>
-            </a:r>
-            <a:r>
-              <a:rPr lang="es-AR" b="1" dirty="0"/>
-              <a:t> (ACR)</a:t>
-            </a:r>
-            <a:r>
-              <a:rPr lang="es-AR" dirty="0"/>
-              <a:t> para desplegar contenedores en </a:t>
-            </a:r>
-            <a:r>
-              <a:rPr lang="es-AR" b="1" dirty="0"/>
-              <a:t>Azure Container </a:t>
-            </a:r>
-            <a:r>
-              <a:rPr lang="es-AR" b="1" dirty="0" err="1"/>
-              <a:t>Instances</a:t>
-            </a:r>
-            <a:r>
-              <a:rPr lang="es-AR" b="1" dirty="0"/>
-              <a:t> (ACI)</a:t>
-            </a:r>
-            <a:r>
-              <a:rPr lang="es-AR" dirty="0"/>
-              <a:t>. Puedes perfectamente usar </a:t>
-            </a:r>
-            <a:r>
-              <a:rPr lang="es-AR" b="1" dirty="0"/>
-              <a:t>Docker Hub</a:t>
-            </a:r>
-            <a:r>
-              <a:rPr lang="es-AR" dirty="0"/>
-              <a:t> o cualquier otro registro de contenedores público o privado.</a:t>
-            </a:r>
-          </a:p>
-          <a:p>
-            <a:r>
-              <a:rPr lang="es-AR" b="1" dirty="0"/>
-              <a:t>Opción 1: Usar ACR</a:t>
-            </a:r>
-          </a:p>
-          <a:p>
-            <a:pPr>
-              <a:buFont typeface="Arial" panose="020B0604020202020204" pitchFamily="34" charset="0"/>
-              <a:buChar char="•"/>
-            </a:pPr>
-            <a:r>
-              <a:rPr lang="es-AR" b="1" dirty="0"/>
-              <a:t>Ventajas</a:t>
-            </a:r>
-            <a:r>
-              <a:rPr lang="es-AR" dirty="0"/>
-              <a:t>:</a:t>
-            </a:r>
-          </a:p>
-          <a:p>
-            <a:pPr marL="742950" lvl="1" indent="-285750">
-              <a:buFont typeface="Arial" panose="020B0604020202020204" pitchFamily="34" charset="0"/>
-              <a:buChar char="•"/>
-            </a:pPr>
-            <a:r>
-              <a:rPr lang="es-AR" dirty="0"/>
-              <a:t>ACR te ofrece una solución privada para almacenar imágenes Docker, con integración profunda en el ecosistema de Azure, incluyendo autenticación mediante </a:t>
-            </a:r>
-            <a:r>
-              <a:rPr lang="es-AR" b="1" dirty="0"/>
-              <a:t>Azure Active </a:t>
-            </a:r>
-            <a:r>
-              <a:rPr lang="es-AR" b="1" dirty="0" err="1"/>
-              <a:t>Directory</a:t>
-            </a:r>
-            <a:r>
-              <a:rPr lang="es-AR" b="1" dirty="0"/>
-              <a:t> (AAD)</a:t>
-            </a:r>
-            <a:r>
-              <a:rPr lang="es-AR" dirty="0"/>
-              <a:t>, control de acceso basado en roles (RBAC) y gestión centralizada de las imágenes.</a:t>
-            </a:r>
-          </a:p>
-          <a:p>
-            <a:pPr marL="742950" lvl="1" indent="-285750">
-              <a:buFont typeface="Arial" panose="020B0604020202020204" pitchFamily="34" charset="0"/>
-              <a:buChar char="•"/>
-            </a:pPr>
-            <a:r>
-              <a:rPr lang="es-AR" b="1" dirty="0"/>
-              <a:t>Escalabilidad</a:t>
-            </a:r>
-            <a:r>
-              <a:rPr lang="es-AR" dirty="0"/>
-              <a:t> y características avanzadas como replicación geográfica.</a:t>
-            </a:r>
-          </a:p>
-          <a:p>
-            <a:pPr marL="742950" lvl="1" indent="-285750">
-              <a:buFont typeface="Arial" panose="020B0604020202020204" pitchFamily="34" charset="0"/>
-              <a:buChar char="•"/>
-            </a:pPr>
-            <a:r>
-              <a:rPr lang="es-AR" dirty="0"/>
-              <a:t>Mayor </a:t>
-            </a:r>
-            <a:r>
-              <a:rPr lang="es-AR" b="1" dirty="0"/>
-              <a:t>seguridad</a:t>
-            </a:r>
-            <a:r>
-              <a:rPr lang="es-AR" dirty="0"/>
-              <a:t> al evitar exponer imágenes sensibles en registros públicos.</a:t>
-            </a:r>
-          </a:p>
-          <a:p>
-            <a:pPr>
-              <a:buFont typeface="Arial" panose="020B0604020202020204" pitchFamily="34" charset="0"/>
-              <a:buChar char="•"/>
-            </a:pPr>
-            <a:r>
-              <a:rPr lang="es-AR" b="1" dirty="0"/>
-              <a:t>Desventajas</a:t>
-            </a:r>
-            <a:r>
-              <a:rPr lang="es-AR" dirty="0"/>
-              <a:t>:</a:t>
-            </a:r>
-          </a:p>
-          <a:p>
-            <a:pPr marL="742950" lvl="1" indent="-285750">
-              <a:buFont typeface="Arial" panose="020B0604020202020204" pitchFamily="34" charset="0"/>
-              <a:buChar char="•"/>
-            </a:pPr>
-            <a:r>
-              <a:rPr lang="es-AR" b="1" dirty="0"/>
-              <a:t>Costo</a:t>
-            </a:r>
-            <a:r>
-              <a:rPr lang="es-AR" dirty="0"/>
-              <a:t>: Al ser un servicio gestionado y privado, ACR implica costos adicionales, especialmente en los niveles </a:t>
-            </a:r>
-            <a:r>
-              <a:rPr lang="es-AR" b="1" dirty="0"/>
-              <a:t>Premium</a:t>
-            </a:r>
-            <a:r>
-              <a:rPr lang="es-AR" dirty="0"/>
-              <a:t> con características avanzadas.</a:t>
-            </a:r>
-          </a:p>
-          <a:p>
-            <a:r>
-              <a:rPr lang="es-AR" b="1" dirty="0"/>
-              <a:t>Opción 2: Usar Docker Hub o Registro Público</a:t>
-            </a:r>
-          </a:p>
-          <a:p>
-            <a:pPr>
-              <a:buFont typeface="Arial" panose="020B0604020202020204" pitchFamily="34" charset="0"/>
-              <a:buChar char="•"/>
-            </a:pPr>
-            <a:r>
-              <a:rPr lang="es-AR" b="1" dirty="0"/>
-              <a:t>Ventajas</a:t>
-            </a:r>
-            <a:r>
-              <a:rPr lang="es-AR" dirty="0"/>
-              <a:t>:</a:t>
-            </a:r>
-          </a:p>
-          <a:p>
-            <a:pPr marL="742950" lvl="1" indent="-285750">
-              <a:buFont typeface="Arial" panose="020B0604020202020204" pitchFamily="34" charset="0"/>
-              <a:buChar char="•"/>
-            </a:pPr>
-            <a:r>
-              <a:rPr lang="es-AR" b="1" dirty="0"/>
-              <a:t>Facilidad de uso</a:t>
-            </a:r>
-            <a:r>
-              <a:rPr lang="es-AR" dirty="0"/>
-              <a:t>: Docker Hub es fácil de usar y está muy integrado en el ecosistema Docker. Si ya tienes imágenes almacenadas allí, es rápido y sencillo conectarlo a ACI.</a:t>
-            </a:r>
-          </a:p>
-          <a:p>
-            <a:pPr marL="742950" lvl="1" indent="-285750">
-              <a:buFont typeface="Arial" panose="020B0604020202020204" pitchFamily="34" charset="0"/>
-              <a:buChar char="•"/>
-            </a:pPr>
-            <a:r>
-              <a:rPr lang="es-AR" b="1" dirty="0"/>
-              <a:t>Gratuito</a:t>
-            </a:r>
-            <a:r>
-              <a:rPr lang="es-AR" dirty="0"/>
-              <a:t> para imágenes públicas.</a:t>
-            </a:r>
-          </a:p>
-          <a:p>
-            <a:pPr>
-              <a:buFont typeface="Arial" panose="020B0604020202020204" pitchFamily="34" charset="0"/>
-              <a:buChar char="•"/>
-            </a:pPr>
-            <a:r>
-              <a:rPr lang="es-AR" b="1" dirty="0"/>
-              <a:t>Desventajas</a:t>
-            </a:r>
-            <a:r>
-              <a:rPr lang="es-AR" dirty="0"/>
-              <a:t>:</a:t>
-            </a:r>
-          </a:p>
-          <a:p>
-            <a:pPr marL="742950" lvl="1" indent="-285750">
-              <a:buFont typeface="Arial" panose="020B0604020202020204" pitchFamily="34" charset="0"/>
-              <a:buChar char="•"/>
-            </a:pPr>
-            <a:r>
-              <a:rPr lang="es-AR" b="1" dirty="0"/>
-              <a:t>Limitaciones de seguridad</a:t>
-            </a:r>
-            <a:r>
-              <a:rPr lang="es-AR" dirty="0"/>
-              <a:t>: Las imágenes en Docker Hub público son visibles para cualquiera, lo cual puede ser un problema si manejas aplicaciones sensibles.</a:t>
-            </a:r>
-          </a:p>
-          <a:p>
-            <a:pPr marL="742950" lvl="1" indent="-285750">
-              <a:buFont typeface="Arial" panose="020B0604020202020204" pitchFamily="34" charset="0"/>
-              <a:buChar char="•"/>
-            </a:pPr>
-            <a:r>
-              <a:rPr lang="es-AR" b="1" dirty="0"/>
-              <a:t>Autenticación</a:t>
-            </a:r>
-            <a:r>
-              <a:rPr lang="es-AR" dirty="0"/>
-              <a:t>: Si las imágenes están en un repositorio privado de Docker Hub, deberás configurar autenticación adicional para que ACI pueda acceder a ellas, lo cual puede complicar la gestión de credenciales en pipelines.</a:t>
-            </a:r>
-          </a:p>
-          <a:p>
-            <a:pPr marL="742950" lvl="1" indent="-285750">
-              <a:buFont typeface="Arial" panose="020B0604020202020204" pitchFamily="34" charset="0"/>
-              <a:buChar char="•"/>
-            </a:pPr>
-            <a:r>
-              <a:rPr lang="es-AR" b="1" dirty="0"/>
-              <a:t>Límite de uso</a:t>
-            </a:r>
-            <a:r>
-              <a:rPr lang="es-AR" dirty="0"/>
-              <a:t>: Docker Hub impone limitaciones para el número de </a:t>
-            </a:r>
-            <a:r>
-              <a:rPr lang="es-AR" dirty="0" err="1"/>
-              <a:t>pulls</a:t>
-            </a:r>
-            <a:r>
-              <a:rPr lang="es-AR" dirty="0"/>
-              <a:t>, lo que podría afectar en proyectos de alto uso.</a:t>
-            </a:r>
-          </a:p>
-          <a:p>
-            <a:pPr algn="l"/>
-            <a:endParaRPr lang="en-US" dirty="0"/>
-          </a:p>
-        </p:txBody>
-      </p:sp>
-      <p:sp>
-        <p:nvSpPr>
-          <p:cNvPr id="4" name="Slide Number Placeholder 3"/>
-          <p:cNvSpPr>
-            <a:spLocks noGrp="1"/>
-          </p:cNvSpPr>
-          <p:nvPr>
-            <p:ph type="sldNum" sz="quarter" idx="10"/>
-          </p:nvPr>
-        </p:nvSpPr>
-        <p:spPr/>
-        <p:txBody>
-          <a:bodyPr/>
-          <a:lstStyle/>
-          <a:p>
-            <a:fld id="{5F2D3714-B553-A044-BA72-366907BA36B5}" type="slidenum">
-              <a:rPr lang="en-US" smtClean="0"/>
-              <a:t>9</a:t>
-            </a:fld>
-            <a:endParaRPr lang="en-US"/>
-          </a:p>
-        </p:txBody>
-      </p:sp>
-    </p:spTree>
-    <p:extLst>
-      <p:ext uri="{BB962C8B-B14F-4D97-AF65-F5344CB8AC3E}">
-        <p14:creationId xmlns:p14="http://schemas.microsoft.com/office/powerpoint/2010/main" val="3453454683"/>
+        <p14:creationId xmlns:p14="http://schemas.microsoft.com/office/powerpoint/2010/main" val="4069236727"/>
       </p:ext>
     </p:extLst>
   </p:cSld>
@@ -13158,7 +12074,7 @@
             <a:fld id="{3D5F6CB2-3771-4ADD-A627-914030C613EC}" type="datetimeFigureOut">
               <a:rPr lang="es-AR" smtClean="0"/>
               <a:pPr/>
-              <a:t>22/9/24</a:t>
+              <a:t>7/10/24</a:t>
             </a:fld>
             <a:endParaRPr lang="es-AR"/>
           </a:p>
@@ -17620,7 +16536,7 @@
         <p:spPr>
           <a:xfrm>
             <a:off x="3346102" y="2713887"/>
-            <a:ext cx="5978768" cy="1579535"/>
+            <a:ext cx="5978768" cy="1087092"/>
           </a:xfrm>
           <a:prstGeom prst="rect">
             <a:avLst/>
@@ -17641,7 +16557,7 @@
                 </a:solidFill>
                 <a:latin typeface="Raleway" pitchFamily="2" charset="77"/>
               </a:rPr>
-              <a:t>TP 08: </a:t>
+              <a:t>TP 09: </a:t>
             </a:r>
             <a:r>
               <a:rPr lang="es-AR" sz="3200" b="1" i="0" dirty="0">
@@ -17651,7 +16567,7 @@
                 <a:effectLst/>
                 <a:latin typeface="-apple-system"/>
               </a:rPr>
-              <a:t>Implementación de Contenedores en Azure y Automatización con Azure CLI</a:t>
+              <a:t>Implementación de Contenedores en Azure Parte 2</a:t>
             </a:r>
             <a:endParaRPr lang="es-AR" sz="3264" b="1" dirty="0">
               <a:solidFill>
@@ -17672,3090 +16588,6 @@
   <p:clrMapOvr>
     <a:masterClrMapping/>
   </p:clrMapOvr>
-</p:sld>
-</file>
-
-<file path=ppt/slides/slide10.xml><?xml version="1.0" encoding="utf-8"?>
-<p:sld xmlns:a="http://schemas.openxmlformats.org/drawingml/2006/main" xmlns:r="http://schemas.openxmlformats.org/officeDocument/2006/relationships" xmlns:p="http://schemas.openxmlformats.org/presentationml/2006/main" showMasterSp="0">
-  <p:cSld>
-    <p:spTree>
-      <p:nvGrpSpPr>
-        <p:cNvPr id="1" name=""/>
-        <p:cNvGrpSpPr/>
-        <p:nvPr/>
-      </p:nvGrpSpPr>
-      <p:grpSpPr>
-        <a:xfrm>
-          <a:off x="0" y="0"/>
-          <a:ext cx="0" cy="0"/>
-          <a:chOff x="0" y="0"/>
-          <a:chExt cx="0" cy="0"/>
-        </a:xfrm>
-      </p:grpSpPr>
-      <p:sp>
-        <p:nvSpPr>
-          <p:cNvPr id="4" name="Title 3">
-            <a:extLst>
-              <a:ext uri="{FF2B5EF4-FFF2-40B4-BE49-F238E27FC236}">
-                <a16:creationId xmlns:a16="http://schemas.microsoft.com/office/drawing/2014/main" id="{DA6A65AD-43AA-423E-8D08-19A36B5745EF}"/>
-              </a:ext>
-            </a:extLst>
-          </p:cNvPr>
-          <p:cNvSpPr>
-            <a:spLocks noGrp="1"/>
-          </p:cNvSpPr>
-          <p:nvPr>
-            <p:ph type="title"/>
-          </p:nvPr>
-        </p:nvSpPr>
-        <p:spPr>
-          <a:xfrm>
-            <a:off x="434975" y="227014"/>
-            <a:ext cx="11563350" cy="754061"/>
-          </a:xfrm>
-        </p:spPr>
-        <p:txBody>
-          <a:bodyPr/>
-          <a:lstStyle/>
-          <a:p>
-            <a:r>
-              <a:rPr lang="es-AR" b="1" dirty="0"/>
-              <a:t>Azure Container </a:t>
-            </a:r>
-            <a:r>
-              <a:rPr lang="es-AR" b="1" dirty="0" err="1"/>
-              <a:t>Registry</a:t>
-            </a:r>
-            <a:endParaRPr lang="es-AR" b="1" dirty="0"/>
-          </a:p>
-        </p:txBody>
-      </p:sp>
-      <p:sp>
-        <p:nvSpPr>
-          <p:cNvPr id="5" name="Text Placeholder 4">
-            <a:extLst>
-              <a:ext uri="{FF2B5EF4-FFF2-40B4-BE49-F238E27FC236}">
-                <a16:creationId xmlns:a16="http://schemas.microsoft.com/office/drawing/2014/main" id="{795D34CA-2892-4FF4-9588-C6A35829635B}"/>
-              </a:ext>
-            </a:extLst>
-          </p:cNvPr>
-          <p:cNvSpPr>
-            <a:spLocks noGrp="1"/>
-          </p:cNvSpPr>
-          <p:nvPr>
-            <p:ph type="body" sz="quarter" idx="10"/>
-          </p:nvPr>
-        </p:nvSpPr>
-        <p:spPr>
-          <a:xfrm>
-            <a:off x="445129" y="972295"/>
-            <a:ext cx="9551812" cy="544162"/>
-          </a:xfrm>
-        </p:spPr>
-        <p:txBody>
-          <a:bodyPr/>
-          <a:lstStyle/>
-          <a:p>
-            <a:pPr>
-              <a:lnSpc>
-                <a:spcPct val="100000"/>
-              </a:lnSpc>
-              <a:spcAft>
-                <a:spcPts val="800"/>
-              </a:spcAft>
-            </a:pPr>
-            <a:r>
-              <a:rPr lang="es-AR" sz="1800" dirty="0">
-                <a:solidFill>
-                  <a:schemeClr val="tx1">
-                    <a:lumMod val="65000"/>
-                    <a:lumOff val="35000"/>
-                  </a:schemeClr>
-                </a:solidFill>
-              </a:rPr>
-              <a:t>No es obligatorio usar Azure Container </a:t>
-            </a:r>
-            <a:r>
-              <a:rPr lang="es-AR" sz="1800" dirty="0" err="1">
-                <a:solidFill>
-                  <a:schemeClr val="tx1">
-                    <a:lumMod val="65000"/>
-                    <a:lumOff val="35000"/>
-                  </a:schemeClr>
-                </a:solidFill>
-              </a:rPr>
-              <a:t>Registry</a:t>
-            </a:r>
-            <a:r>
-              <a:rPr lang="es-AR" sz="1800" dirty="0">
-                <a:solidFill>
-                  <a:schemeClr val="tx1">
-                    <a:lumMod val="65000"/>
-                    <a:lumOff val="35000"/>
-                  </a:schemeClr>
-                </a:solidFill>
-              </a:rPr>
-              <a:t> (ACR) para desplegar contenedores en Azure. Es posible usar Docker Hub o cualquier otro registro de contenedores público o privado</a:t>
-            </a:r>
-          </a:p>
-        </p:txBody>
-      </p:sp>
-      <p:sp>
-        <p:nvSpPr>
-          <p:cNvPr id="6" name="CuadroTexto 5">
-            <a:extLst>
-              <a:ext uri="{FF2B5EF4-FFF2-40B4-BE49-F238E27FC236}">
-                <a16:creationId xmlns:a16="http://schemas.microsoft.com/office/drawing/2014/main" id="{781CE82A-C8C9-8F82-7426-26E9AE5FCFCA}"/>
-              </a:ext>
-            </a:extLst>
-          </p:cNvPr>
-          <p:cNvSpPr txBox="1"/>
-          <p:nvPr/>
-        </p:nvSpPr>
-        <p:spPr>
-          <a:xfrm>
-            <a:off x="434975" y="1726356"/>
-            <a:ext cx="11563350" cy="5262979"/>
-          </a:xfrm>
-          <a:prstGeom prst="rect">
-            <a:avLst/>
-          </a:prstGeom>
-          <a:noFill/>
-        </p:spPr>
-        <p:txBody>
-          <a:bodyPr wrap="square">
-            <a:spAutoFit/>
-          </a:bodyPr>
-          <a:lstStyle/>
-          <a:p>
-            <a:r>
-              <a:rPr lang="es-AR" sz="1600" b="1" dirty="0">
-                <a:solidFill>
-                  <a:schemeClr val="accent6"/>
-                </a:solidFill>
-              </a:rPr>
-              <a:t>Ventajas de usar ACR</a:t>
-            </a:r>
-            <a:r>
-              <a:rPr lang="es-AR" sz="1600" dirty="0">
-                <a:solidFill>
-                  <a:schemeClr val="accent6"/>
-                </a:solidFill>
-              </a:rPr>
-              <a:t>:</a:t>
-            </a:r>
-          </a:p>
-          <a:p>
-            <a:pPr marL="742950" lvl="1" indent="-285750">
-              <a:buFont typeface="Arial" panose="020B0604020202020204" pitchFamily="34" charset="0"/>
-              <a:buChar char="•"/>
-            </a:pPr>
-            <a:r>
-              <a:rPr lang="es-AR" sz="1600" dirty="0">
-                <a:solidFill>
-                  <a:schemeClr val="accent6"/>
-                </a:solidFill>
-              </a:rPr>
-              <a:t>ACR ofrece una solución privada para almacenar imágenes Docker, con integración profunda en el ecosistema de Azure, incluyendo autenticación mediante </a:t>
-            </a:r>
-            <a:r>
-              <a:rPr lang="es-AR" sz="1600" b="1" dirty="0">
-                <a:solidFill>
-                  <a:schemeClr val="accent6"/>
-                </a:solidFill>
-              </a:rPr>
-              <a:t>Azure Active </a:t>
-            </a:r>
-            <a:r>
-              <a:rPr lang="es-AR" sz="1600" b="1" dirty="0" err="1">
-                <a:solidFill>
-                  <a:schemeClr val="accent6"/>
-                </a:solidFill>
-              </a:rPr>
-              <a:t>Directory</a:t>
-            </a:r>
-            <a:r>
-              <a:rPr lang="es-AR" sz="1600" b="1" dirty="0">
-                <a:solidFill>
-                  <a:schemeClr val="accent6"/>
-                </a:solidFill>
-              </a:rPr>
-              <a:t> (AAD)</a:t>
-            </a:r>
-            <a:r>
-              <a:rPr lang="es-AR" sz="1600" dirty="0">
-                <a:solidFill>
-                  <a:schemeClr val="accent6"/>
-                </a:solidFill>
-              </a:rPr>
-              <a:t>, control de acceso basado en roles (RBAC) y gestión centralizada de las imágenes.</a:t>
-            </a:r>
-          </a:p>
-          <a:p>
-            <a:pPr marL="742950" lvl="1" indent="-285750">
-              <a:buFont typeface="Arial" panose="020B0604020202020204" pitchFamily="34" charset="0"/>
-              <a:buChar char="•"/>
-            </a:pPr>
-            <a:r>
-              <a:rPr lang="es-AR" sz="1600" b="1" dirty="0">
-                <a:solidFill>
-                  <a:schemeClr val="accent6"/>
-                </a:solidFill>
-              </a:rPr>
-              <a:t>Escalabilidad</a:t>
-            </a:r>
-            <a:r>
-              <a:rPr lang="es-AR" sz="1600" dirty="0">
-                <a:solidFill>
-                  <a:schemeClr val="accent6"/>
-                </a:solidFill>
-              </a:rPr>
-              <a:t> y características avanzadas como replicación geográfica.</a:t>
-            </a:r>
-          </a:p>
-          <a:p>
-            <a:pPr marL="742950" lvl="1" indent="-285750">
-              <a:buFont typeface="Arial" panose="020B0604020202020204" pitchFamily="34" charset="0"/>
-              <a:buChar char="•"/>
-            </a:pPr>
-            <a:r>
-              <a:rPr lang="es-AR" sz="1600" dirty="0">
-                <a:solidFill>
-                  <a:schemeClr val="accent6"/>
-                </a:solidFill>
-              </a:rPr>
-              <a:t>Mayor </a:t>
-            </a:r>
-            <a:r>
-              <a:rPr lang="es-AR" sz="1600" b="1" dirty="0">
-                <a:solidFill>
-                  <a:schemeClr val="accent6"/>
-                </a:solidFill>
-              </a:rPr>
-              <a:t>seguridad</a:t>
-            </a:r>
-            <a:r>
-              <a:rPr lang="es-AR" sz="1600" dirty="0">
-                <a:solidFill>
-                  <a:schemeClr val="accent6"/>
-                </a:solidFill>
-              </a:rPr>
-              <a:t> al evitar exponer imágenes sensibles en registros públicos.</a:t>
-            </a:r>
-          </a:p>
-          <a:p>
-            <a:r>
-              <a:rPr lang="es-AR" sz="1600" b="1" dirty="0">
-                <a:solidFill>
-                  <a:schemeClr val="accent6"/>
-                </a:solidFill>
-              </a:rPr>
-              <a:t>Desventajas de ACR</a:t>
-            </a:r>
-            <a:r>
-              <a:rPr lang="es-AR" sz="1600" dirty="0">
-                <a:solidFill>
-                  <a:schemeClr val="accent6"/>
-                </a:solidFill>
-              </a:rPr>
-              <a:t>:</a:t>
-            </a:r>
-          </a:p>
-          <a:p>
-            <a:pPr marL="742950" lvl="1" indent="-285750">
-              <a:buFont typeface="Arial" panose="020B0604020202020204" pitchFamily="34" charset="0"/>
-              <a:buChar char="•"/>
-            </a:pPr>
-            <a:r>
-              <a:rPr lang="es-AR" sz="1600" b="1" dirty="0">
-                <a:solidFill>
-                  <a:schemeClr val="accent6"/>
-                </a:solidFill>
-              </a:rPr>
-              <a:t>Costo</a:t>
-            </a:r>
-            <a:r>
-              <a:rPr lang="es-AR" sz="1600" dirty="0">
-                <a:solidFill>
-                  <a:schemeClr val="accent6"/>
-                </a:solidFill>
-              </a:rPr>
-              <a:t>: Al ser un servicio gestionado y privado, ACR implica costos adicionales, especialmente en los niveles </a:t>
-            </a:r>
-            <a:r>
-              <a:rPr lang="es-AR" sz="1600" b="1" dirty="0">
-                <a:solidFill>
-                  <a:schemeClr val="accent6"/>
-                </a:solidFill>
-              </a:rPr>
-              <a:t>Premium</a:t>
-            </a:r>
-            <a:r>
-              <a:rPr lang="es-AR" sz="1600" dirty="0">
-                <a:solidFill>
-                  <a:schemeClr val="accent6"/>
-                </a:solidFill>
-              </a:rPr>
-              <a:t> con características avanzadas.</a:t>
-            </a:r>
-          </a:p>
-          <a:p>
-            <a:endParaRPr lang="es-AR" sz="1600" b="1" dirty="0">
-              <a:solidFill>
-                <a:schemeClr val="accent6"/>
-              </a:solidFill>
-            </a:endParaRPr>
-          </a:p>
-          <a:p>
-            <a:r>
-              <a:rPr lang="es-AR" sz="1600" b="1" dirty="0">
-                <a:solidFill>
-                  <a:schemeClr val="accent6"/>
-                </a:solidFill>
-              </a:rPr>
-              <a:t>Ventajas de </a:t>
-            </a:r>
-            <a:r>
-              <a:rPr lang="es-AR" sz="1600" b="1" dirty="0" err="1">
-                <a:solidFill>
-                  <a:schemeClr val="accent6"/>
-                </a:solidFill>
-              </a:rPr>
-              <a:t>DockerHub</a:t>
-            </a:r>
-            <a:r>
-              <a:rPr lang="es-AR" sz="1600" b="1" dirty="0">
-                <a:solidFill>
-                  <a:schemeClr val="accent6"/>
-                </a:solidFill>
-              </a:rPr>
-              <a:t> o similares</a:t>
-            </a:r>
-            <a:r>
-              <a:rPr lang="es-AR" sz="1600" dirty="0">
-                <a:solidFill>
-                  <a:schemeClr val="accent6"/>
-                </a:solidFill>
-              </a:rPr>
-              <a:t>:</a:t>
-            </a:r>
-          </a:p>
-          <a:p>
-            <a:pPr marL="742950" lvl="1" indent="-285750">
-              <a:buFont typeface="Arial" panose="020B0604020202020204" pitchFamily="34" charset="0"/>
-              <a:buChar char="•"/>
-            </a:pPr>
-            <a:r>
-              <a:rPr lang="es-AR" sz="1600" b="1" dirty="0">
-                <a:solidFill>
-                  <a:schemeClr val="accent6"/>
-                </a:solidFill>
-              </a:rPr>
-              <a:t>Facilidad de uso</a:t>
-            </a:r>
-            <a:r>
-              <a:rPr lang="es-AR" sz="1600" dirty="0">
-                <a:solidFill>
-                  <a:schemeClr val="accent6"/>
-                </a:solidFill>
-              </a:rPr>
-              <a:t>: Docker Hub es fácil de usar y está muy integrado en el ecosistema Docker. Si ya tienes imágenes almacenadas allí, es rápido y sencillo conectarlo a ACI.</a:t>
-            </a:r>
-          </a:p>
-          <a:p>
-            <a:pPr marL="742950" lvl="1" indent="-285750">
-              <a:buFont typeface="Arial" panose="020B0604020202020204" pitchFamily="34" charset="0"/>
-              <a:buChar char="•"/>
-            </a:pPr>
-            <a:r>
-              <a:rPr lang="es-AR" sz="1600" b="1" dirty="0">
-                <a:solidFill>
-                  <a:schemeClr val="accent6"/>
-                </a:solidFill>
-              </a:rPr>
-              <a:t>Gratuito</a:t>
-            </a:r>
-            <a:r>
-              <a:rPr lang="es-AR" sz="1600" dirty="0">
-                <a:solidFill>
-                  <a:schemeClr val="accent6"/>
-                </a:solidFill>
-              </a:rPr>
-              <a:t> para imágenes públicas.</a:t>
-            </a:r>
-          </a:p>
-          <a:p>
-            <a:r>
-              <a:rPr lang="es-AR" sz="1600" b="1" dirty="0">
-                <a:solidFill>
-                  <a:schemeClr val="accent6"/>
-                </a:solidFill>
-              </a:rPr>
-              <a:t>Desventajas de </a:t>
-            </a:r>
-            <a:r>
-              <a:rPr lang="es-AR" sz="1600" b="1" dirty="0" err="1">
-                <a:solidFill>
-                  <a:schemeClr val="accent6"/>
-                </a:solidFill>
-              </a:rPr>
-              <a:t>DockerHub</a:t>
-            </a:r>
-            <a:r>
-              <a:rPr lang="es-AR" sz="1600" b="1" dirty="0">
-                <a:solidFill>
-                  <a:schemeClr val="accent6"/>
-                </a:solidFill>
-              </a:rPr>
-              <a:t> o similares</a:t>
-            </a:r>
-            <a:r>
-              <a:rPr lang="es-AR" sz="1600" dirty="0">
-                <a:solidFill>
-                  <a:schemeClr val="accent6"/>
-                </a:solidFill>
-              </a:rPr>
-              <a:t>:</a:t>
-            </a:r>
-          </a:p>
-          <a:p>
-            <a:pPr marL="742950" lvl="1" indent="-285750">
-              <a:buFont typeface="Arial" panose="020B0604020202020204" pitchFamily="34" charset="0"/>
-              <a:buChar char="•"/>
-            </a:pPr>
-            <a:r>
-              <a:rPr lang="es-AR" sz="1600" b="1" dirty="0">
-                <a:solidFill>
-                  <a:schemeClr val="accent6"/>
-                </a:solidFill>
-              </a:rPr>
-              <a:t>Limitaciones de seguridad</a:t>
-            </a:r>
-            <a:r>
-              <a:rPr lang="es-AR" sz="1600" dirty="0">
-                <a:solidFill>
-                  <a:schemeClr val="accent6"/>
-                </a:solidFill>
-              </a:rPr>
-              <a:t>: Las imágenes en Docker Hub público son visibles para cualquiera, lo cual puede ser un problema al manejar aplicaciones sensibles.</a:t>
-            </a:r>
-          </a:p>
-          <a:p>
-            <a:pPr marL="742950" lvl="1" indent="-285750">
-              <a:buFont typeface="Arial" panose="020B0604020202020204" pitchFamily="34" charset="0"/>
-              <a:buChar char="•"/>
-            </a:pPr>
-            <a:r>
-              <a:rPr lang="es-AR" sz="1600" b="1" dirty="0">
-                <a:solidFill>
-                  <a:schemeClr val="accent6"/>
-                </a:solidFill>
-              </a:rPr>
-              <a:t>Autenticación</a:t>
-            </a:r>
-            <a:r>
-              <a:rPr lang="es-AR" sz="1600" dirty="0">
-                <a:solidFill>
-                  <a:schemeClr val="accent6"/>
-                </a:solidFill>
-              </a:rPr>
-              <a:t>: Si las imágenes están en un repositorio privado de Docker Hub, se debe configurar autenticación adicional para que Azure pueda acceder a ellas, lo cual puede complicar la gestión de credenciales en pipelines.</a:t>
-            </a:r>
-          </a:p>
-          <a:p>
-            <a:pPr marL="742950" lvl="1" indent="-285750">
-              <a:buFont typeface="Arial" panose="020B0604020202020204" pitchFamily="34" charset="0"/>
-              <a:buChar char="•"/>
-            </a:pPr>
-            <a:r>
-              <a:rPr lang="es-AR" sz="1600" b="1" dirty="0">
-                <a:solidFill>
-                  <a:schemeClr val="accent6"/>
-                </a:solidFill>
-              </a:rPr>
-              <a:t>Límite de uso</a:t>
-            </a:r>
-            <a:r>
-              <a:rPr lang="es-AR" sz="1600" dirty="0">
-                <a:solidFill>
-                  <a:schemeClr val="accent6"/>
-                </a:solidFill>
-              </a:rPr>
-              <a:t>: Docker Hub impone limitaciones para el número de </a:t>
-            </a:r>
-            <a:r>
-              <a:rPr lang="es-AR" sz="1600" dirty="0" err="1">
-                <a:solidFill>
-                  <a:schemeClr val="accent6"/>
-                </a:solidFill>
-              </a:rPr>
-              <a:t>pulls</a:t>
-            </a:r>
-            <a:r>
-              <a:rPr lang="es-AR" sz="1600" dirty="0">
-                <a:solidFill>
-                  <a:schemeClr val="accent6"/>
-                </a:solidFill>
-              </a:rPr>
-              <a:t>, lo que podría afectar en proyectos de alto uso.</a:t>
-            </a:r>
-          </a:p>
-        </p:txBody>
-      </p:sp>
-      <p:pic>
-        <p:nvPicPr>
-          <p:cNvPr id="2" name="Imagen 1">
-            <a:extLst>
-              <a:ext uri="{FF2B5EF4-FFF2-40B4-BE49-F238E27FC236}">
-                <a16:creationId xmlns:a16="http://schemas.microsoft.com/office/drawing/2014/main" id="{3FAAF402-7C22-6AE9-A9AB-9F65E305EF3D}"/>
-              </a:ext>
-            </a:extLst>
-          </p:cNvPr>
-          <p:cNvPicPr>
-            <a:picLocks noChangeAspect="1"/>
-          </p:cNvPicPr>
-          <p:nvPr/>
-        </p:nvPicPr>
-        <p:blipFill>
-          <a:blip r:embed="rId3"/>
-          <a:stretch>
-            <a:fillRect/>
-          </a:stretch>
-        </p:blipFill>
-        <p:spPr>
-          <a:xfrm>
-            <a:off x="10171389" y="227014"/>
-            <a:ext cx="2001384" cy="1105242"/>
-          </a:xfrm>
-          <a:prstGeom prst="rect">
-            <a:avLst/>
-          </a:prstGeom>
-        </p:spPr>
-      </p:pic>
-    </p:spTree>
-    <p:extLst>
-      <p:ext uri="{BB962C8B-B14F-4D97-AF65-F5344CB8AC3E}">
-        <p14:creationId xmlns:p14="http://schemas.microsoft.com/office/powerpoint/2010/main" val="2843932267"/>
-      </p:ext>
-    </p:extLst>
-  </p:cSld>
-  <p:clrMapOvr>
-    <a:masterClrMapping/>
-  </p:clrMapOvr>
-  <mc:AlternateContent xmlns:mc="http://schemas.openxmlformats.org/markup-compatibility/2006">
-    <mc:Choice xmlns:p14="http://schemas.microsoft.com/office/powerpoint/2010/main" Requires="p14">
-      <p:transition spd="med" p14:dur="700">
-        <p:fade/>
-      </p:transition>
-    </mc:Choice>
-    <mc:Fallback>
-      <p:transition spd="med">
-        <p:fade/>
-      </p:transition>
-    </mc:Fallback>
-  </mc:AlternateContent>
-</p:sld>
-</file>
-
-<file path=ppt/slides/slide11.xml><?xml version="1.0" encoding="utf-8"?>
-<p:sld xmlns:a="http://schemas.openxmlformats.org/drawingml/2006/main" xmlns:r="http://schemas.openxmlformats.org/officeDocument/2006/relationships" xmlns:p="http://schemas.openxmlformats.org/presentationml/2006/main" showMasterSp="0">
-  <p:cSld>
-    <p:spTree>
-      <p:nvGrpSpPr>
-        <p:cNvPr id="1" name=""/>
-        <p:cNvGrpSpPr/>
-        <p:nvPr/>
-      </p:nvGrpSpPr>
-      <p:grpSpPr>
-        <a:xfrm>
-          <a:off x="0" y="0"/>
-          <a:ext cx="0" cy="0"/>
-          <a:chOff x="0" y="0"/>
-          <a:chExt cx="0" cy="0"/>
-        </a:xfrm>
-      </p:grpSpPr>
-      <p:sp>
-        <p:nvSpPr>
-          <p:cNvPr id="4" name="Title 3">
-            <a:extLst>
-              <a:ext uri="{FF2B5EF4-FFF2-40B4-BE49-F238E27FC236}">
-                <a16:creationId xmlns:a16="http://schemas.microsoft.com/office/drawing/2014/main" id="{DA6A65AD-43AA-423E-8D08-19A36B5745EF}"/>
-              </a:ext>
-            </a:extLst>
-          </p:cNvPr>
-          <p:cNvSpPr>
-            <a:spLocks noGrp="1"/>
-          </p:cNvSpPr>
-          <p:nvPr>
-            <p:ph type="title"/>
-          </p:nvPr>
-        </p:nvSpPr>
-        <p:spPr>
-          <a:xfrm>
-            <a:off x="434975" y="227014"/>
-            <a:ext cx="11563350" cy="754061"/>
-          </a:xfrm>
-        </p:spPr>
-        <p:txBody>
-          <a:bodyPr/>
-          <a:lstStyle/>
-          <a:p>
-            <a:r>
-              <a:rPr lang="es-AR" b="1" dirty="0"/>
-              <a:t>Azure </a:t>
-            </a:r>
-            <a:r>
-              <a:rPr lang="es-AR" b="1" dirty="0" err="1"/>
-              <a:t>Command</a:t>
-            </a:r>
-            <a:r>
-              <a:rPr lang="es-AR" b="1" dirty="0"/>
-              <a:t> Line Interface (Azure CLI)</a:t>
-            </a:r>
-          </a:p>
-        </p:txBody>
-      </p:sp>
-      <p:sp>
-        <p:nvSpPr>
-          <p:cNvPr id="5" name="Text Placeholder 4">
-            <a:extLst>
-              <a:ext uri="{FF2B5EF4-FFF2-40B4-BE49-F238E27FC236}">
-                <a16:creationId xmlns:a16="http://schemas.microsoft.com/office/drawing/2014/main" id="{795D34CA-2892-4FF4-9588-C6A35829635B}"/>
-              </a:ext>
-            </a:extLst>
-          </p:cNvPr>
-          <p:cNvSpPr>
-            <a:spLocks noGrp="1"/>
-          </p:cNvSpPr>
-          <p:nvPr>
-            <p:ph type="body" sz="quarter" idx="10"/>
-          </p:nvPr>
-        </p:nvSpPr>
-        <p:spPr>
-          <a:xfrm>
-            <a:off x="445129" y="972295"/>
-            <a:ext cx="10222871" cy="544162"/>
-          </a:xfrm>
-        </p:spPr>
-        <p:txBody>
-          <a:bodyPr/>
-          <a:lstStyle/>
-          <a:p>
-            <a:pPr>
-              <a:lnSpc>
-                <a:spcPct val="100000"/>
-              </a:lnSpc>
-              <a:spcAft>
-                <a:spcPts val="800"/>
-              </a:spcAft>
-            </a:pPr>
-            <a:r>
-              <a:rPr lang="en-US" sz="1800" dirty="0">
-                <a:solidFill>
-                  <a:schemeClr val="tx1">
-                    <a:lumMod val="65000"/>
-                    <a:lumOff val="35000"/>
-                  </a:schemeClr>
-                </a:solidFill>
-              </a:rPr>
-              <a:t>Azure CLI es </a:t>
-            </a:r>
-            <a:r>
-              <a:rPr lang="en-US" sz="1800" dirty="0" err="1">
-                <a:solidFill>
-                  <a:schemeClr val="tx1">
-                    <a:lumMod val="65000"/>
-                    <a:lumOff val="35000"/>
-                  </a:schemeClr>
-                </a:solidFill>
-              </a:rPr>
-              <a:t>una</a:t>
-            </a:r>
-            <a:r>
-              <a:rPr lang="en-US" sz="1800" dirty="0">
-                <a:solidFill>
-                  <a:schemeClr val="tx1">
-                    <a:lumMod val="65000"/>
-                    <a:lumOff val="35000"/>
-                  </a:schemeClr>
-                </a:solidFill>
-              </a:rPr>
-              <a:t> </a:t>
-            </a:r>
-            <a:r>
-              <a:rPr lang="en-US" sz="1800" dirty="0" err="1">
-                <a:solidFill>
-                  <a:schemeClr val="tx1">
-                    <a:lumMod val="65000"/>
-                    <a:lumOff val="35000"/>
-                  </a:schemeClr>
-                </a:solidFill>
-              </a:rPr>
-              <a:t>interfaz</a:t>
-            </a:r>
-            <a:r>
-              <a:rPr lang="en-US" sz="1800" dirty="0">
-                <a:solidFill>
-                  <a:schemeClr val="tx1">
-                    <a:lumMod val="65000"/>
-                    <a:lumOff val="35000"/>
-                  </a:schemeClr>
-                </a:solidFill>
-              </a:rPr>
-              <a:t> de </a:t>
-            </a:r>
-            <a:r>
-              <a:rPr lang="en-US" sz="1800" dirty="0" err="1">
-                <a:solidFill>
-                  <a:schemeClr val="tx1">
-                    <a:lumMod val="65000"/>
-                    <a:lumOff val="35000"/>
-                  </a:schemeClr>
-                </a:solidFill>
-              </a:rPr>
-              <a:t>línea</a:t>
-            </a:r>
-            <a:r>
-              <a:rPr lang="en-US" sz="1800" dirty="0">
-                <a:solidFill>
-                  <a:schemeClr val="tx1">
-                    <a:lumMod val="65000"/>
-                    <a:lumOff val="35000"/>
-                  </a:schemeClr>
-                </a:solidFill>
-              </a:rPr>
-              <a:t> de </a:t>
-            </a:r>
-            <a:r>
-              <a:rPr lang="en-US" sz="1800" dirty="0" err="1">
-                <a:solidFill>
-                  <a:schemeClr val="tx1">
-                    <a:lumMod val="65000"/>
-                    <a:lumOff val="35000"/>
-                  </a:schemeClr>
-                </a:solidFill>
-              </a:rPr>
-              <a:t>comandos</a:t>
-            </a:r>
-            <a:r>
-              <a:rPr lang="en-US" sz="1800" dirty="0">
-                <a:solidFill>
-                  <a:schemeClr val="tx1">
-                    <a:lumMod val="65000"/>
-                    <a:lumOff val="35000"/>
-                  </a:schemeClr>
-                </a:solidFill>
-              </a:rPr>
-              <a:t> </a:t>
-            </a:r>
-            <a:r>
-              <a:rPr lang="en-US" sz="1800" dirty="0" err="1">
-                <a:solidFill>
-                  <a:schemeClr val="tx1">
-                    <a:lumMod val="65000"/>
-                    <a:lumOff val="35000"/>
-                  </a:schemeClr>
-                </a:solidFill>
-              </a:rPr>
-              <a:t>unificada</a:t>
-            </a:r>
-            <a:r>
-              <a:rPr lang="en-US" sz="1800" dirty="0">
-                <a:solidFill>
-                  <a:schemeClr val="tx1">
-                    <a:lumMod val="65000"/>
-                    <a:lumOff val="35000"/>
-                  </a:schemeClr>
-                </a:solidFill>
-              </a:rPr>
-              <a:t> que </a:t>
-            </a:r>
-            <a:r>
-              <a:rPr lang="en-US" sz="1800" dirty="0" err="1">
-                <a:solidFill>
-                  <a:schemeClr val="tx1">
-                    <a:lumMod val="65000"/>
-                    <a:lumOff val="35000"/>
-                  </a:schemeClr>
-                </a:solidFill>
-              </a:rPr>
-              <a:t>permite</a:t>
-            </a:r>
-            <a:r>
-              <a:rPr lang="en-US" sz="1800" dirty="0">
-                <a:solidFill>
-                  <a:schemeClr val="tx1">
-                    <a:lumMod val="65000"/>
-                    <a:lumOff val="35000"/>
-                  </a:schemeClr>
-                </a:solidFill>
-              </a:rPr>
-              <a:t> </a:t>
-            </a:r>
-            <a:r>
-              <a:rPr lang="en-US" sz="1800" dirty="0" err="1">
-                <a:solidFill>
-                  <a:schemeClr val="tx1">
-                    <a:lumMod val="65000"/>
-                    <a:lumOff val="35000"/>
-                  </a:schemeClr>
-                </a:solidFill>
-              </a:rPr>
-              <a:t>interactuar</a:t>
-            </a:r>
-            <a:r>
-              <a:rPr lang="en-US" sz="1800" dirty="0">
-                <a:solidFill>
-                  <a:schemeClr val="tx1">
-                    <a:lumMod val="65000"/>
-                    <a:lumOff val="35000"/>
-                  </a:schemeClr>
-                </a:solidFill>
-              </a:rPr>
-              <a:t> con </a:t>
-            </a:r>
-            <a:r>
-              <a:rPr lang="en-US" sz="1800" dirty="0" err="1">
-                <a:solidFill>
-                  <a:schemeClr val="tx1">
-                    <a:lumMod val="65000"/>
-                    <a:lumOff val="35000"/>
-                  </a:schemeClr>
-                </a:solidFill>
-              </a:rPr>
-              <a:t>todos</a:t>
-            </a:r>
-            <a:r>
-              <a:rPr lang="en-US" sz="1800" dirty="0">
-                <a:solidFill>
-                  <a:schemeClr val="tx1">
-                    <a:lumMod val="65000"/>
-                    <a:lumOff val="35000"/>
-                  </a:schemeClr>
-                </a:solidFill>
-              </a:rPr>
-              <a:t> </a:t>
-            </a:r>
-            <a:r>
-              <a:rPr lang="en-US" sz="1800" dirty="0" err="1">
-                <a:solidFill>
-                  <a:schemeClr val="tx1">
-                    <a:lumMod val="65000"/>
-                    <a:lumOff val="35000"/>
-                  </a:schemeClr>
-                </a:solidFill>
-              </a:rPr>
-              <a:t>los</a:t>
-            </a:r>
-            <a:r>
-              <a:rPr lang="en-US" sz="1800" dirty="0">
-                <a:solidFill>
-                  <a:schemeClr val="tx1">
-                    <a:lumMod val="65000"/>
-                    <a:lumOff val="35000"/>
-                  </a:schemeClr>
-                </a:solidFill>
-              </a:rPr>
-              <a:t> </a:t>
-            </a:r>
-            <a:r>
-              <a:rPr lang="en-US" sz="1800" dirty="0" err="1">
-                <a:solidFill>
-                  <a:schemeClr val="tx1">
-                    <a:lumMod val="65000"/>
-                    <a:lumOff val="35000"/>
-                  </a:schemeClr>
-                </a:solidFill>
-              </a:rPr>
-              <a:t>servicios</a:t>
-            </a:r>
-            <a:r>
-              <a:rPr lang="en-US" sz="1800" dirty="0">
-                <a:solidFill>
-                  <a:schemeClr val="tx1">
-                    <a:lumMod val="65000"/>
-                    <a:lumOff val="35000"/>
-                  </a:schemeClr>
-                </a:solidFill>
-              </a:rPr>
-              <a:t> de Azure.</a:t>
-            </a:r>
-            <a:endParaRPr lang="es-AR" sz="1800" dirty="0">
-              <a:solidFill>
-                <a:schemeClr val="tx1">
-                  <a:lumMod val="65000"/>
-                  <a:lumOff val="35000"/>
-                </a:schemeClr>
-              </a:solidFill>
-            </a:endParaRPr>
-          </a:p>
-          <a:p>
-            <a:pPr>
-              <a:lnSpc>
-                <a:spcPct val="100000"/>
-              </a:lnSpc>
-              <a:spcAft>
-                <a:spcPts val="800"/>
-              </a:spcAft>
-            </a:pPr>
-            <a:endParaRPr lang="es-AR" sz="1800" dirty="0">
-              <a:solidFill>
-                <a:schemeClr val="tx1">
-                  <a:lumMod val="65000"/>
-                  <a:lumOff val="35000"/>
-                </a:schemeClr>
-              </a:solidFill>
-            </a:endParaRPr>
-          </a:p>
-        </p:txBody>
-      </p:sp>
-      <p:sp>
-        <p:nvSpPr>
-          <p:cNvPr id="6" name="CuadroTexto 5">
-            <a:extLst>
-              <a:ext uri="{FF2B5EF4-FFF2-40B4-BE49-F238E27FC236}">
-                <a16:creationId xmlns:a16="http://schemas.microsoft.com/office/drawing/2014/main" id="{781CE82A-C8C9-8F82-7426-26E9AE5FCFCA}"/>
-              </a:ext>
-            </a:extLst>
-          </p:cNvPr>
-          <p:cNvSpPr txBox="1"/>
-          <p:nvPr/>
-        </p:nvSpPr>
-        <p:spPr>
-          <a:xfrm>
-            <a:off x="434975" y="1726356"/>
-            <a:ext cx="11563350" cy="4708981"/>
-          </a:xfrm>
-          <a:prstGeom prst="rect">
-            <a:avLst/>
-          </a:prstGeom>
-          <a:noFill/>
-        </p:spPr>
-        <p:txBody>
-          <a:bodyPr wrap="square">
-            <a:spAutoFit/>
-          </a:bodyPr>
-          <a:lstStyle/>
-          <a:p>
-            <a:pPr marL="285750" indent="-285750">
-              <a:buFont typeface="Arial" panose="020B0604020202020204" pitchFamily="34" charset="0"/>
-              <a:buChar char="•"/>
-            </a:pPr>
-            <a:r>
-              <a:rPr lang="es-AR" sz="1600" b="1" dirty="0">
-                <a:solidFill>
-                  <a:schemeClr val="accent6"/>
-                </a:solidFill>
-              </a:rPr>
-              <a:t>Cross-</a:t>
-            </a:r>
-            <a:r>
-              <a:rPr lang="es-AR" sz="1600" b="1" dirty="0" err="1">
-                <a:solidFill>
-                  <a:schemeClr val="accent6"/>
-                </a:solidFill>
-              </a:rPr>
-              <a:t>Platform</a:t>
-            </a:r>
-            <a:r>
-              <a:rPr lang="es-AR" sz="1600" b="1" dirty="0">
-                <a:solidFill>
-                  <a:schemeClr val="accent6"/>
-                </a:solidFill>
-              </a:rPr>
-              <a:t>: </a:t>
-            </a:r>
-            <a:r>
-              <a:rPr lang="es-AR" sz="1600" dirty="0">
-                <a:solidFill>
-                  <a:schemeClr val="accent6"/>
-                </a:solidFill>
-              </a:rPr>
-              <a:t>Funciona en Windows, macOS y Linux.</a:t>
-            </a:r>
-          </a:p>
-          <a:p>
-            <a:pPr marL="285750" indent="-285750">
-              <a:buFont typeface="Arial" panose="020B0604020202020204" pitchFamily="34" charset="0"/>
-              <a:buChar char="•"/>
-            </a:pPr>
-            <a:r>
-              <a:rPr lang="es-AR" sz="1600" b="1" dirty="0">
-                <a:solidFill>
-                  <a:schemeClr val="accent6"/>
-                </a:solidFill>
-              </a:rPr>
-              <a:t>Azure Cloud Shell: </a:t>
-            </a:r>
-            <a:r>
-              <a:rPr lang="es-AR" sz="1600" dirty="0">
-                <a:solidFill>
-                  <a:schemeClr val="accent6"/>
-                </a:solidFill>
-              </a:rPr>
-              <a:t>Disponible directamente en el Portal de Azure. No requiere instalación y proporciona acceso inmediato a Azure CLI con credenciales ya configuradas.</a:t>
-            </a:r>
-          </a:p>
-          <a:p>
-            <a:pPr marL="285750" indent="-285750">
-              <a:buFont typeface="Arial" panose="020B0604020202020204" pitchFamily="34" charset="0"/>
-              <a:buChar char="•"/>
-            </a:pPr>
-            <a:r>
-              <a:rPr lang="es-AR" sz="1600" b="1" dirty="0">
-                <a:solidFill>
-                  <a:schemeClr val="accent6"/>
-                </a:solidFill>
-              </a:rPr>
-              <a:t>Docker</a:t>
-            </a:r>
-            <a:r>
-              <a:rPr lang="es-AR" sz="1600" dirty="0">
-                <a:solidFill>
-                  <a:schemeClr val="accent6"/>
-                </a:solidFill>
-              </a:rPr>
-              <a:t>: Azure CLI se puede ejecutar como un contenedor de Docker.</a:t>
-            </a:r>
-          </a:p>
-          <a:p>
-            <a:r>
-              <a:rPr lang="es-AR" sz="1600" dirty="0">
-                <a:solidFill>
-                  <a:schemeClr val="accent6"/>
-                </a:solidFill>
-              </a:rPr>
-              <a:t>			</a:t>
-            </a:r>
-            <a:r>
-              <a:rPr lang="es-AR" sz="1400" dirty="0" err="1">
-                <a:solidFill>
-                  <a:schemeClr val="accent6"/>
-                </a:solidFill>
-                <a:latin typeface="Courier New" panose="02070309020205020404" pitchFamily="49" charset="0"/>
-                <a:cs typeface="Courier New" panose="02070309020205020404" pitchFamily="49" charset="0"/>
-              </a:rPr>
-              <a:t>docker</a:t>
-            </a:r>
-            <a:r>
-              <a:rPr lang="es-AR" sz="1400" dirty="0">
-                <a:solidFill>
-                  <a:schemeClr val="accent6"/>
-                </a:solidFill>
-                <a:latin typeface="Courier New" panose="02070309020205020404" pitchFamily="49" charset="0"/>
-                <a:cs typeface="Courier New" panose="02070309020205020404" pitchFamily="49" charset="0"/>
-              </a:rPr>
-              <a:t> run -</a:t>
-            </a:r>
-            <a:r>
-              <a:rPr lang="es-AR" sz="1400" dirty="0" err="1">
-                <a:solidFill>
-                  <a:schemeClr val="accent6"/>
-                </a:solidFill>
-                <a:latin typeface="Courier New" panose="02070309020205020404" pitchFamily="49" charset="0"/>
-                <a:cs typeface="Courier New" panose="02070309020205020404" pitchFamily="49" charset="0"/>
-              </a:rPr>
-              <a:t>it</a:t>
-            </a:r>
-            <a:r>
-              <a:rPr lang="es-AR" sz="1400" dirty="0">
-                <a:solidFill>
-                  <a:schemeClr val="accent6"/>
-                </a:solidFill>
-                <a:latin typeface="Courier New" panose="02070309020205020404" pitchFamily="49" charset="0"/>
-                <a:cs typeface="Courier New" panose="02070309020205020404" pitchFamily="49" charset="0"/>
-              </a:rPr>
-              <a:t> </a:t>
-            </a:r>
-            <a:r>
-              <a:rPr lang="es-AR" sz="1400" dirty="0" err="1">
-                <a:solidFill>
-                  <a:schemeClr val="accent6"/>
-                </a:solidFill>
-                <a:latin typeface="Courier New" panose="02070309020205020404" pitchFamily="49" charset="0"/>
-                <a:cs typeface="Courier New" panose="02070309020205020404" pitchFamily="49" charset="0"/>
-              </a:rPr>
-              <a:t>mcr.microsoft.com</a:t>
-            </a:r>
-            <a:r>
-              <a:rPr lang="es-AR" sz="1400" dirty="0">
-                <a:solidFill>
-                  <a:schemeClr val="accent6"/>
-                </a:solidFill>
-                <a:latin typeface="Courier New" panose="02070309020205020404" pitchFamily="49" charset="0"/>
-                <a:cs typeface="Courier New" panose="02070309020205020404" pitchFamily="49" charset="0"/>
-              </a:rPr>
-              <a:t>/</a:t>
-            </a:r>
-            <a:r>
-              <a:rPr lang="es-AR" sz="1400" dirty="0" err="1">
-                <a:solidFill>
-                  <a:schemeClr val="accent6"/>
-                </a:solidFill>
-                <a:latin typeface="Courier New" panose="02070309020205020404" pitchFamily="49" charset="0"/>
-                <a:cs typeface="Courier New" panose="02070309020205020404" pitchFamily="49" charset="0"/>
-              </a:rPr>
-              <a:t>azure-cli</a:t>
-            </a:r>
-            <a:endParaRPr lang="es-AR" sz="1600" dirty="0">
-              <a:solidFill>
-                <a:schemeClr val="accent6"/>
-              </a:solidFill>
-              <a:latin typeface="Courier New" panose="02070309020205020404" pitchFamily="49" charset="0"/>
-              <a:cs typeface="Courier New" panose="02070309020205020404" pitchFamily="49" charset="0"/>
-            </a:endParaRPr>
-          </a:p>
-          <a:p>
-            <a:pPr marL="285750" indent="-285750">
-              <a:buFont typeface="Arial" panose="020B0604020202020204" pitchFamily="34" charset="0"/>
-              <a:buChar char="•"/>
-            </a:pPr>
-            <a:r>
-              <a:rPr lang="es-AR" sz="1600" b="1" dirty="0">
-                <a:solidFill>
-                  <a:schemeClr val="accent6"/>
-                </a:solidFill>
-              </a:rPr>
-              <a:t>Integración</a:t>
-            </a:r>
-            <a:r>
-              <a:rPr lang="es-AR" sz="1600" dirty="0">
-                <a:solidFill>
-                  <a:schemeClr val="accent6"/>
-                </a:solidFill>
-              </a:rPr>
-              <a:t>: Se integra fácilmente en scripts, pipelines y herramientas DevOps.</a:t>
-            </a:r>
-          </a:p>
-          <a:p>
-            <a:endParaRPr lang="es-AR" sz="1600" dirty="0">
-              <a:solidFill>
-                <a:schemeClr val="accent6"/>
-              </a:solidFill>
-            </a:endParaRPr>
-          </a:p>
-          <a:p>
-            <a:r>
-              <a:rPr lang="es-AR" sz="1600" b="1" dirty="0">
-                <a:solidFill>
-                  <a:schemeClr val="accent6"/>
-                </a:solidFill>
-              </a:rPr>
-              <a:t>Comandos Más Comunes de Azure CLI</a:t>
-            </a:r>
-          </a:p>
-          <a:p>
-            <a:pPr marL="752094" lvl="1" indent="-285750">
-              <a:buFont typeface="Arial" panose="020B0604020202020204" pitchFamily="34" charset="0"/>
-              <a:buChar char="•"/>
-            </a:pPr>
-            <a:r>
-              <a:rPr lang="es-AR" sz="1400" dirty="0" err="1">
-                <a:solidFill>
-                  <a:schemeClr val="accent6"/>
-                </a:solidFill>
-                <a:latin typeface="Courier New" panose="02070309020205020404" pitchFamily="49" charset="0"/>
-                <a:cs typeface="Courier New" panose="02070309020205020404" pitchFamily="49" charset="0"/>
-              </a:rPr>
-              <a:t>az</a:t>
-            </a:r>
-            <a:r>
-              <a:rPr lang="es-AR" sz="1400" dirty="0">
-                <a:solidFill>
-                  <a:schemeClr val="accent6"/>
-                </a:solidFill>
-                <a:latin typeface="Courier New" panose="02070309020205020404" pitchFamily="49" charset="0"/>
-                <a:cs typeface="Courier New" panose="02070309020205020404" pitchFamily="49" charset="0"/>
-              </a:rPr>
-              <a:t> </a:t>
-            </a:r>
-            <a:r>
-              <a:rPr lang="es-AR" sz="1400" dirty="0" err="1">
-                <a:solidFill>
-                  <a:schemeClr val="accent6"/>
-                </a:solidFill>
-                <a:latin typeface="Courier New" panose="02070309020205020404" pitchFamily="49" charset="0"/>
-                <a:cs typeface="Courier New" panose="02070309020205020404" pitchFamily="49" charset="0"/>
-              </a:rPr>
-              <a:t>login</a:t>
-            </a:r>
-            <a:endParaRPr lang="es-AR" sz="1400" dirty="0">
-              <a:solidFill>
-                <a:schemeClr val="accent6"/>
-              </a:solidFill>
-              <a:latin typeface="Courier New" panose="02070309020205020404" pitchFamily="49" charset="0"/>
-              <a:cs typeface="Courier New" panose="02070309020205020404" pitchFamily="49" charset="0"/>
-            </a:endParaRPr>
-          </a:p>
-          <a:p>
-            <a:pPr marL="752094" lvl="1" indent="-285750">
-              <a:buFont typeface="Arial" panose="020B0604020202020204" pitchFamily="34" charset="0"/>
-              <a:buChar char="•"/>
-            </a:pPr>
-            <a:r>
-              <a:rPr lang="es-AR" sz="1400" dirty="0" err="1">
-                <a:solidFill>
-                  <a:schemeClr val="accent6"/>
-                </a:solidFill>
-                <a:latin typeface="Courier New" panose="02070309020205020404" pitchFamily="49" charset="0"/>
-                <a:cs typeface="Courier New" panose="02070309020205020404" pitchFamily="49" charset="0"/>
-              </a:rPr>
-              <a:t>az</a:t>
-            </a:r>
-            <a:r>
-              <a:rPr lang="es-AR" sz="1400" dirty="0">
-                <a:solidFill>
-                  <a:schemeClr val="accent6"/>
-                </a:solidFill>
-                <a:latin typeface="Courier New" panose="02070309020205020404" pitchFamily="49" charset="0"/>
-                <a:cs typeface="Courier New" panose="02070309020205020404" pitchFamily="49" charset="0"/>
-              </a:rPr>
-              <a:t> </a:t>
-            </a:r>
-            <a:r>
-              <a:rPr lang="es-AR" sz="1400" dirty="0" err="1">
-                <a:solidFill>
-                  <a:schemeClr val="accent6"/>
-                </a:solidFill>
-                <a:latin typeface="Courier New" panose="02070309020205020404" pitchFamily="49" charset="0"/>
-                <a:cs typeface="Courier New" panose="02070309020205020404" pitchFamily="49" charset="0"/>
-              </a:rPr>
-              <a:t>group</a:t>
-            </a:r>
-            <a:r>
-              <a:rPr lang="es-AR" sz="1400" dirty="0">
-                <a:solidFill>
-                  <a:schemeClr val="accent6"/>
-                </a:solidFill>
-                <a:latin typeface="Courier New" panose="02070309020205020404" pitchFamily="49" charset="0"/>
-                <a:cs typeface="Courier New" panose="02070309020205020404" pitchFamily="49" charset="0"/>
-              </a:rPr>
-              <a:t> </a:t>
-            </a:r>
-            <a:r>
-              <a:rPr lang="es-AR" sz="1400" dirty="0" err="1">
-                <a:solidFill>
-                  <a:schemeClr val="accent6"/>
-                </a:solidFill>
-                <a:latin typeface="Courier New" panose="02070309020205020404" pitchFamily="49" charset="0"/>
-                <a:cs typeface="Courier New" panose="02070309020205020404" pitchFamily="49" charset="0"/>
-              </a:rPr>
-              <a:t>create</a:t>
-            </a:r>
-            <a:r>
-              <a:rPr lang="es-AR" sz="1400" dirty="0">
-                <a:solidFill>
-                  <a:schemeClr val="accent6"/>
-                </a:solidFill>
-                <a:latin typeface="Courier New" panose="02070309020205020404" pitchFamily="49" charset="0"/>
-                <a:cs typeface="Courier New" panose="02070309020205020404" pitchFamily="49" charset="0"/>
-              </a:rPr>
-              <a:t> --</a:t>
-            </a:r>
-            <a:r>
-              <a:rPr lang="es-AR" sz="1400" dirty="0" err="1">
-                <a:solidFill>
-                  <a:schemeClr val="accent6"/>
-                </a:solidFill>
-                <a:latin typeface="Courier New" panose="02070309020205020404" pitchFamily="49" charset="0"/>
-                <a:cs typeface="Courier New" panose="02070309020205020404" pitchFamily="49" charset="0"/>
-              </a:rPr>
-              <a:t>name</a:t>
-            </a:r>
-            <a:r>
-              <a:rPr lang="es-AR" sz="1400" dirty="0">
-                <a:solidFill>
-                  <a:schemeClr val="accent6"/>
-                </a:solidFill>
-                <a:latin typeface="Courier New" panose="02070309020205020404" pitchFamily="49" charset="0"/>
-                <a:cs typeface="Courier New" panose="02070309020205020404" pitchFamily="49" charset="0"/>
-              </a:rPr>
-              <a:t> </a:t>
-            </a:r>
-            <a:r>
-              <a:rPr lang="es-AR" sz="1400" dirty="0" err="1">
-                <a:solidFill>
-                  <a:schemeClr val="accent6"/>
-                </a:solidFill>
-                <a:latin typeface="Courier New" panose="02070309020205020404" pitchFamily="49" charset="0"/>
-                <a:cs typeface="Courier New" panose="02070309020205020404" pitchFamily="49" charset="0"/>
-              </a:rPr>
-              <a:t>MyResourceGroup</a:t>
-            </a:r>
-            <a:r>
-              <a:rPr lang="es-AR" sz="1400" dirty="0">
-                <a:solidFill>
-                  <a:schemeClr val="accent6"/>
-                </a:solidFill>
-                <a:latin typeface="Courier New" panose="02070309020205020404" pitchFamily="49" charset="0"/>
-                <a:cs typeface="Courier New" panose="02070309020205020404" pitchFamily="49" charset="0"/>
-              </a:rPr>
-              <a:t> --</a:t>
-            </a:r>
-            <a:r>
-              <a:rPr lang="es-AR" sz="1400" dirty="0" err="1">
-                <a:solidFill>
-                  <a:schemeClr val="accent6"/>
-                </a:solidFill>
-                <a:latin typeface="Courier New" panose="02070309020205020404" pitchFamily="49" charset="0"/>
-                <a:cs typeface="Courier New" panose="02070309020205020404" pitchFamily="49" charset="0"/>
-              </a:rPr>
-              <a:t>location</a:t>
-            </a:r>
-            <a:r>
-              <a:rPr lang="es-AR" sz="1400" dirty="0">
-                <a:solidFill>
-                  <a:schemeClr val="accent6"/>
-                </a:solidFill>
-                <a:latin typeface="Courier New" panose="02070309020205020404" pitchFamily="49" charset="0"/>
-                <a:cs typeface="Courier New" panose="02070309020205020404" pitchFamily="49" charset="0"/>
-              </a:rPr>
-              <a:t> </a:t>
-            </a:r>
-            <a:r>
-              <a:rPr lang="es-AR" sz="1400" dirty="0" err="1">
-                <a:solidFill>
-                  <a:schemeClr val="accent6"/>
-                </a:solidFill>
-                <a:latin typeface="Courier New" panose="02070309020205020404" pitchFamily="49" charset="0"/>
-                <a:cs typeface="Courier New" panose="02070309020205020404" pitchFamily="49" charset="0"/>
-              </a:rPr>
-              <a:t>eastus</a:t>
-            </a:r>
-            <a:endParaRPr lang="es-AR" sz="1400" dirty="0">
-              <a:solidFill>
-                <a:schemeClr val="accent6"/>
-              </a:solidFill>
-              <a:latin typeface="Courier New" panose="02070309020205020404" pitchFamily="49" charset="0"/>
-              <a:cs typeface="Courier New" panose="02070309020205020404" pitchFamily="49" charset="0"/>
-            </a:endParaRPr>
-          </a:p>
-          <a:p>
-            <a:pPr marL="752094" lvl="1" indent="-285750">
-              <a:buFont typeface="Arial" panose="020B0604020202020204" pitchFamily="34" charset="0"/>
-              <a:buChar char="•"/>
-            </a:pPr>
-            <a:r>
-              <a:rPr lang="es-AR" sz="1400" dirty="0" err="1">
-                <a:solidFill>
-                  <a:schemeClr val="accent6"/>
-                </a:solidFill>
-                <a:latin typeface="Courier New" panose="02070309020205020404" pitchFamily="49" charset="0"/>
-                <a:cs typeface="Courier New" panose="02070309020205020404" pitchFamily="49" charset="0"/>
-              </a:rPr>
-              <a:t>az</a:t>
-            </a:r>
-            <a:r>
-              <a:rPr lang="es-AR" sz="1400" dirty="0">
-                <a:solidFill>
-                  <a:schemeClr val="accent6"/>
-                </a:solidFill>
-                <a:latin typeface="Courier New" panose="02070309020205020404" pitchFamily="49" charset="0"/>
-                <a:cs typeface="Courier New" panose="02070309020205020404" pitchFamily="49" charset="0"/>
-              </a:rPr>
-              <a:t> </a:t>
-            </a:r>
-            <a:r>
-              <a:rPr lang="es-AR" sz="1400" dirty="0" err="1">
-                <a:solidFill>
-                  <a:schemeClr val="accent6"/>
-                </a:solidFill>
-                <a:latin typeface="Courier New" panose="02070309020205020404" pitchFamily="49" charset="0"/>
-                <a:cs typeface="Courier New" panose="02070309020205020404" pitchFamily="49" charset="0"/>
-              </a:rPr>
-              <a:t>group</a:t>
-            </a:r>
-            <a:r>
-              <a:rPr lang="es-AR" sz="1400" dirty="0">
-                <a:solidFill>
-                  <a:schemeClr val="accent6"/>
-                </a:solidFill>
-                <a:latin typeface="Courier New" panose="02070309020205020404" pitchFamily="49" charset="0"/>
-                <a:cs typeface="Courier New" panose="02070309020205020404" pitchFamily="49" charset="0"/>
-              </a:rPr>
-              <a:t> </a:t>
-            </a:r>
-            <a:r>
-              <a:rPr lang="es-AR" sz="1400" dirty="0" err="1">
-                <a:solidFill>
-                  <a:schemeClr val="accent6"/>
-                </a:solidFill>
-                <a:latin typeface="Courier New" panose="02070309020205020404" pitchFamily="49" charset="0"/>
-                <a:cs typeface="Courier New" panose="02070309020205020404" pitchFamily="49" charset="0"/>
-              </a:rPr>
-              <a:t>delete</a:t>
-            </a:r>
-            <a:r>
-              <a:rPr lang="es-AR" sz="1400" dirty="0">
-                <a:solidFill>
-                  <a:schemeClr val="accent6"/>
-                </a:solidFill>
-                <a:latin typeface="Courier New" panose="02070309020205020404" pitchFamily="49" charset="0"/>
-                <a:cs typeface="Courier New" panose="02070309020205020404" pitchFamily="49" charset="0"/>
-              </a:rPr>
-              <a:t> --</a:t>
-            </a:r>
-            <a:r>
-              <a:rPr lang="es-AR" sz="1400" dirty="0" err="1">
-                <a:solidFill>
-                  <a:schemeClr val="accent6"/>
-                </a:solidFill>
-                <a:latin typeface="Courier New" panose="02070309020205020404" pitchFamily="49" charset="0"/>
-                <a:cs typeface="Courier New" panose="02070309020205020404" pitchFamily="49" charset="0"/>
-              </a:rPr>
-              <a:t>name</a:t>
-            </a:r>
-            <a:r>
-              <a:rPr lang="es-AR" sz="1400" dirty="0">
-                <a:solidFill>
-                  <a:schemeClr val="accent6"/>
-                </a:solidFill>
-                <a:latin typeface="Courier New" panose="02070309020205020404" pitchFamily="49" charset="0"/>
-                <a:cs typeface="Courier New" panose="02070309020205020404" pitchFamily="49" charset="0"/>
-              </a:rPr>
-              <a:t> </a:t>
-            </a:r>
-            <a:r>
-              <a:rPr lang="es-AR" sz="1400" dirty="0" err="1">
-                <a:solidFill>
-                  <a:schemeClr val="accent6"/>
-                </a:solidFill>
-                <a:latin typeface="Courier New" panose="02070309020205020404" pitchFamily="49" charset="0"/>
-                <a:cs typeface="Courier New" panose="02070309020205020404" pitchFamily="49" charset="0"/>
-              </a:rPr>
-              <a:t>MyResourceGroup</a:t>
-            </a:r>
-            <a:endParaRPr lang="es-AR" sz="1400" dirty="0">
-              <a:solidFill>
-                <a:schemeClr val="accent6"/>
-              </a:solidFill>
-              <a:latin typeface="Courier New" panose="02070309020205020404" pitchFamily="49" charset="0"/>
-              <a:cs typeface="Courier New" panose="02070309020205020404" pitchFamily="49" charset="0"/>
-            </a:endParaRPr>
-          </a:p>
-          <a:p>
-            <a:pPr marL="752094" lvl="1" indent="-285750">
-              <a:buFont typeface="Arial" panose="020B0604020202020204" pitchFamily="34" charset="0"/>
-              <a:buChar char="•"/>
-            </a:pPr>
-            <a:r>
-              <a:rPr lang="es-AR" sz="1400" dirty="0" err="1">
-                <a:solidFill>
-                  <a:schemeClr val="accent6"/>
-                </a:solidFill>
-                <a:latin typeface="Courier New" panose="02070309020205020404" pitchFamily="49" charset="0"/>
-                <a:cs typeface="Courier New" panose="02070309020205020404" pitchFamily="49" charset="0"/>
-              </a:rPr>
-              <a:t>az</a:t>
-            </a:r>
-            <a:r>
-              <a:rPr lang="es-AR" sz="1400" dirty="0">
-                <a:solidFill>
-                  <a:schemeClr val="accent6"/>
-                </a:solidFill>
-                <a:latin typeface="Courier New" panose="02070309020205020404" pitchFamily="49" charset="0"/>
-                <a:cs typeface="Courier New" panose="02070309020205020404" pitchFamily="49" charset="0"/>
-              </a:rPr>
-              <a:t> </a:t>
-            </a:r>
-            <a:r>
-              <a:rPr lang="es-AR" sz="1400" dirty="0" err="1">
-                <a:solidFill>
-                  <a:schemeClr val="accent6"/>
-                </a:solidFill>
-                <a:latin typeface="Courier New" panose="02070309020205020404" pitchFamily="49" charset="0"/>
-                <a:cs typeface="Courier New" panose="02070309020205020404" pitchFamily="49" charset="0"/>
-              </a:rPr>
-              <a:t>appservice</a:t>
-            </a:r>
-            <a:r>
-              <a:rPr lang="es-AR" sz="1400" dirty="0">
-                <a:solidFill>
-                  <a:schemeClr val="accent6"/>
-                </a:solidFill>
-                <a:latin typeface="Courier New" panose="02070309020205020404" pitchFamily="49" charset="0"/>
-                <a:cs typeface="Courier New" panose="02070309020205020404" pitchFamily="49" charset="0"/>
-              </a:rPr>
-              <a:t> plan </a:t>
-            </a:r>
-            <a:r>
-              <a:rPr lang="es-AR" sz="1400" dirty="0" err="1">
-                <a:solidFill>
-                  <a:schemeClr val="accent6"/>
-                </a:solidFill>
-                <a:latin typeface="Courier New" panose="02070309020205020404" pitchFamily="49" charset="0"/>
-                <a:cs typeface="Courier New" panose="02070309020205020404" pitchFamily="49" charset="0"/>
-              </a:rPr>
-              <a:t>create</a:t>
-            </a:r>
-            <a:r>
-              <a:rPr lang="es-AR" sz="1400" dirty="0">
-                <a:solidFill>
-                  <a:schemeClr val="accent6"/>
-                </a:solidFill>
-                <a:latin typeface="Courier New" panose="02070309020205020404" pitchFamily="49" charset="0"/>
-                <a:cs typeface="Courier New" panose="02070309020205020404" pitchFamily="49" charset="0"/>
-              </a:rPr>
-              <a:t> --</a:t>
-            </a:r>
-            <a:r>
-              <a:rPr lang="es-AR" sz="1400" dirty="0" err="1">
-                <a:solidFill>
-                  <a:schemeClr val="accent6"/>
-                </a:solidFill>
-                <a:latin typeface="Courier New" panose="02070309020205020404" pitchFamily="49" charset="0"/>
-                <a:cs typeface="Courier New" panose="02070309020205020404" pitchFamily="49" charset="0"/>
-              </a:rPr>
-              <a:t>name</a:t>
-            </a:r>
-            <a:r>
-              <a:rPr lang="es-AR" sz="1400" dirty="0">
-                <a:solidFill>
-                  <a:schemeClr val="accent6"/>
-                </a:solidFill>
-                <a:latin typeface="Courier New" panose="02070309020205020404" pitchFamily="49" charset="0"/>
-                <a:cs typeface="Courier New" panose="02070309020205020404" pitchFamily="49" charset="0"/>
-              </a:rPr>
-              <a:t> </a:t>
-            </a:r>
-            <a:r>
-              <a:rPr lang="es-AR" sz="1400" dirty="0" err="1">
-                <a:solidFill>
-                  <a:schemeClr val="accent6"/>
-                </a:solidFill>
-                <a:latin typeface="Courier New" panose="02070309020205020404" pitchFamily="49" charset="0"/>
-                <a:cs typeface="Courier New" panose="02070309020205020404" pitchFamily="49" charset="0"/>
-              </a:rPr>
-              <a:t>MyAppServicePlan</a:t>
-            </a:r>
-            <a:r>
-              <a:rPr lang="es-AR" sz="1400" dirty="0">
-                <a:solidFill>
-                  <a:schemeClr val="accent6"/>
-                </a:solidFill>
-                <a:latin typeface="Courier New" panose="02070309020205020404" pitchFamily="49" charset="0"/>
-                <a:cs typeface="Courier New" panose="02070309020205020404" pitchFamily="49" charset="0"/>
-              </a:rPr>
-              <a:t> --</a:t>
-            </a:r>
-            <a:r>
-              <a:rPr lang="es-AR" sz="1400" dirty="0" err="1">
-                <a:solidFill>
-                  <a:schemeClr val="accent6"/>
-                </a:solidFill>
-                <a:latin typeface="Courier New" panose="02070309020205020404" pitchFamily="49" charset="0"/>
-                <a:cs typeface="Courier New" panose="02070309020205020404" pitchFamily="49" charset="0"/>
-              </a:rPr>
-              <a:t>resource-group</a:t>
-            </a:r>
-            <a:r>
-              <a:rPr lang="es-AR" sz="1400" dirty="0">
-                <a:solidFill>
-                  <a:schemeClr val="accent6"/>
-                </a:solidFill>
-                <a:latin typeface="Courier New" panose="02070309020205020404" pitchFamily="49" charset="0"/>
-                <a:cs typeface="Courier New" panose="02070309020205020404" pitchFamily="49" charset="0"/>
-              </a:rPr>
-              <a:t> </a:t>
-            </a:r>
-            <a:r>
-              <a:rPr lang="es-AR" sz="1400" dirty="0" err="1">
-                <a:solidFill>
-                  <a:schemeClr val="accent6"/>
-                </a:solidFill>
-                <a:latin typeface="Courier New" panose="02070309020205020404" pitchFamily="49" charset="0"/>
-                <a:cs typeface="Courier New" panose="02070309020205020404" pitchFamily="49" charset="0"/>
-              </a:rPr>
-              <a:t>MyResourceGroup</a:t>
-            </a:r>
-            <a:r>
-              <a:rPr lang="es-AR" sz="1400" dirty="0">
-                <a:solidFill>
-                  <a:schemeClr val="accent6"/>
-                </a:solidFill>
-                <a:latin typeface="Courier New" panose="02070309020205020404" pitchFamily="49" charset="0"/>
-                <a:cs typeface="Courier New" panose="02070309020205020404" pitchFamily="49" charset="0"/>
-              </a:rPr>
-              <a:t> --</a:t>
-            </a:r>
-            <a:r>
-              <a:rPr lang="es-AR" sz="1400" dirty="0" err="1">
-                <a:solidFill>
-                  <a:schemeClr val="accent6"/>
-                </a:solidFill>
-                <a:latin typeface="Courier New" panose="02070309020205020404" pitchFamily="49" charset="0"/>
-                <a:cs typeface="Courier New" panose="02070309020205020404" pitchFamily="49" charset="0"/>
-              </a:rPr>
-              <a:t>sku</a:t>
-            </a:r>
-            <a:r>
-              <a:rPr lang="es-AR" sz="1400" dirty="0">
-                <a:solidFill>
-                  <a:schemeClr val="accent6"/>
-                </a:solidFill>
-                <a:latin typeface="Courier New" panose="02070309020205020404" pitchFamily="49" charset="0"/>
-                <a:cs typeface="Courier New" panose="02070309020205020404" pitchFamily="49" charset="0"/>
-              </a:rPr>
-              <a:t> B1 --</a:t>
-            </a:r>
-            <a:r>
-              <a:rPr lang="es-AR" sz="1400" dirty="0" err="1">
-                <a:solidFill>
-                  <a:schemeClr val="accent6"/>
-                </a:solidFill>
-                <a:latin typeface="Courier New" panose="02070309020205020404" pitchFamily="49" charset="0"/>
-                <a:cs typeface="Courier New" panose="02070309020205020404" pitchFamily="49" charset="0"/>
-              </a:rPr>
-              <a:t>is-linux</a:t>
-            </a:r>
-            <a:endParaRPr lang="es-AR" sz="1400" dirty="0">
-              <a:solidFill>
-                <a:schemeClr val="accent6"/>
-              </a:solidFill>
-              <a:latin typeface="Courier New" panose="02070309020205020404" pitchFamily="49" charset="0"/>
-              <a:cs typeface="Courier New" panose="02070309020205020404" pitchFamily="49" charset="0"/>
-            </a:endParaRPr>
-          </a:p>
-          <a:p>
-            <a:pPr marL="752094" lvl="1" indent="-285750">
-              <a:buFont typeface="Arial" panose="020B0604020202020204" pitchFamily="34" charset="0"/>
-              <a:buChar char="•"/>
-            </a:pPr>
-            <a:r>
-              <a:rPr lang="es-AR" sz="1400" dirty="0" err="1">
-                <a:solidFill>
-                  <a:schemeClr val="accent6"/>
-                </a:solidFill>
-                <a:latin typeface="Courier New" panose="02070309020205020404" pitchFamily="49" charset="0"/>
-                <a:cs typeface="Courier New" panose="02070309020205020404" pitchFamily="49" charset="0"/>
-              </a:rPr>
-              <a:t>az</a:t>
-            </a:r>
-            <a:r>
-              <a:rPr lang="es-AR" sz="1400" dirty="0">
-                <a:solidFill>
-                  <a:schemeClr val="accent6"/>
-                </a:solidFill>
-                <a:latin typeface="Courier New" panose="02070309020205020404" pitchFamily="49" charset="0"/>
-                <a:cs typeface="Courier New" panose="02070309020205020404" pitchFamily="49" charset="0"/>
-              </a:rPr>
-              <a:t> </a:t>
-            </a:r>
-            <a:r>
-              <a:rPr lang="es-AR" sz="1400" dirty="0" err="1">
-                <a:solidFill>
-                  <a:schemeClr val="accent6"/>
-                </a:solidFill>
-                <a:latin typeface="Courier New" panose="02070309020205020404" pitchFamily="49" charset="0"/>
-                <a:cs typeface="Courier New" panose="02070309020205020404" pitchFamily="49" charset="0"/>
-              </a:rPr>
-              <a:t>appservice</a:t>
-            </a:r>
-            <a:r>
-              <a:rPr lang="es-AR" sz="1400" dirty="0">
-                <a:solidFill>
-                  <a:schemeClr val="accent6"/>
-                </a:solidFill>
-                <a:latin typeface="Courier New" panose="02070309020205020404" pitchFamily="49" charset="0"/>
-                <a:cs typeface="Courier New" panose="02070309020205020404" pitchFamily="49" charset="0"/>
-              </a:rPr>
-              <a:t> plan </a:t>
-            </a:r>
-            <a:r>
-              <a:rPr lang="es-AR" sz="1400" dirty="0" err="1">
-                <a:solidFill>
-                  <a:schemeClr val="accent6"/>
-                </a:solidFill>
-                <a:latin typeface="Courier New" panose="02070309020205020404" pitchFamily="49" charset="0"/>
-                <a:cs typeface="Courier New" panose="02070309020205020404" pitchFamily="49" charset="0"/>
-              </a:rPr>
-              <a:t>delete</a:t>
-            </a:r>
-            <a:r>
-              <a:rPr lang="es-AR" sz="1400" dirty="0">
-                <a:solidFill>
-                  <a:schemeClr val="accent6"/>
-                </a:solidFill>
-                <a:latin typeface="Courier New" panose="02070309020205020404" pitchFamily="49" charset="0"/>
-                <a:cs typeface="Courier New" panose="02070309020205020404" pitchFamily="49" charset="0"/>
-              </a:rPr>
-              <a:t> --</a:t>
-            </a:r>
-            <a:r>
-              <a:rPr lang="es-AR" sz="1400" dirty="0" err="1">
-                <a:solidFill>
-                  <a:schemeClr val="accent6"/>
-                </a:solidFill>
-                <a:latin typeface="Courier New" panose="02070309020205020404" pitchFamily="49" charset="0"/>
-                <a:cs typeface="Courier New" panose="02070309020205020404" pitchFamily="49" charset="0"/>
-              </a:rPr>
-              <a:t>name</a:t>
-            </a:r>
-            <a:r>
-              <a:rPr lang="es-AR" sz="1400" dirty="0">
-                <a:solidFill>
-                  <a:schemeClr val="accent6"/>
-                </a:solidFill>
-                <a:latin typeface="Courier New" panose="02070309020205020404" pitchFamily="49" charset="0"/>
-                <a:cs typeface="Courier New" panose="02070309020205020404" pitchFamily="49" charset="0"/>
-              </a:rPr>
-              <a:t> </a:t>
-            </a:r>
-            <a:r>
-              <a:rPr lang="es-AR" sz="1400" dirty="0" err="1">
-                <a:solidFill>
-                  <a:schemeClr val="accent6"/>
-                </a:solidFill>
-                <a:latin typeface="Courier New" panose="02070309020205020404" pitchFamily="49" charset="0"/>
-                <a:cs typeface="Courier New" panose="02070309020205020404" pitchFamily="49" charset="0"/>
-              </a:rPr>
-              <a:t>MyAppServicePlan</a:t>
-            </a:r>
-            <a:r>
-              <a:rPr lang="es-AR" sz="1400" dirty="0">
-                <a:solidFill>
-                  <a:schemeClr val="accent6"/>
-                </a:solidFill>
-                <a:latin typeface="Courier New" panose="02070309020205020404" pitchFamily="49" charset="0"/>
-                <a:cs typeface="Courier New" panose="02070309020205020404" pitchFamily="49" charset="0"/>
-              </a:rPr>
-              <a:t> --</a:t>
-            </a:r>
-            <a:r>
-              <a:rPr lang="es-AR" sz="1400" dirty="0" err="1">
-                <a:solidFill>
-                  <a:schemeClr val="accent6"/>
-                </a:solidFill>
-                <a:latin typeface="Courier New" panose="02070309020205020404" pitchFamily="49" charset="0"/>
-                <a:cs typeface="Courier New" panose="02070309020205020404" pitchFamily="49" charset="0"/>
-              </a:rPr>
-              <a:t>resource-group</a:t>
-            </a:r>
-            <a:r>
-              <a:rPr lang="es-AR" sz="1400" dirty="0">
-                <a:solidFill>
-                  <a:schemeClr val="accent6"/>
-                </a:solidFill>
-                <a:latin typeface="Courier New" panose="02070309020205020404" pitchFamily="49" charset="0"/>
-                <a:cs typeface="Courier New" panose="02070309020205020404" pitchFamily="49" charset="0"/>
-              </a:rPr>
-              <a:t> </a:t>
-            </a:r>
-            <a:r>
-              <a:rPr lang="es-AR" sz="1400" dirty="0" err="1">
-                <a:solidFill>
-                  <a:schemeClr val="accent6"/>
-                </a:solidFill>
-                <a:latin typeface="Courier New" panose="02070309020205020404" pitchFamily="49" charset="0"/>
-                <a:cs typeface="Courier New" panose="02070309020205020404" pitchFamily="49" charset="0"/>
-              </a:rPr>
-              <a:t>MyResourceGroup</a:t>
-            </a:r>
-            <a:endParaRPr lang="es-AR" sz="1400" dirty="0">
-              <a:solidFill>
-                <a:schemeClr val="accent6"/>
-              </a:solidFill>
-              <a:latin typeface="Courier New" panose="02070309020205020404" pitchFamily="49" charset="0"/>
-              <a:cs typeface="Courier New" panose="02070309020205020404" pitchFamily="49" charset="0"/>
-            </a:endParaRPr>
-          </a:p>
-          <a:p>
-            <a:pPr marL="752094" lvl="1" indent="-285750">
-              <a:buFont typeface="Arial" panose="020B0604020202020204" pitchFamily="34" charset="0"/>
-              <a:buChar char="•"/>
-            </a:pPr>
-            <a:r>
-              <a:rPr lang="es-AR" sz="1400" dirty="0" err="1">
-                <a:solidFill>
-                  <a:schemeClr val="accent6"/>
-                </a:solidFill>
-                <a:latin typeface="Courier New" panose="02070309020205020404" pitchFamily="49" charset="0"/>
-                <a:cs typeface="Courier New" panose="02070309020205020404" pitchFamily="49" charset="0"/>
-              </a:rPr>
-              <a:t>az</a:t>
-            </a:r>
-            <a:r>
-              <a:rPr lang="es-AR" sz="1400" dirty="0">
-                <a:solidFill>
-                  <a:schemeClr val="accent6"/>
-                </a:solidFill>
-                <a:latin typeface="Courier New" panose="02070309020205020404" pitchFamily="49" charset="0"/>
-                <a:cs typeface="Courier New" panose="02070309020205020404" pitchFamily="49" charset="0"/>
-              </a:rPr>
-              <a:t> </a:t>
-            </a:r>
-            <a:r>
-              <a:rPr lang="es-AR" sz="1400" dirty="0" err="1">
-                <a:solidFill>
-                  <a:schemeClr val="accent6"/>
-                </a:solidFill>
-                <a:latin typeface="Courier New" panose="02070309020205020404" pitchFamily="49" charset="0"/>
-                <a:cs typeface="Courier New" panose="02070309020205020404" pitchFamily="49" charset="0"/>
-              </a:rPr>
-              <a:t>webapp</a:t>
-            </a:r>
-            <a:r>
-              <a:rPr lang="es-AR" sz="1400" dirty="0">
-                <a:solidFill>
-                  <a:schemeClr val="accent6"/>
-                </a:solidFill>
-                <a:latin typeface="Courier New" panose="02070309020205020404" pitchFamily="49" charset="0"/>
-                <a:cs typeface="Courier New" panose="02070309020205020404" pitchFamily="49" charset="0"/>
-              </a:rPr>
-              <a:t> </a:t>
-            </a:r>
-            <a:r>
-              <a:rPr lang="es-AR" sz="1400" dirty="0" err="1">
-                <a:solidFill>
-                  <a:schemeClr val="accent6"/>
-                </a:solidFill>
-                <a:latin typeface="Courier New" panose="02070309020205020404" pitchFamily="49" charset="0"/>
-                <a:cs typeface="Courier New" panose="02070309020205020404" pitchFamily="49" charset="0"/>
-              </a:rPr>
-              <a:t>create</a:t>
-            </a:r>
-            <a:r>
-              <a:rPr lang="es-AR" sz="1400" dirty="0">
-                <a:solidFill>
-                  <a:schemeClr val="accent6"/>
-                </a:solidFill>
-                <a:latin typeface="Courier New" panose="02070309020205020404" pitchFamily="49" charset="0"/>
-                <a:cs typeface="Courier New" panose="02070309020205020404" pitchFamily="49" charset="0"/>
-              </a:rPr>
-              <a:t> --</a:t>
-            </a:r>
-            <a:r>
-              <a:rPr lang="es-AR" sz="1400" dirty="0" err="1">
-                <a:solidFill>
-                  <a:schemeClr val="accent6"/>
-                </a:solidFill>
-                <a:latin typeface="Courier New" panose="02070309020205020404" pitchFamily="49" charset="0"/>
-                <a:cs typeface="Courier New" panose="02070309020205020404" pitchFamily="49" charset="0"/>
-              </a:rPr>
-              <a:t>name</a:t>
-            </a:r>
-            <a:r>
-              <a:rPr lang="es-AR" sz="1400" dirty="0">
-                <a:solidFill>
-                  <a:schemeClr val="accent6"/>
-                </a:solidFill>
-                <a:latin typeface="Courier New" panose="02070309020205020404" pitchFamily="49" charset="0"/>
-                <a:cs typeface="Courier New" panose="02070309020205020404" pitchFamily="49" charset="0"/>
-              </a:rPr>
-              <a:t> </a:t>
-            </a:r>
-            <a:r>
-              <a:rPr lang="es-AR" sz="1400" dirty="0" err="1">
-                <a:solidFill>
-                  <a:schemeClr val="accent6"/>
-                </a:solidFill>
-                <a:latin typeface="Courier New" panose="02070309020205020404" pitchFamily="49" charset="0"/>
-                <a:cs typeface="Courier New" panose="02070309020205020404" pitchFamily="49" charset="0"/>
-              </a:rPr>
-              <a:t>MyAppService</a:t>
-            </a:r>
-            <a:r>
-              <a:rPr lang="es-AR" sz="1400" dirty="0">
-                <a:solidFill>
-                  <a:schemeClr val="accent6"/>
-                </a:solidFill>
-                <a:latin typeface="Courier New" panose="02070309020205020404" pitchFamily="49" charset="0"/>
-                <a:cs typeface="Courier New" panose="02070309020205020404" pitchFamily="49" charset="0"/>
-              </a:rPr>
-              <a:t> --</a:t>
-            </a:r>
-            <a:r>
-              <a:rPr lang="es-AR" sz="1400" dirty="0" err="1">
-                <a:solidFill>
-                  <a:schemeClr val="accent6"/>
-                </a:solidFill>
-                <a:latin typeface="Courier New" panose="02070309020205020404" pitchFamily="49" charset="0"/>
-                <a:cs typeface="Courier New" panose="02070309020205020404" pitchFamily="49" charset="0"/>
-              </a:rPr>
-              <a:t>resource-group</a:t>
-            </a:r>
-            <a:r>
-              <a:rPr lang="es-AR" sz="1400" dirty="0">
-                <a:solidFill>
-                  <a:schemeClr val="accent6"/>
-                </a:solidFill>
-                <a:latin typeface="Courier New" panose="02070309020205020404" pitchFamily="49" charset="0"/>
-                <a:cs typeface="Courier New" panose="02070309020205020404" pitchFamily="49" charset="0"/>
-              </a:rPr>
-              <a:t> </a:t>
-            </a:r>
-            <a:r>
-              <a:rPr lang="es-AR" sz="1400" dirty="0" err="1">
-                <a:solidFill>
-                  <a:schemeClr val="accent6"/>
-                </a:solidFill>
-                <a:latin typeface="Courier New" panose="02070309020205020404" pitchFamily="49" charset="0"/>
-                <a:cs typeface="Courier New" panose="02070309020205020404" pitchFamily="49" charset="0"/>
-              </a:rPr>
-              <a:t>MyResourceGroup</a:t>
-            </a:r>
-            <a:r>
-              <a:rPr lang="es-AR" sz="1400" dirty="0">
-                <a:solidFill>
-                  <a:schemeClr val="accent6"/>
-                </a:solidFill>
-                <a:latin typeface="Courier New" panose="02070309020205020404" pitchFamily="49" charset="0"/>
-                <a:cs typeface="Courier New" panose="02070309020205020404" pitchFamily="49" charset="0"/>
-              </a:rPr>
-              <a:t> --plan </a:t>
-            </a:r>
-            <a:r>
-              <a:rPr lang="es-AR" sz="1400" dirty="0" err="1">
-                <a:solidFill>
-                  <a:schemeClr val="accent6"/>
-                </a:solidFill>
-                <a:latin typeface="Courier New" panose="02070309020205020404" pitchFamily="49" charset="0"/>
-                <a:cs typeface="Courier New" panose="02070309020205020404" pitchFamily="49" charset="0"/>
-              </a:rPr>
-              <a:t>MyAppServicePlan</a:t>
-            </a:r>
-            <a:r>
-              <a:rPr lang="es-AR" sz="1400" dirty="0">
-                <a:solidFill>
-                  <a:schemeClr val="accent6"/>
-                </a:solidFill>
-                <a:latin typeface="Courier New" panose="02070309020205020404" pitchFamily="49" charset="0"/>
-                <a:cs typeface="Courier New" panose="02070309020205020404" pitchFamily="49" charset="0"/>
-              </a:rPr>
-              <a:t> --</a:t>
-            </a:r>
-            <a:r>
-              <a:rPr lang="es-AR" sz="1400" dirty="0" err="1">
-                <a:solidFill>
-                  <a:schemeClr val="accent6"/>
-                </a:solidFill>
-                <a:latin typeface="Courier New" panose="02070309020205020404" pitchFamily="49" charset="0"/>
-                <a:cs typeface="Courier New" panose="02070309020205020404" pitchFamily="49" charset="0"/>
-              </a:rPr>
-              <a:t>runtime</a:t>
-            </a:r>
-            <a:r>
-              <a:rPr lang="es-AR" sz="1400" dirty="0">
-                <a:solidFill>
-                  <a:schemeClr val="accent6"/>
-                </a:solidFill>
-                <a:latin typeface="Courier New" panose="02070309020205020404" pitchFamily="49" charset="0"/>
-                <a:cs typeface="Courier New" panose="02070309020205020404" pitchFamily="49" charset="0"/>
-              </a:rPr>
-              <a:t> "node|14-lts"</a:t>
-            </a:r>
-          </a:p>
-          <a:p>
-            <a:pPr marL="752094" lvl="1" indent="-285750">
-              <a:buFont typeface="Arial" panose="020B0604020202020204" pitchFamily="34" charset="0"/>
-              <a:buChar char="•"/>
-            </a:pPr>
-            <a:r>
-              <a:rPr lang="es-AR" sz="1400" dirty="0" err="1">
-                <a:solidFill>
-                  <a:schemeClr val="accent6"/>
-                </a:solidFill>
-                <a:latin typeface="Courier New" panose="02070309020205020404" pitchFamily="49" charset="0"/>
-                <a:cs typeface="Courier New" panose="02070309020205020404" pitchFamily="49" charset="0"/>
-              </a:rPr>
-              <a:t>az</a:t>
-            </a:r>
-            <a:r>
-              <a:rPr lang="es-AR" sz="1400" dirty="0">
-                <a:solidFill>
-                  <a:schemeClr val="accent6"/>
-                </a:solidFill>
-                <a:latin typeface="Courier New" panose="02070309020205020404" pitchFamily="49" charset="0"/>
-                <a:cs typeface="Courier New" panose="02070309020205020404" pitchFamily="49" charset="0"/>
-              </a:rPr>
-              <a:t> </a:t>
-            </a:r>
-            <a:r>
-              <a:rPr lang="es-AR" sz="1400" dirty="0" err="1">
-                <a:solidFill>
-                  <a:schemeClr val="accent6"/>
-                </a:solidFill>
-                <a:latin typeface="Courier New" panose="02070309020205020404" pitchFamily="49" charset="0"/>
-                <a:cs typeface="Courier New" panose="02070309020205020404" pitchFamily="49" charset="0"/>
-              </a:rPr>
-              <a:t>webapp</a:t>
-            </a:r>
-            <a:r>
-              <a:rPr lang="es-AR" sz="1400" dirty="0">
-                <a:solidFill>
-                  <a:schemeClr val="accent6"/>
-                </a:solidFill>
-                <a:latin typeface="Courier New" panose="02070309020205020404" pitchFamily="49" charset="0"/>
-                <a:cs typeface="Courier New" panose="02070309020205020404" pitchFamily="49" charset="0"/>
-              </a:rPr>
-              <a:t> </a:t>
-            </a:r>
-            <a:r>
-              <a:rPr lang="es-AR" sz="1400" dirty="0" err="1">
-                <a:solidFill>
-                  <a:schemeClr val="accent6"/>
-                </a:solidFill>
-                <a:latin typeface="Courier New" panose="02070309020205020404" pitchFamily="49" charset="0"/>
-                <a:cs typeface="Courier New" panose="02070309020205020404" pitchFamily="49" charset="0"/>
-              </a:rPr>
-              <a:t>delete</a:t>
-            </a:r>
-            <a:r>
-              <a:rPr lang="es-AR" sz="1400" dirty="0">
-                <a:solidFill>
-                  <a:schemeClr val="accent6"/>
-                </a:solidFill>
-                <a:latin typeface="Courier New" panose="02070309020205020404" pitchFamily="49" charset="0"/>
-                <a:cs typeface="Courier New" panose="02070309020205020404" pitchFamily="49" charset="0"/>
-              </a:rPr>
-              <a:t> --</a:t>
-            </a:r>
-            <a:r>
-              <a:rPr lang="es-AR" sz="1400" dirty="0" err="1">
-                <a:solidFill>
-                  <a:schemeClr val="accent6"/>
-                </a:solidFill>
-                <a:latin typeface="Courier New" panose="02070309020205020404" pitchFamily="49" charset="0"/>
-                <a:cs typeface="Courier New" panose="02070309020205020404" pitchFamily="49" charset="0"/>
-              </a:rPr>
-              <a:t>name</a:t>
-            </a:r>
-            <a:r>
-              <a:rPr lang="es-AR" sz="1400" dirty="0">
-                <a:solidFill>
-                  <a:schemeClr val="accent6"/>
-                </a:solidFill>
-                <a:latin typeface="Courier New" panose="02070309020205020404" pitchFamily="49" charset="0"/>
-                <a:cs typeface="Courier New" panose="02070309020205020404" pitchFamily="49" charset="0"/>
-              </a:rPr>
-              <a:t> </a:t>
-            </a:r>
-            <a:r>
-              <a:rPr lang="es-AR" sz="1400" dirty="0" err="1">
-                <a:solidFill>
-                  <a:schemeClr val="accent6"/>
-                </a:solidFill>
-                <a:latin typeface="Courier New" panose="02070309020205020404" pitchFamily="49" charset="0"/>
-                <a:cs typeface="Courier New" panose="02070309020205020404" pitchFamily="49" charset="0"/>
-              </a:rPr>
-              <a:t>MyAppService</a:t>
-            </a:r>
-            <a:r>
-              <a:rPr lang="es-AR" sz="1400" dirty="0">
-                <a:solidFill>
-                  <a:schemeClr val="accent6"/>
-                </a:solidFill>
-                <a:latin typeface="Courier New" panose="02070309020205020404" pitchFamily="49" charset="0"/>
-                <a:cs typeface="Courier New" panose="02070309020205020404" pitchFamily="49" charset="0"/>
-              </a:rPr>
-              <a:t> --</a:t>
-            </a:r>
-            <a:r>
-              <a:rPr lang="es-AR" sz="1400" dirty="0" err="1">
-                <a:solidFill>
-                  <a:schemeClr val="accent6"/>
-                </a:solidFill>
-                <a:latin typeface="Courier New" panose="02070309020205020404" pitchFamily="49" charset="0"/>
-                <a:cs typeface="Courier New" panose="02070309020205020404" pitchFamily="49" charset="0"/>
-              </a:rPr>
-              <a:t>resource-group</a:t>
-            </a:r>
-            <a:r>
-              <a:rPr lang="es-AR" sz="1400" dirty="0">
-                <a:solidFill>
-                  <a:schemeClr val="accent6"/>
-                </a:solidFill>
-                <a:latin typeface="Courier New" panose="02070309020205020404" pitchFamily="49" charset="0"/>
-                <a:cs typeface="Courier New" panose="02070309020205020404" pitchFamily="49" charset="0"/>
-              </a:rPr>
-              <a:t> </a:t>
-            </a:r>
-            <a:r>
-              <a:rPr lang="es-AR" sz="1400" dirty="0" err="1">
-                <a:solidFill>
-                  <a:schemeClr val="accent6"/>
-                </a:solidFill>
-                <a:latin typeface="Courier New" panose="02070309020205020404" pitchFamily="49" charset="0"/>
-                <a:cs typeface="Courier New" panose="02070309020205020404" pitchFamily="49" charset="0"/>
-              </a:rPr>
-              <a:t>MyResourceGroup</a:t>
-            </a:r>
-            <a:endParaRPr lang="es-AR" sz="1400" dirty="0">
-              <a:solidFill>
-                <a:schemeClr val="accent6"/>
-              </a:solidFill>
-              <a:latin typeface="Courier New" panose="02070309020205020404" pitchFamily="49" charset="0"/>
-              <a:cs typeface="Courier New" panose="02070309020205020404" pitchFamily="49" charset="0"/>
-            </a:endParaRPr>
-          </a:p>
-          <a:p>
-            <a:pPr marL="752094" lvl="1" indent="-285750">
-              <a:buFont typeface="Arial" panose="020B0604020202020204" pitchFamily="34" charset="0"/>
-              <a:buChar char="•"/>
-            </a:pPr>
-            <a:r>
-              <a:rPr lang="es-AR" sz="1400" dirty="0" err="1">
-                <a:solidFill>
-                  <a:schemeClr val="accent6"/>
-                </a:solidFill>
-                <a:latin typeface="Courier New" panose="02070309020205020404" pitchFamily="49" charset="0"/>
-                <a:cs typeface="Courier New" panose="02070309020205020404" pitchFamily="49" charset="0"/>
-              </a:rPr>
-              <a:t>az</a:t>
-            </a:r>
-            <a:r>
-              <a:rPr lang="es-AR" sz="1400" dirty="0">
-                <a:solidFill>
-                  <a:schemeClr val="accent6"/>
-                </a:solidFill>
-                <a:latin typeface="Courier New" panose="02070309020205020404" pitchFamily="49" charset="0"/>
-                <a:cs typeface="Courier New" panose="02070309020205020404" pitchFamily="49" charset="0"/>
-              </a:rPr>
-              <a:t> container </a:t>
-            </a:r>
-            <a:r>
-              <a:rPr lang="es-AR" sz="1400" dirty="0" err="1">
-                <a:solidFill>
-                  <a:schemeClr val="accent6"/>
-                </a:solidFill>
-                <a:latin typeface="Courier New" panose="02070309020205020404" pitchFamily="49" charset="0"/>
-                <a:cs typeface="Courier New" panose="02070309020205020404" pitchFamily="49" charset="0"/>
-              </a:rPr>
-              <a:t>create</a:t>
-            </a:r>
-            <a:r>
-              <a:rPr lang="es-AR" sz="1400" dirty="0">
-                <a:solidFill>
-                  <a:schemeClr val="accent6"/>
-                </a:solidFill>
-                <a:latin typeface="Courier New" panose="02070309020205020404" pitchFamily="49" charset="0"/>
-                <a:cs typeface="Courier New" panose="02070309020205020404" pitchFamily="49" charset="0"/>
-              </a:rPr>
-              <a:t> --</a:t>
-            </a:r>
-            <a:r>
-              <a:rPr lang="es-AR" sz="1400" dirty="0" err="1">
-                <a:solidFill>
-                  <a:schemeClr val="accent6"/>
-                </a:solidFill>
-                <a:latin typeface="Courier New" panose="02070309020205020404" pitchFamily="49" charset="0"/>
-                <a:cs typeface="Courier New" panose="02070309020205020404" pitchFamily="49" charset="0"/>
-              </a:rPr>
-              <a:t>resource-group</a:t>
-            </a:r>
-            <a:r>
-              <a:rPr lang="es-AR" sz="1400" dirty="0">
-                <a:solidFill>
-                  <a:schemeClr val="accent6"/>
-                </a:solidFill>
-                <a:latin typeface="Courier New" panose="02070309020205020404" pitchFamily="49" charset="0"/>
-                <a:cs typeface="Courier New" panose="02070309020205020404" pitchFamily="49" charset="0"/>
-              </a:rPr>
-              <a:t> </a:t>
-            </a:r>
-            <a:r>
-              <a:rPr lang="es-AR" sz="1400" dirty="0" err="1">
-                <a:solidFill>
-                  <a:schemeClr val="accent6"/>
-                </a:solidFill>
-                <a:latin typeface="Courier New" panose="02070309020205020404" pitchFamily="49" charset="0"/>
-                <a:cs typeface="Courier New" panose="02070309020205020404" pitchFamily="49" charset="0"/>
-              </a:rPr>
-              <a:t>MyResourceGroup</a:t>
-            </a:r>
-            <a:r>
-              <a:rPr lang="es-AR" sz="1400" dirty="0">
-                <a:solidFill>
-                  <a:schemeClr val="accent6"/>
-                </a:solidFill>
-                <a:latin typeface="Courier New" panose="02070309020205020404" pitchFamily="49" charset="0"/>
-                <a:cs typeface="Courier New" panose="02070309020205020404" pitchFamily="49" charset="0"/>
-              </a:rPr>
-              <a:t> --</a:t>
-            </a:r>
-            <a:r>
-              <a:rPr lang="es-AR" sz="1400" dirty="0" err="1">
-                <a:solidFill>
-                  <a:schemeClr val="accent6"/>
-                </a:solidFill>
-                <a:latin typeface="Courier New" panose="02070309020205020404" pitchFamily="49" charset="0"/>
-                <a:cs typeface="Courier New" panose="02070309020205020404" pitchFamily="49" charset="0"/>
-              </a:rPr>
-              <a:t>name</a:t>
-            </a:r>
-            <a:r>
-              <a:rPr lang="es-AR" sz="1400" dirty="0">
-                <a:solidFill>
-                  <a:schemeClr val="accent6"/>
-                </a:solidFill>
-                <a:latin typeface="Courier New" panose="02070309020205020404" pitchFamily="49" charset="0"/>
-                <a:cs typeface="Courier New" panose="02070309020205020404" pitchFamily="49" charset="0"/>
-              </a:rPr>
-              <a:t> </a:t>
-            </a:r>
-            <a:r>
-              <a:rPr lang="es-AR" sz="1400" dirty="0" err="1">
-                <a:solidFill>
-                  <a:schemeClr val="accent6"/>
-                </a:solidFill>
-                <a:latin typeface="Courier New" panose="02070309020205020404" pitchFamily="49" charset="0"/>
-                <a:cs typeface="Courier New" panose="02070309020205020404" pitchFamily="49" charset="0"/>
-              </a:rPr>
-              <a:t>MyContainer</a:t>
-            </a:r>
-            <a:r>
-              <a:rPr lang="es-AR" sz="1400" dirty="0">
-                <a:solidFill>
-                  <a:schemeClr val="accent6"/>
-                </a:solidFill>
-                <a:latin typeface="Courier New" panose="02070309020205020404" pitchFamily="49" charset="0"/>
-                <a:cs typeface="Courier New" panose="02070309020205020404" pitchFamily="49" charset="0"/>
-              </a:rPr>
-              <a:t> --</a:t>
-            </a:r>
-            <a:r>
-              <a:rPr lang="es-AR" sz="1400" dirty="0" err="1">
-                <a:solidFill>
-                  <a:schemeClr val="accent6"/>
-                </a:solidFill>
-                <a:latin typeface="Courier New" panose="02070309020205020404" pitchFamily="49" charset="0"/>
-                <a:cs typeface="Courier New" panose="02070309020205020404" pitchFamily="49" charset="0"/>
-              </a:rPr>
-              <a:t>image</a:t>
-            </a:r>
-            <a:r>
-              <a:rPr lang="es-AR" sz="1400" dirty="0">
-                <a:solidFill>
-                  <a:schemeClr val="accent6"/>
-                </a:solidFill>
-                <a:latin typeface="Courier New" panose="02070309020205020404" pitchFamily="49" charset="0"/>
-                <a:cs typeface="Courier New" panose="02070309020205020404" pitchFamily="49" charset="0"/>
-              </a:rPr>
-              <a:t> </a:t>
-            </a:r>
-            <a:r>
-              <a:rPr lang="es-AR" sz="1400" dirty="0" err="1">
-                <a:solidFill>
-                  <a:schemeClr val="accent6"/>
-                </a:solidFill>
-                <a:latin typeface="Courier New" panose="02070309020205020404" pitchFamily="49" charset="0"/>
-                <a:cs typeface="Courier New" panose="02070309020205020404" pitchFamily="49" charset="0"/>
-              </a:rPr>
-              <a:t>nginx</a:t>
-            </a:r>
-            <a:endParaRPr lang="es-AR" sz="1400" dirty="0">
-              <a:solidFill>
-                <a:schemeClr val="accent6"/>
-              </a:solidFill>
-              <a:latin typeface="Courier New" panose="02070309020205020404" pitchFamily="49" charset="0"/>
-              <a:cs typeface="Courier New" panose="02070309020205020404" pitchFamily="49" charset="0"/>
-            </a:endParaRPr>
-          </a:p>
-          <a:p>
-            <a:endParaRPr lang="es-AR" sz="1600" dirty="0">
-              <a:solidFill>
-                <a:schemeClr val="accent6"/>
-              </a:solidFill>
-            </a:endParaRPr>
-          </a:p>
-          <a:p>
-            <a:endParaRPr lang="es-AR" sz="1600" dirty="0">
-              <a:solidFill>
-                <a:schemeClr val="accent6"/>
-              </a:solidFill>
-            </a:endParaRPr>
-          </a:p>
-        </p:txBody>
-      </p:sp>
-      <p:pic>
-        <p:nvPicPr>
-          <p:cNvPr id="7" name="Imagen 6">
-            <a:extLst>
-              <a:ext uri="{FF2B5EF4-FFF2-40B4-BE49-F238E27FC236}">
-                <a16:creationId xmlns:a16="http://schemas.microsoft.com/office/drawing/2014/main" id="{D4B1C100-069B-180E-F961-E7CBA52287B1}"/>
-              </a:ext>
-            </a:extLst>
-          </p:cNvPr>
-          <p:cNvPicPr>
-            <a:picLocks noChangeAspect="1"/>
-          </p:cNvPicPr>
-          <p:nvPr/>
-        </p:nvPicPr>
-        <p:blipFill>
-          <a:blip r:embed="rId3"/>
-          <a:stretch>
-            <a:fillRect/>
-          </a:stretch>
-        </p:blipFill>
-        <p:spPr>
-          <a:xfrm>
-            <a:off x="10748509" y="153565"/>
-            <a:ext cx="1095148" cy="1189557"/>
-          </a:xfrm>
-          <a:prstGeom prst="rect">
-            <a:avLst/>
-          </a:prstGeom>
-        </p:spPr>
-      </p:pic>
-    </p:spTree>
-    <p:extLst>
-      <p:ext uri="{BB962C8B-B14F-4D97-AF65-F5344CB8AC3E}">
-        <p14:creationId xmlns:p14="http://schemas.microsoft.com/office/powerpoint/2010/main" val="2780301664"/>
-      </p:ext>
-    </p:extLst>
-  </p:cSld>
-  <p:clrMapOvr>
-    <a:masterClrMapping/>
-  </p:clrMapOvr>
-  <mc:AlternateContent xmlns:mc="http://schemas.openxmlformats.org/markup-compatibility/2006">
-    <mc:Choice xmlns:p14="http://schemas.microsoft.com/office/powerpoint/2010/main" Requires="p14">
-      <p:transition spd="med" p14:dur="700">
-        <p:fade/>
-      </p:transition>
-    </mc:Choice>
-    <mc:Fallback>
-      <p:transition spd="med">
-        <p:fade/>
-      </p:transition>
-    </mc:Fallback>
-  </mc:AlternateContent>
-</p:sld>
-</file>
-
-<file path=ppt/slides/slide12.xml><?xml version="1.0" encoding="utf-8"?>
-<p:sld xmlns:a="http://schemas.openxmlformats.org/drawingml/2006/main" xmlns:r="http://schemas.openxmlformats.org/officeDocument/2006/relationships" xmlns:p="http://schemas.openxmlformats.org/presentationml/2006/main" showMasterSp="0">
-  <p:cSld>
-    <p:spTree>
-      <p:nvGrpSpPr>
-        <p:cNvPr id="1" name=""/>
-        <p:cNvGrpSpPr/>
-        <p:nvPr/>
-      </p:nvGrpSpPr>
-      <p:grpSpPr>
-        <a:xfrm>
-          <a:off x="0" y="0"/>
-          <a:ext cx="0" cy="0"/>
-          <a:chOff x="0" y="0"/>
-          <a:chExt cx="0" cy="0"/>
-        </a:xfrm>
-      </p:grpSpPr>
-      <p:sp>
-        <p:nvSpPr>
-          <p:cNvPr id="4" name="Title 3">
-            <a:extLst>
-              <a:ext uri="{FF2B5EF4-FFF2-40B4-BE49-F238E27FC236}">
-                <a16:creationId xmlns:a16="http://schemas.microsoft.com/office/drawing/2014/main" id="{DA6A65AD-43AA-423E-8D08-19A36B5745EF}"/>
-              </a:ext>
-            </a:extLst>
-          </p:cNvPr>
-          <p:cNvSpPr>
-            <a:spLocks noGrp="1"/>
-          </p:cNvSpPr>
-          <p:nvPr>
-            <p:ph type="title"/>
-          </p:nvPr>
-        </p:nvSpPr>
-        <p:spPr>
-          <a:xfrm>
-            <a:off x="434975" y="227014"/>
-            <a:ext cx="11563350" cy="754061"/>
-          </a:xfrm>
-        </p:spPr>
-        <p:txBody>
-          <a:bodyPr/>
-          <a:lstStyle/>
-          <a:p>
-            <a:r>
-              <a:rPr lang="es-AR" b="1" dirty="0"/>
-              <a:t>Variables en Pipelines de Azure DevOps</a:t>
-            </a:r>
-          </a:p>
-        </p:txBody>
-      </p:sp>
-      <p:sp>
-        <p:nvSpPr>
-          <p:cNvPr id="5" name="Text Placeholder 4">
-            <a:extLst>
-              <a:ext uri="{FF2B5EF4-FFF2-40B4-BE49-F238E27FC236}">
-                <a16:creationId xmlns:a16="http://schemas.microsoft.com/office/drawing/2014/main" id="{795D34CA-2892-4FF4-9588-C6A35829635B}"/>
-              </a:ext>
-            </a:extLst>
-          </p:cNvPr>
-          <p:cNvSpPr>
-            <a:spLocks noGrp="1"/>
-          </p:cNvSpPr>
-          <p:nvPr>
-            <p:ph type="body" sz="quarter" idx="10"/>
-          </p:nvPr>
-        </p:nvSpPr>
-        <p:spPr>
-          <a:xfrm>
-            <a:off x="445129" y="972295"/>
-            <a:ext cx="11717490" cy="544162"/>
-          </a:xfrm>
-        </p:spPr>
-        <p:txBody>
-          <a:bodyPr/>
-          <a:lstStyle/>
-          <a:p>
-            <a:pPr>
-              <a:lnSpc>
-                <a:spcPct val="100000"/>
-              </a:lnSpc>
-              <a:spcAft>
-                <a:spcPts val="800"/>
-              </a:spcAft>
-            </a:pPr>
-            <a:r>
-              <a:rPr lang="es-ES" sz="1800" dirty="0">
-                <a:solidFill>
-                  <a:schemeClr val="tx1">
-                    <a:lumMod val="65000"/>
-                    <a:lumOff val="35000"/>
-                  </a:schemeClr>
-                </a:solidFill>
-              </a:rPr>
-              <a:t>P</a:t>
-            </a:r>
-            <a:r>
-              <a:rPr lang="es-AR" sz="1800" dirty="0" err="1">
-                <a:solidFill>
-                  <a:schemeClr val="tx1">
-                    <a:lumMod val="65000"/>
-                    <a:lumOff val="35000"/>
-                  </a:schemeClr>
-                </a:solidFill>
-              </a:rPr>
-              <a:t>ermiten</a:t>
-            </a:r>
-            <a:r>
-              <a:rPr lang="es-AR" sz="1800" dirty="0">
-                <a:solidFill>
-                  <a:schemeClr val="tx1">
-                    <a:lumMod val="65000"/>
-                    <a:lumOff val="35000"/>
-                  </a:schemeClr>
-                </a:solidFill>
-              </a:rPr>
-              <a:t> parametrizar y reutilizar información a lo largo de un pipeline, lo que facilita la configuración de entornos como QA, </a:t>
-            </a:r>
-            <a:r>
-              <a:rPr lang="es-AR" sz="1800" dirty="0" err="1">
-                <a:solidFill>
-                  <a:schemeClr val="tx1">
-                    <a:lumMod val="65000"/>
-                    <a:lumOff val="35000"/>
-                  </a:schemeClr>
-                </a:solidFill>
-              </a:rPr>
-              <a:t>Staging</a:t>
-            </a:r>
-            <a:r>
-              <a:rPr lang="es-AR" sz="1800" dirty="0">
-                <a:solidFill>
-                  <a:schemeClr val="tx1">
-                    <a:lumMod val="65000"/>
-                    <a:lumOff val="35000"/>
-                  </a:schemeClr>
-                </a:solidFill>
-              </a:rPr>
-              <a:t> y Producción sin cambiar el código fuente.</a:t>
-            </a:r>
-          </a:p>
-        </p:txBody>
-      </p:sp>
-      <p:sp>
-        <p:nvSpPr>
-          <p:cNvPr id="6" name="CuadroTexto 5">
-            <a:extLst>
-              <a:ext uri="{FF2B5EF4-FFF2-40B4-BE49-F238E27FC236}">
-                <a16:creationId xmlns:a16="http://schemas.microsoft.com/office/drawing/2014/main" id="{781CE82A-C8C9-8F82-7426-26E9AE5FCFCA}"/>
-              </a:ext>
-            </a:extLst>
-          </p:cNvPr>
-          <p:cNvSpPr txBox="1"/>
-          <p:nvPr/>
-        </p:nvSpPr>
-        <p:spPr>
-          <a:xfrm>
-            <a:off x="434975" y="1726356"/>
-            <a:ext cx="11563350" cy="5078313"/>
-          </a:xfrm>
-          <a:prstGeom prst="rect">
-            <a:avLst/>
-          </a:prstGeom>
-          <a:noFill/>
-        </p:spPr>
-        <p:txBody>
-          <a:bodyPr wrap="square">
-            <a:spAutoFit/>
-          </a:bodyPr>
-          <a:lstStyle/>
-          <a:p>
-            <a:r>
-              <a:rPr lang="es-AR" sz="1600" b="1" dirty="0">
-                <a:solidFill>
-                  <a:schemeClr val="accent6"/>
-                </a:solidFill>
-              </a:rPr>
-              <a:t>Tipos de Variables:</a:t>
-            </a:r>
-          </a:p>
-          <a:p>
-            <a:pPr lvl="1">
-              <a:buFont typeface="Arial" panose="020B0604020202020204" pitchFamily="34" charset="0"/>
-              <a:buChar char="•"/>
-            </a:pPr>
-            <a:r>
-              <a:rPr lang="es-AR" sz="1600" b="1" dirty="0">
-                <a:solidFill>
-                  <a:schemeClr val="accent6"/>
-                </a:solidFill>
-              </a:rPr>
-              <a:t>Definidas en YAML: </a:t>
-            </a:r>
-            <a:r>
-              <a:rPr lang="es-AR" sz="1600" dirty="0">
-                <a:solidFill>
-                  <a:schemeClr val="accent6"/>
-                </a:solidFill>
-              </a:rPr>
-              <a:t>Se especifican directamente en el archivo YAML del pipeline.</a:t>
-            </a:r>
-          </a:p>
-          <a:p>
-            <a:pPr lvl="1">
-              <a:buFont typeface="Arial" panose="020B0604020202020204" pitchFamily="34" charset="0"/>
-              <a:buChar char="•"/>
-            </a:pPr>
-            <a:r>
-              <a:rPr lang="es-AR" sz="1600" b="1" dirty="0">
-                <a:solidFill>
-                  <a:schemeClr val="accent6"/>
-                </a:solidFill>
-              </a:rPr>
-              <a:t>Definidas en el UI del Pipeline:</a:t>
-            </a:r>
-            <a:r>
-              <a:rPr lang="es-AR" sz="1600" dirty="0">
-                <a:solidFill>
-                  <a:schemeClr val="accent6"/>
-                </a:solidFill>
-              </a:rPr>
-              <a:t> Se configuran a través de la interfaz gráfica de Azure DevOps.</a:t>
-            </a:r>
-          </a:p>
-          <a:p>
-            <a:pPr lvl="1">
-              <a:buFont typeface="Arial" panose="020B0604020202020204" pitchFamily="34" charset="0"/>
-              <a:buChar char="•"/>
-            </a:pPr>
-            <a:r>
-              <a:rPr lang="es-AR" sz="1600" b="1" dirty="0">
-                <a:solidFill>
-                  <a:schemeClr val="accent6"/>
-                </a:solidFill>
-              </a:rPr>
-              <a:t>Variables de Entorno: </a:t>
-            </a:r>
-            <a:r>
-              <a:rPr lang="es-AR" sz="1600" dirty="0">
-                <a:solidFill>
-                  <a:schemeClr val="accent6"/>
-                </a:solidFill>
-              </a:rPr>
-              <a:t>También conocidas como </a:t>
-            </a:r>
-            <a:r>
-              <a:rPr lang="es-AR" sz="1600" dirty="0" err="1">
-                <a:solidFill>
-                  <a:schemeClr val="accent6"/>
-                </a:solidFill>
-              </a:rPr>
-              <a:t>Environment</a:t>
-            </a:r>
-            <a:r>
-              <a:rPr lang="es-AR" sz="1600" dirty="0">
-                <a:solidFill>
-                  <a:schemeClr val="accent6"/>
-                </a:solidFill>
-              </a:rPr>
-              <a:t> Variables, se pueden usar en scripts dentro de los pasos del pipeline.</a:t>
-            </a:r>
-          </a:p>
-          <a:p>
-            <a:endParaRPr lang="es-AR" sz="1600" dirty="0">
-              <a:solidFill>
-                <a:schemeClr val="accent6"/>
-              </a:solidFill>
-            </a:endParaRPr>
-          </a:p>
-          <a:p>
-            <a:r>
-              <a:rPr lang="es-AR" sz="1600" b="1" dirty="0">
-                <a:solidFill>
-                  <a:schemeClr val="accent6"/>
-                </a:solidFill>
-              </a:rPr>
-              <a:t>Ejemplo en YAML:</a:t>
-            </a:r>
-          </a:p>
-          <a:p>
-            <a:r>
-              <a:rPr lang="es-AR" sz="1200" dirty="0">
-                <a:solidFill>
-                  <a:schemeClr val="accent6"/>
-                </a:solidFill>
-                <a:latin typeface="Courier New" panose="02070309020205020404" pitchFamily="49" charset="0"/>
-                <a:cs typeface="Courier New" panose="02070309020205020404" pitchFamily="49" charset="0"/>
-              </a:rPr>
-              <a:t>variables:</a:t>
-            </a:r>
-          </a:p>
-          <a:p>
-            <a:r>
-              <a:rPr lang="es-AR" sz="1200" dirty="0">
-                <a:solidFill>
-                  <a:schemeClr val="accent6"/>
-                </a:solidFill>
-                <a:latin typeface="Courier New" panose="02070309020205020404" pitchFamily="49" charset="0"/>
-                <a:cs typeface="Courier New" panose="02070309020205020404" pitchFamily="49" charset="0"/>
-              </a:rPr>
-              <a:t>  </a:t>
-            </a:r>
-            <a:r>
-              <a:rPr lang="es-AR" sz="1200" dirty="0" err="1">
-                <a:solidFill>
-                  <a:schemeClr val="accent6"/>
-                </a:solidFill>
-                <a:latin typeface="Courier New" panose="02070309020205020404" pitchFamily="49" charset="0"/>
-                <a:cs typeface="Courier New" panose="02070309020205020404" pitchFamily="49" charset="0"/>
-              </a:rPr>
-              <a:t>url</a:t>
-            </a:r>
-            <a:r>
-              <a:rPr lang="es-AR" sz="1200" dirty="0">
-                <a:solidFill>
-                  <a:schemeClr val="accent6"/>
-                </a:solidFill>
-                <a:latin typeface="Courier New" panose="02070309020205020404" pitchFamily="49" charset="0"/>
-                <a:cs typeface="Courier New" panose="02070309020205020404" pitchFamily="49" charset="0"/>
-              </a:rPr>
-              <a:t>-api: "https://</a:t>
-            </a:r>
-            <a:r>
-              <a:rPr lang="es-AR" sz="1200" dirty="0" err="1">
-                <a:solidFill>
-                  <a:schemeClr val="accent6"/>
-                </a:solidFill>
-                <a:latin typeface="Courier New" panose="02070309020205020404" pitchFamily="49" charset="0"/>
-                <a:cs typeface="Courier New" panose="02070309020205020404" pitchFamily="49" charset="0"/>
-              </a:rPr>
-              <a:t>myapi-qa.com</a:t>
-            </a:r>
-            <a:r>
-              <a:rPr lang="es-AR" sz="1200" dirty="0">
-                <a:solidFill>
-                  <a:schemeClr val="accent6"/>
-                </a:solidFill>
-                <a:latin typeface="Courier New" panose="02070309020205020404" pitchFamily="49" charset="0"/>
-                <a:cs typeface="Courier New" panose="02070309020205020404" pitchFamily="49" charset="0"/>
-              </a:rPr>
-              <a:t>"</a:t>
-            </a:r>
-          </a:p>
-          <a:p>
-            <a:r>
-              <a:rPr lang="es-AR" sz="1200" dirty="0">
-                <a:solidFill>
-                  <a:schemeClr val="accent6"/>
-                </a:solidFill>
-                <a:latin typeface="Courier New" panose="02070309020205020404" pitchFamily="49" charset="0"/>
-                <a:cs typeface="Courier New" panose="02070309020205020404" pitchFamily="49" charset="0"/>
-              </a:rPr>
-              <a:t>  </a:t>
-            </a:r>
-            <a:r>
-              <a:rPr lang="es-AR" sz="1200" dirty="0" err="1">
-                <a:solidFill>
-                  <a:schemeClr val="accent6"/>
-                </a:solidFill>
-                <a:latin typeface="Courier New" panose="02070309020205020404" pitchFamily="49" charset="0"/>
-                <a:cs typeface="Courier New" panose="02070309020205020404" pitchFamily="49" charset="0"/>
-              </a:rPr>
-              <a:t>environment</a:t>
-            </a:r>
-            <a:r>
-              <a:rPr lang="es-AR" sz="1200" dirty="0">
-                <a:solidFill>
-                  <a:schemeClr val="accent6"/>
-                </a:solidFill>
-                <a:latin typeface="Courier New" panose="02070309020205020404" pitchFamily="49" charset="0"/>
-                <a:cs typeface="Courier New" panose="02070309020205020404" pitchFamily="49" charset="0"/>
-              </a:rPr>
-              <a:t>: "QA"</a:t>
-            </a:r>
-          </a:p>
-          <a:p>
-            <a:endParaRPr lang="es-AR" sz="1600" dirty="0">
-              <a:solidFill>
-                <a:schemeClr val="accent6"/>
-              </a:solidFill>
-            </a:endParaRPr>
-          </a:p>
-          <a:p>
-            <a:r>
-              <a:rPr lang="es-AR" sz="1600" b="1" dirty="0">
-                <a:solidFill>
-                  <a:schemeClr val="accent6"/>
-                </a:solidFill>
-              </a:rPr>
-              <a:t>Definición de Secretos:</a:t>
-            </a:r>
-          </a:p>
-          <a:p>
-            <a:r>
-              <a:rPr lang="es-AR" sz="1600" dirty="0">
-                <a:solidFill>
-                  <a:schemeClr val="accent6"/>
-                </a:solidFill>
-              </a:rPr>
-              <a:t>Los secretos son credenciales sensibles, como claves API, cadenas de conexión, y contraseñas, que no deben estar visibles en el código o en los logs del pipeline.</a:t>
-            </a:r>
-          </a:p>
-          <a:p>
-            <a:endParaRPr lang="es-AR" sz="1600" dirty="0">
-              <a:solidFill>
-                <a:schemeClr val="accent6"/>
-              </a:solidFill>
-            </a:endParaRPr>
-          </a:p>
-          <a:p>
-            <a:r>
-              <a:rPr lang="es-AR" sz="1600" b="1" dirty="0">
-                <a:solidFill>
-                  <a:schemeClr val="accent6"/>
-                </a:solidFill>
-              </a:rPr>
-              <a:t>Variables Protegidas:</a:t>
-            </a:r>
-            <a:br>
-              <a:rPr lang="es-AR" sz="1600" b="1" dirty="0">
-                <a:solidFill>
-                  <a:schemeClr val="accent6"/>
-                </a:solidFill>
-              </a:rPr>
-            </a:br>
-            <a:r>
-              <a:rPr lang="es-AR" sz="1600" dirty="0">
-                <a:solidFill>
-                  <a:schemeClr val="accent6"/>
-                </a:solidFill>
-              </a:rPr>
-              <a:t>Se pueden definir variables como protegidas en Azure DevOps para evitar que sean expuestas en los logs. Se marcan como secretas, lo que las oculta del acceso público.</a:t>
-            </a:r>
-          </a:p>
-          <a:p>
-            <a:endParaRPr lang="es-AR" sz="1600" dirty="0">
-              <a:solidFill>
-                <a:schemeClr val="accent6"/>
-              </a:solidFill>
-            </a:endParaRPr>
-          </a:p>
-          <a:p>
-            <a:r>
-              <a:rPr lang="es-AR" sz="1600" dirty="0">
-                <a:solidFill>
-                  <a:schemeClr val="accent6"/>
-                </a:solidFill>
-              </a:rPr>
-              <a:t>Azure DevOps permite gestionar secretos como variables protegidas o integrando servicios de secretos como </a:t>
-            </a:r>
-            <a:r>
-              <a:rPr lang="es-AR" sz="1600" b="1" dirty="0">
-                <a:solidFill>
-                  <a:schemeClr val="accent6"/>
-                </a:solidFill>
-              </a:rPr>
-              <a:t>Azure Key </a:t>
-            </a:r>
-            <a:r>
-              <a:rPr lang="es-AR" sz="1600" b="1" dirty="0" err="1">
-                <a:solidFill>
-                  <a:schemeClr val="accent6"/>
-                </a:solidFill>
-              </a:rPr>
-              <a:t>Vault</a:t>
-            </a:r>
-            <a:r>
-              <a:rPr lang="es-AR" sz="1600" b="1" dirty="0">
-                <a:solidFill>
-                  <a:schemeClr val="accent6"/>
-                </a:solidFill>
-              </a:rPr>
-              <a:t>.</a:t>
-            </a:r>
-          </a:p>
-        </p:txBody>
-      </p:sp>
-    </p:spTree>
-    <p:extLst>
-      <p:ext uri="{BB962C8B-B14F-4D97-AF65-F5344CB8AC3E}">
-        <p14:creationId xmlns:p14="http://schemas.microsoft.com/office/powerpoint/2010/main" val="4280174515"/>
-      </p:ext>
-    </p:extLst>
-  </p:cSld>
-  <p:clrMapOvr>
-    <a:masterClrMapping/>
-  </p:clrMapOvr>
-  <mc:AlternateContent xmlns:mc="http://schemas.openxmlformats.org/markup-compatibility/2006">
-    <mc:Choice xmlns:p14="http://schemas.microsoft.com/office/powerpoint/2010/main" Requires="p14">
-      <p:transition spd="med" p14:dur="700">
-        <p:fade/>
-      </p:transition>
-    </mc:Choice>
-    <mc:Fallback>
-      <p:transition spd="med">
-        <p:fade/>
-      </p:transition>
-    </mc:Fallback>
-  </mc:AlternateContent>
-</p:sld>
-</file>
-
-<file path=ppt/slides/slide13.xml><?xml version="1.0" encoding="utf-8"?>
-<p:sld xmlns:a="http://schemas.openxmlformats.org/drawingml/2006/main" xmlns:r="http://schemas.openxmlformats.org/officeDocument/2006/relationships" xmlns:p="http://schemas.openxmlformats.org/presentationml/2006/main" showMasterSp="0">
-  <p:cSld>
-    <p:spTree>
-      <p:nvGrpSpPr>
-        <p:cNvPr id="1" name=""/>
-        <p:cNvGrpSpPr/>
-        <p:nvPr/>
-      </p:nvGrpSpPr>
-      <p:grpSpPr>
-        <a:xfrm>
-          <a:off x="0" y="0"/>
-          <a:ext cx="0" cy="0"/>
-          <a:chOff x="0" y="0"/>
-          <a:chExt cx="0" cy="0"/>
-        </a:xfrm>
-      </p:grpSpPr>
-      <p:sp>
-        <p:nvSpPr>
-          <p:cNvPr id="4" name="Title 3">
-            <a:extLst>
-              <a:ext uri="{FF2B5EF4-FFF2-40B4-BE49-F238E27FC236}">
-                <a16:creationId xmlns:a16="http://schemas.microsoft.com/office/drawing/2014/main" id="{DA6A65AD-43AA-423E-8D08-19A36B5745EF}"/>
-              </a:ext>
-            </a:extLst>
-          </p:cNvPr>
-          <p:cNvSpPr>
-            <a:spLocks noGrp="1"/>
-          </p:cNvSpPr>
-          <p:nvPr>
-            <p:ph type="title"/>
-          </p:nvPr>
-        </p:nvSpPr>
-        <p:spPr>
-          <a:xfrm>
-            <a:off x="434974" y="227014"/>
-            <a:ext cx="11802421" cy="754061"/>
-          </a:xfrm>
-        </p:spPr>
-        <p:txBody>
-          <a:bodyPr/>
-          <a:lstStyle/>
-          <a:p>
-            <a:r>
-              <a:rPr lang="es-AR" dirty="0"/>
-              <a:t>Presentación del TP</a:t>
-            </a:r>
-            <a:endParaRPr lang="en-US" dirty="0">
-              <a:solidFill>
-                <a:srgbClr val="2C65E1"/>
-              </a:solidFill>
-            </a:endParaRPr>
-          </a:p>
-        </p:txBody>
-      </p:sp>
-      <p:pic>
-        <p:nvPicPr>
-          <p:cNvPr id="24" name="Imagen 23">
-            <a:extLst>
-              <a:ext uri="{FF2B5EF4-FFF2-40B4-BE49-F238E27FC236}">
-                <a16:creationId xmlns:a16="http://schemas.microsoft.com/office/drawing/2014/main" id="{6380FFF8-722E-A863-F0A5-558D5BC3638A}"/>
-              </a:ext>
-            </a:extLst>
-          </p:cNvPr>
-          <p:cNvPicPr>
-            <a:picLocks noChangeAspect="1"/>
-          </p:cNvPicPr>
-          <p:nvPr/>
-        </p:nvPicPr>
-        <p:blipFill>
-          <a:blip r:embed="rId3">
-            <a:extLst>
-              <a:ext uri="{28A0092B-C50C-407E-A947-70E740481C1C}">
-                <a14:useLocalDpi xmlns:a14="http://schemas.microsoft.com/office/drawing/2010/main" val="0"/>
-              </a:ext>
-              <a:ext uri="{837473B0-CC2E-450A-ABE3-18F120FF3D39}">
-                <a1611:picAttrSrcUrl xmlns:a1611="http://schemas.microsoft.com/office/drawing/2016/11/main" r:id="rId4"/>
-              </a:ext>
-            </a:extLst>
-          </a:blip>
-          <a:srcRect/>
-          <a:stretch/>
-        </p:blipFill>
-        <p:spPr>
-          <a:xfrm>
-            <a:off x="4787248" y="1661287"/>
-            <a:ext cx="3097871" cy="2789626"/>
-          </a:xfrm>
-          <a:prstGeom prst="rect">
-            <a:avLst/>
-          </a:prstGeom>
-        </p:spPr>
-      </p:pic>
-    </p:spTree>
-    <p:extLst>
-      <p:ext uri="{BB962C8B-B14F-4D97-AF65-F5344CB8AC3E}">
-        <p14:creationId xmlns:p14="http://schemas.microsoft.com/office/powerpoint/2010/main" val="1146899652"/>
-      </p:ext>
-    </p:extLst>
-  </p:cSld>
-  <p:clrMapOvr>
-    <a:masterClrMapping/>
-  </p:clrMapOvr>
-  <mc:AlternateContent xmlns:mc="http://schemas.openxmlformats.org/markup-compatibility/2006" xmlns:p14="http://schemas.microsoft.com/office/powerpoint/2010/main">
-    <mc:Choice Requires="p14">
-      <p:transition spd="med" p14:dur="700">
-        <p:fade/>
-      </p:transition>
-    </mc:Choice>
-    <mc:Fallback xmlns="">
-      <p:transition spd="med">
-        <p:fade/>
-      </p:transition>
-    </mc:Fallback>
-  </mc:AlternateContent>
-</p:sld>
-</file>
-
-<file path=ppt/slides/slide14.xml><?xml version="1.0" encoding="utf-8"?>
-<p:sld xmlns:a="http://schemas.openxmlformats.org/drawingml/2006/main" xmlns:r="http://schemas.openxmlformats.org/officeDocument/2006/relationships" xmlns:p="http://schemas.openxmlformats.org/presentationml/2006/main" showMasterSp="0">
-  <p:cSld>
-    <p:spTree>
-      <p:nvGrpSpPr>
-        <p:cNvPr id="1" name=""/>
-        <p:cNvGrpSpPr/>
-        <p:nvPr/>
-      </p:nvGrpSpPr>
-      <p:grpSpPr>
-        <a:xfrm>
-          <a:off x="0" y="0"/>
-          <a:ext cx="0" cy="0"/>
-          <a:chOff x="0" y="0"/>
-          <a:chExt cx="0" cy="0"/>
-        </a:xfrm>
-      </p:grpSpPr>
-      <p:sp>
-        <p:nvSpPr>
-          <p:cNvPr id="4" name="Title 3">
-            <a:extLst>
-              <a:ext uri="{FF2B5EF4-FFF2-40B4-BE49-F238E27FC236}">
-                <a16:creationId xmlns:a16="http://schemas.microsoft.com/office/drawing/2014/main" id="{DA6A65AD-43AA-423E-8D08-19A36B5745EF}"/>
-              </a:ext>
-            </a:extLst>
-          </p:cNvPr>
-          <p:cNvSpPr>
-            <a:spLocks noGrp="1"/>
-          </p:cNvSpPr>
-          <p:nvPr>
-            <p:ph type="title"/>
-          </p:nvPr>
-        </p:nvSpPr>
-        <p:spPr>
-          <a:xfrm>
-            <a:off x="434974" y="227014"/>
-            <a:ext cx="11802421" cy="754061"/>
-          </a:xfrm>
-        </p:spPr>
-        <p:txBody>
-          <a:bodyPr/>
-          <a:lstStyle/>
-          <a:p>
-            <a:r>
-              <a:rPr lang="es-AR" dirty="0"/>
-              <a:t>Espacio para preguntas, dudas y consultas</a:t>
-            </a:r>
-            <a:endParaRPr lang="en-US" dirty="0">
-              <a:solidFill>
-                <a:srgbClr val="2C65E1"/>
-              </a:solidFill>
-            </a:endParaRPr>
-          </a:p>
-        </p:txBody>
-      </p:sp>
-      <p:pic>
-        <p:nvPicPr>
-          <p:cNvPr id="24" name="Imagen 23">
-            <a:extLst>
-              <a:ext uri="{FF2B5EF4-FFF2-40B4-BE49-F238E27FC236}">
-                <a16:creationId xmlns:a16="http://schemas.microsoft.com/office/drawing/2014/main" id="{6380FFF8-722E-A863-F0A5-558D5BC3638A}"/>
-              </a:ext>
-            </a:extLst>
-          </p:cNvPr>
-          <p:cNvPicPr>
-            <a:picLocks noChangeAspect="1"/>
-          </p:cNvPicPr>
-          <p:nvPr/>
-        </p:nvPicPr>
-        <p:blipFill>
-          <a:blip r:embed="rId3">
-            <a:extLst>
-              <a:ext uri="{28A0092B-C50C-407E-A947-70E740481C1C}">
-                <a14:useLocalDpi xmlns:a14="http://schemas.microsoft.com/office/drawing/2010/main" val="0"/>
-              </a:ext>
-              <a:ext uri="{837473B0-CC2E-450A-ABE3-18F120FF3D39}">
-                <a1611:picAttrSrcUrl xmlns:a1611="http://schemas.microsoft.com/office/drawing/2016/11/main" r:id="rId4"/>
-              </a:ext>
-            </a:extLst>
-          </a:blip>
-          <a:srcRect/>
-          <a:stretch/>
-        </p:blipFill>
-        <p:spPr>
-          <a:xfrm>
-            <a:off x="3836785" y="1910896"/>
-            <a:ext cx="4762904" cy="3172732"/>
-          </a:xfrm>
-          <a:prstGeom prst="rect">
-            <a:avLst/>
-          </a:prstGeom>
-        </p:spPr>
-      </p:pic>
-    </p:spTree>
-    <p:extLst>
-      <p:ext uri="{BB962C8B-B14F-4D97-AF65-F5344CB8AC3E}">
-        <p14:creationId xmlns:p14="http://schemas.microsoft.com/office/powerpoint/2010/main" val="2961903864"/>
-      </p:ext>
-    </p:extLst>
-  </p:cSld>
-  <p:clrMapOvr>
-    <a:masterClrMapping/>
-  </p:clrMapOvr>
-  <mc:AlternateContent xmlns:mc="http://schemas.openxmlformats.org/markup-compatibility/2006" xmlns:p14="http://schemas.microsoft.com/office/powerpoint/2010/main">
-    <mc:Choice Requires="p14">
-      <p:transition spd="med" p14:dur="700">
-        <p:fade/>
-      </p:transition>
-    </mc:Choice>
-    <mc:Fallback xmlns="">
-      <p:transition spd="med">
-        <p:fade/>
-      </p:transition>
-    </mc:Fallback>
-  </mc:AlternateContent>
 </p:sld>
 </file>
 
@@ -20831,7 +16663,7 @@
         </p:nvSpPr>
         <p:spPr>
           <a:xfrm>
-            <a:off x="1732153" y="4584192"/>
+            <a:off x="1758657" y="4005091"/>
             <a:ext cx="5943600" cy="1961059"/>
           </a:xfrm>
           <a:prstGeom prst="rect">
@@ -21057,6 +16889,55 @@
                 <a:ea typeface="Source Sans Pro" panose="020B0503030403020204" pitchFamily="34" charset="0"/>
               </a:rPr>
             </a:br>
+            <a:r>
+              <a:rPr lang="es-AR" dirty="0">
+                <a:solidFill>
+                  <a:prstClr val="black"/>
+                </a:solidFill>
+                <a:latin typeface="Source Sans Pro" panose="020B0503030403020204" pitchFamily="34" charset="0"/>
+                <a:ea typeface="Source Sans Pro" panose="020B0503030403020204" pitchFamily="34" charset="0"/>
+              </a:rPr>
+              <a:t>Microsoft </a:t>
+            </a:r>
+            <a:r>
+              <a:rPr lang="es-AR" dirty="0" err="1">
+                <a:solidFill>
+                  <a:prstClr val="black"/>
+                </a:solidFill>
+                <a:latin typeface="Source Sans Pro" panose="020B0503030403020204" pitchFamily="34" charset="0"/>
+                <a:ea typeface="Source Sans Pro" panose="020B0503030403020204" pitchFamily="34" charset="0"/>
+              </a:rPr>
+              <a:t>Certified</a:t>
+            </a:r>
+            <a:r>
+              <a:rPr lang="es-AR" dirty="0">
+                <a:solidFill>
+                  <a:prstClr val="black"/>
+                </a:solidFill>
+                <a:latin typeface="Source Sans Pro" panose="020B0503030403020204" pitchFamily="34" charset="0"/>
+                <a:ea typeface="Source Sans Pro" panose="020B0503030403020204" pitchFamily="34" charset="0"/>
+              </a:rPr>
+              <a:t> </a:t>
+            </a:r>
+            <a:r>
+              <a:rPr lang="es-AR" dirty="0" err="1">
+                <a:solidFill>
+                  <a:prstClr val="black"/>
+                </a:solidFill>
+                <a:latin typeface="Source Sans Pro" panose="020B0503030403020204" pitchFamily="34" charset="0"/>
+                <a:ea typeface="Source Sans Pro" panose="020B0503030403020204" pitchFamily="34" charset="0"/>
+              </a:rPr>
+              <a:t>Trainer</a:t>
+            </a:r>
+            <a:endParaRPr lang="es-AR" dirty="0">
+              <a:solidFill>
+                <a:prstClr val="black"/>
+              </a:solidFill>
+              <a:latin typeface="Source Sans Pro" panose="020B0503030403020204" pitchFamily="34" charset="0"/>
+              <a:ea typeface="Source Sans Pro" panose="020B0503030403020204" pitchFamily="34" charset="0"/>
+            </a:endParaRPr>
+          </a:p>
+          <a:p>
             <a:br>
               <a:rPr lang="en-US" sz="2800" b="1" dirty="0"/>
             </a:br>
@@ -21251,38 +17132,8 @@
         </p:blipFill>
         <p:spPr>
           <a:xfrm>
-            <a:off x="203065" y="4475193"/>
+            <a:off x="327464" y="5273173"/>
             <a:ext cx="1052279" cy="1035029"/>
-          </a:xfrm>
-          <a:prstGeom prst="rect">
-            <a:avLst/>
-          </a:prstGeom>
-        </p:spPr>
-      </p:pic>
-      <p:pic>
-        <p:nvPicPr>
-          <p:cNvPr id="3" name="Imagen 2">
-            <a:extLst>
-              <a:ext uri="{FF2B5EF4-FFF2-40B4-BE49-F238E27FC236}">
-                <a16:creationId xmlns:a16="http://schemas.microsoft.com/office/drawing/2014/main" id="{EB3483DB-76E5-9C81-535B-0C6C423AF39E}"/>
-              </a:ext>
-            </a:extLst>
-          </p:cNvPr>
-          <p:cNvPicPr>
-            <a:picLocks noChangeAspect="1"/>
-          </p:cNvPicPr>
-          <p:nvPr/>
-        </p:nvPicPr>
-        <p:blipFill>
-          <a:blip r:embed="rId6"/>
-          <a:stretch>
-            <a:fillRect/>
-          </a:stretch>
-        </p:blipFill>
-        <p:spPr>
-          <a:xfrm>
-            <a:off x="203065" y="5510222"/>
-            <a:ext cx="1051458" cy="1035029"/>
           </a:xfrm>
           <a:prstGeom prst="rect">
             <a:avLst/>
@@ -21307,7 +17158,7 @@
         </p:nvSpPr>
         <p:spPr>
           <a:xfrm>
-            <a:off x="340716" y="1214479"/>
+            <a:off x="327464" y="449274"/>
             <a:ext cx="9590081" cy="1828800"/>
           </a:xfrm>
         </p:spPr>
@@ -21317,12 +17168,48 @@
           <a:p>
             <a:r>
               <a:rPr lang="es-AR" dirty="0"/>
-              <a:t>Implementación de Contenedores en Azure y Automatización con Azure CLI</a:t>
+              <a:t>Implementación de Contenedores en Azure Parte 2</a:t>
             </a:r>
             <a:endParaRPr lang="en-US" dirty="0"/>
           </a:p>
         </p:txBody>
       </p:sp>
+      <p:pic>
+        <p:nvPicPr>
+          <p:cNvPr id="6" name="Imagen 5">
+            <a:extLst>
+              <a:ext uri="{FF2B5EF4-FFF2-40B4-BE49-F238E27FC236}">
+                <a16:creationId xmlns:a16="http://schemas.microsoft.com/office/drawing/2014/main" id="{118EE55F-8DA2-2F8C-48DC-AB8FA3579D39}"/>
+              </a:ext>
+            </a:extLst>
+          </p:cNvPr>
+          <p:cNvPicPr>
+            <a:picLocks noChangeAspect="1"/>
+          </p:cNvPicPr>
+          <p:nvPr/>
+        </p:nvPicPr>
+        <p:blipFill>
+          <a:blip r:embed="rId6">
+            <a:extLst>
+              <a:ext uri="{28A0092B-C50C-407E-A947-70E740481C1C}">
+                <a14:useLocalDpi xmlns:a14="http://schemas.microsoft.com/office/drawing/2010/main" val="0"/>
+              </a:ext>
+            </a:extLst>
+          </a:blip>
+          <a:stretch>
+            <a:fillRect/>
+          </a:stretch>
+        </p:blipFill>
+        <p:spPr>
+          <a:xfrm>
+            <a:off x="327464" y="4005091"/>
+            <a:ext cx="1128851" cy="1163764"/>
+          </a:xfrm>
+          <a:prstGeom prst="rect">
+            <a:avLst/>
+          </a:prstGeom>
+        </p:spPr>
+      </p:pic>
     </p:spTree>
     <p:extLst>
       <p:ext uri="{BB962C8B-B14F-4D97-AF65-F5344CB8AC3E}">
@@ -22089,9 +17976,18 @@
           <a:lstStyle/>
           <a:p>
             <a:r>
-              <a:rPr lang="es-AR" b="1" dirty="0"/>
-              <a:t>Servicios de Contenedores en Azure</a:t>
-            </a:r>
+              <a:rPr lang="es-AR" dirty="0"/>
+              <a:t>Azure App </a:t>
+            </a:r>
+            <a:r>
+              <a:rPr lang="es-AR" dirty="0" err="1"/>
+              <a:t>Services</a:t>
+            </a:r>
+            <a:r>
+              <a:rPr lang="es-AR" dirty="0"/>
+              <a:t> con Soporte para Contenedores</a:t>
+            </a:r>
+            <a:endParaRPr lang="es-AR" b="1" dirty="0"/>
           </a:p>
         </p:txBody>
       </p:sp>
@@ -22138,8 +18034,66 @@
                   </a:schemeClr>
                 </a:solidFill>
               </a:rPr>
-              <a:t>Azure ofrece múltiples servicios para desplegar contenedores, cada uno con sus propias ventajas y casos de uso.</a:t>
-            </a:r>
+              <a:t>Plataforma Gestionada para Aplicaciones Web y </a:t>
+            </a:r>
+            <a:r>
+              <a:rPr lang="es-AR" sz="1800" dirty="0" err="1">
+                <a:solidFill>
+                  <a:schemeClr val="tx1">
+                    <a:lumMod val="65000"/>
+                    <a:lumOff val="35000"/>
+                  </a:schemeClr>
+                </a:solidFill>
+              </a:rPr>
+              <a:t>APIs</a:t>
+            </a:r>
+            <a:r>
+              <a:rPr lang="es-AR" sz="1800" dirty="0">
+                <a:solidFill>
+                  <a:schemeClr val="tx1">
+                    <a:lumMod val="65000"/>
+                    <a:lumOff val="35000"/>
+                  </a:schemeClr>
+                </a:solidFill>
+              </a:rPr>
+              <a:t> en Contenedores</a:t>
+            </a:r>
+          </a:p>
+          <a:p>
+            <a:pPr>
+              <a:lnSpc>
+                <a:spcPct val="100000"/>
+              </a:lnSpc>
+              <a:spcAft>
+                <a:spcPts val="800"/>
+              </a:spcAft>
+            </a:pPr>
+            <a:endParaRPr lang="es-AR" sz="1800" dirty="0">
+              <a:solidFill>
+                <a:schemeClr val="tx1">
+                  <a:lumMod val="65000"/>
+                  <a:lumOff val="35000"/>
+                </a:schemeClr>
+              </a:solidFill>
+            </a:endParaRPr>
+          </a:p>
+          <a:p>
+            <a:pPr>
+              <a:lnSpc>
+                <a:spcPct val="100000"/>
+              </a:lnSpc>
+              <a:spcAft>
+                <a:spcPts val="800"/>
+              </a:spcAft>
+            </a:pPr>
+            <a:endParaRPr lang="es-AR" sz="1800" dirty="0">
+              <a:solidFill>
+                <a:schemeClr val="tx1">
+                  <a:lumMod val="65000"/>
+                  <a:lumOff val="35000"/>
+                </a:schemeClr>
+              </a:solidFill>
+            </a:endParaRPr>
           </a:p>
         </p:txBody>
       </p:sp>
@@ -22157,8 +18111,8 @@
         </p:nvSpPr>
         <p:spPr>
           <a:xfrm>
-            <a:off x="434975" y="2353699"/>
-            <a:ext cx="11563350" cy="1668021"/>
+            <a:off x="434975" y="1585951"/>
+            <a:ext cx="11563350" cy="3765518"/>
           </a:xfrm>
           <a:prstGeom prst="rect">
             <a:avLst/>
@@ -22171,6 +18125,213 @@
           </a:bodyPr>
           <a:lstStyle/>
           <a:p>
+            <a:pPr marL="800100" lvl="1" indent="-342900">
+              <a:buFont typeface="Arial" panose="020B0604020202020204" pitchFamily="34" charset="0"/>
+              <a:buChar char="•"/>
+            </a:pPr>
+            <a:r>
+              <a:rPr lang="es-AR" b="1" dirty="0">
+                <a:solidFill>
+                  <a:schemeClr val="accent6"/>
+                </a:solidFill>
+              </a:rPr>
+              <a:t>Plataforma gestionada para aplicaciones web:</a:t>
+            </a:r>
+            <a:br>
+              <a:rPr lang="es-AR" b="1" dirty="0">
+                <a:solidFill>
+                  <a:schemeClr val="accent6"/>
+                </a:solidFill>
+              </a:rPr>
+            </a:br>
+            <a:r>
+              <a:rPr lang="es-AR" dirty="0">
+                <a:solidFill>
+                  <a:schemeClr val="accent6"/>
+                </a:solidFill>
+              </a:rPr>
+              <a:t>Azure App </a:t>
+            </a:r>
+            <a:r>
+              <a:rPr lang="es-AR" dirty="0" err="1">
+                <a:solidFill>
+                  <a:schemeClr val="accent6"/>
+                </a:solidFill>
+              </a:rPr>
+              <a:t>Services</a:t>
+            </a:r>
+            <a:r>
+              <a:rPr lang="es-AR" dirty="0">
+                <a:solidFill>
+                  <a:schemeClr val="accent6"/>
+                </a:solidFill>
+              </a:rPr>
+              <a:t> permite desplegar aplicaciones web y </a:t>
+            </a:r>
+            <a:r>
+              <a:rPr lang="es-AR" dirty="0" err="1">
+                <a:solidFill>
+                  <a:schemeClr val="accent6"/>
+                </a:solidFill>
+              </a:rPr>
+              <a:t>APIs</a:t>
+            </a:r>
+            <a:r>
+              <a:rPr lang="es-AR" dirty="0">
+                <a:solidFill>
+                  <a:schemeClr val="accent6"/>
+                </a:solidFill>
+              </a:rPr>
+              <a:t> directamente desde imágenes de contenedores Docker. No necesitas preocuparte por la infraestructura subyacente, ya que Azure gestiona servidores, escalabilidad, y seguridad.</a:t>
+            </a:r>
+          </a:p>
+          <a:p>
+            <a:pPr marL="800100" lvl="1" indent="-342900">
+              <a:buFont typeface="Arial" panose="020B0604020202020204" pitchFamily="34" charset="0"/>
+              <a:buChar char="•"/>
+            </a:pPr>
+            <a:r>
+              <a:rPr lang="es-AR" b="1" dirty="0">
+                <a:solidFill>
+                  <a:schemeClr val="accent6"/>
+                </a:solidFill>
+              </a:rPr>
+              <a:t>Escalabilidad automática y alta disponibilidad:</a:t>
+            </a:r>
+            <a:br>
+              <a:rPr lang="es-AR" b="1" dirty="0">
+                <a:solidFill>
+                  <a:schemeClr val="accent6"/>
+                </a:solidFill>
+              </a:rPr>
+            </a:br>
+            <a:r>
+              <a:rPr lang="es-AR" dirty="0">
+                <a:solidFill>
+                  <a:schemeClr val="accent6"/>
+                </a:solidFill>
+              </a:rPr>
+              <a:t>App </a:t>
+            </a:r>
+            <a:r>
+              <a:rPr lang="es-AR" dirty="0" err="1">
+                <a:solidFill>
+                  <a:schemeClr val="accent6"/>
+                </a:solidFill>
+              </a:rPr>
+              <a:t>Services</a:t>
+            </a:r>
+            <a:r>
+              <a:rPr lang="es-AR" dirty="0">
+                <a:solidFill>
+                  <a:schemeClr val="accent6"/>
+                </a:solidFill>
+              </a:rPr>
+              <a:t> puede escalar automáticamente en función de la demanda. Además, ofrece alta disponibilidad garantizada mediante acuerdos de nivel de servicio (SLA).</a:t>
+            </a:r>
+            <a:endParaRPr lang="es-AR" b="1" dirty="0">
+              <a:solidFill>
+                <a:schemeClr val="accent6"/>
+              </a:solidFill>
+            </a:endParaRPr>
+          </a:p>
+          <a:p>
+            <a:pPr marL="800100" lvl="1" indent="-342900">
+              <a:buFont typeface="Arial" panose="020B0604020202020204" pitchFamily="34" charset="0"/>
+              <a:buChar char="•"/>
+            </a:pPr>
+            <a:r>
+              <a:rPr lang="es-AR" b="1" dirty="0">
+                <a:solidFill>
+                  <a:schemeClr val="accent6"/>
+                </a:solidFill>
+              </a:rPr>
+              <a:t>Escenarios ideales para App </a:t>
+            </a:r>
+            <a:r>
+              <a:rPr lang="es-AR" b="1" dirty="0" err="1">
+                <a:solidFill>
+                  <a:schemeClr val="accent6"/>
+                </a:solidFill>
+              </a:rPr>
+              <a:t>Services</a:t>
+            </a:r>
+            <a:r>
+              <a:rPr lang="es-AR" b="1" dirty="0">
+                <a:solidFill>
+                  <a:schemeClr val="accent6"/>
+                </a:solidFill>
+              </a:rPr>
+              <a:t>:</a:t>
+            </a:r>
+          </a:p>
+          <a:p>
+            <a:pPr marL="1266444" lvl="2" indent="-342900">
+              <a:buFont typeface="Arial" panose="020B0604020202020204" pitchFamily="34" charset="0"/>
+              <a:buChar char="•"/>
+            </a:pPr>
+            <a:r>
+              <a:rPr lang="es-AR" dirty="0">
+                <a:solidFill>
+                  <a:schemeClr val="accent6"/>
+                </a:solidFill>
+              </a:rPr>
+              <a:t>Aplicaciones web y </a:t>
+            </a:r>
+            <a:r>
+              <a:rPr lang="es-AR" dirty="0" err="1">
+                <a:solidFill>
+                  <a:schemeClr val="accent6"/>
+                </a:solidFill>
+              </a:rPr>
+              <a:t>APIs</a:t>
+            </a:r>
+            <a:r>
+              <a:rPr lang="es-AR" dirty="0">
+                <a:solidFill>
+                  <a:schemeClr val="accent6"/>
+                </a:solidFill>
+              </a:rPr>
+              <a:t> con cargas moderadas o críticas.</a:t>
+            </a:r>
+          </a:p>
+          <a:p>
+            <a:pPr marL="1266444" lvl="2" indent="-342900">
+              <a:buFont typeface="Arial" panose="020B0604020202020204" pitchFamily="34" charset="0"/>
+              <a:buChar char="•"/>
+            </a:pPr>
+            <a:r>
+              <a:rPr lang="es-AR" dirty="0">
+                <a:solidFill>
+                  <a:schemeClr val="accent6"/>
+                </a:solidFill>
+              </a:rPr>
+              <a:t>Migración de aplicaciones tradicionales a contenedores.</a:t>
+            </a:r>
+          </a:p>
+          <a:p>
+            <a:pPr marL="1266444" lvl="2" indent="-342900">
+              <a:buFont typeface="Arial" panose="020B0604020202020204" pitchFamily="34" charset="0"/>
+              <a:buChar char="•"/>
+            </a:pPr>
+            <a:r>
+              <a:rPr lang="es-AR" dirty="0">
+                <a:solidFill>
+                  <a:schemeClr val="accent6"/>
+                </a:solidFill>
+              </a:rPr>
+              <a:t>Aplicaciones que necesitan integración con servicios de Azure como bases de datos y monitorización</a:t>
+            </a:r>
+            <a:r>
+              <a:rPr lang="es-AR" b="1" dirty="0">
+                <a:solidFill>
+                  <a:schemeClr val="accent6"/>
+                </a:solidFill>
+              </a:rPr>
+              <a:t>.</a:t>
+            </a:r>
+          </a:p>
+          <a:p>
             <a:pPr marL="285750" indent="-285750">
               <a:lnSpc>
                 <a:spcPct val="150000"/>
@@ -22178,589 +18339,20 @@
               <a:buFont typeface="Arial" panose="020B0604020202020204" pitchFamily="34" charset="0"/>
               <a:buChar char="•"/>
             </a:pPr>
-            <a:r>
-              <a:rPr lang="es-AR" sz="1400" b="1" dirty="0">
-                <a:solidFill>
-                  <a:schemeClr val="accent6"/>
-                </a:solidFill>
-              </a:rPr>
-              <a:t>Azure Container </a:t>
-            </a:r>
-            <a:r>
-              <a:rPr lang="es-AR" sz="1400" b="1" dirty="0" err="1">
-                <a:solidFill>
-                  <a:schemeClr val="accent6"/>
-                </a:solidFill>
-              </a:rPr>
-              <a:t>Instances</a:t>
-            </a:r>
-            <a:r>
-              <a:rPr lang="es-AR" sz="1400" b="1" dirty="0">
-                <a:solidFill>
-                  <a:schemeClr val="accent6"/>
-                </a:solidFill>
-              </a:rPr>
-              <a:t> (ACI): </a:t>
-            </a:r>
-            <a:r>
-              <a:rPr lang="es-AR" sz="1400" dirty="0">
-                <a:solidFill>
-                  <a:schemeClr val="accent6"/>
-                </a:solidFill>
-              </a:rPr>
-              <a:t>Servicio para ejecutar contenedores sin gestionar infraestructura.</a:t>
-            </a:r>
-          </a:p>
-          <a:p>
-            <a:pPr marL="285750" indent="-285750">
-              <a:lnSpc>
-                <a:spcPct val="150000"/>
-              </a:lnSpc>
-              <a:buFont typeface="Arial" panose="020B0604020202020204" pitchFamily="34" charset="0"/>
-              <a:buChar char="•"/>
-            </a:pPr>
-            <a:r>
-              <a:rPr lang="es-AR" sz="1400" b="1" dirty="0">
-                <a:solidFill>
-                  <a:schemeClr val="accent6"/>
-                </a:solidFill>
-              </a:rPr>
-              <a:t>Azure App </a:t>
-            </a:r>
-            <a:r>
-              <a:rPr lang="es-AR" sz="1400" b="1" dirty="0" err="1">
-                <a:solidFill>
-                  <a:schemeClr val="accent6"/>
-                </a:solidFill>
-              </a:rPr>
-              <a:t>Services</a:t>
-            </a:r>
-            <a:r>
-              <a:rPr lang="es-AR" sz="1400" b="1" dirty="0">
-                <a:solidFill>
-                  <a:schemeClr val="accent6"/>
-                </a:solidFill>
-              </a:rPr>
-              <a:t> con Soporte para Contenedores: </a:t>
-            </a:r>
-            <a:r>
-              <a:rPr lang="es-AR" sz="1400" dirty="0">
-                <a:solidFill>
-                  <a:schemeClr val="accent6"/>
-                </a:solidFill>
-              </a:rPr>
-              <a:t>Plataforma gestionada para aplicaciones web que soporta contenedores Docker.</a:t>
-            </a:r>
-          </a:p>
-          <a:p>
-            <a:pPr marL="285750" indent="-285750">
-              <a:lnSpc>
-                <a:spcPct val="150000"/>
-              </a:lnSpc>
-              <a:buFont typeface="Arial" panose="020B0604020202020204" pitchFamily="34" charset="0"/>
-              <a:buChar char="•"/>
-            </a:pPr>
-            <a:r>
-              <a:rPr lang="es-AR" sz="1400" b="1" dirty="0">
-                <a:solidFill>
-                  <a:schemeClr val="accent6"/>
-                </a:solidFill>
-              </a:rPr>
-              <a:t>Azure </a:t>
-            </a:r>
-            <a:r>
-              <a:rPr lang="es-AR" sz="1400" b="1" dirty="0" err="1">
-                <a:solidFill>
-                  <a:schemeClr val="accent6"/>
-                </a:solidFill>
-              </a:rPr>
-              <a:t>Kubernetes</a:t>
-            </a:r>
-            <a:r>
-              <a:rPr lang="es-AR" sz="1400" b="1" dirty="0">
-                <a:solidFill>
-                  <a:schemeClr val="accent6"/>
-                </a:solidFill>
-              </a:rPr>
-              <a:t> </a:t>
-            </a:r>
-            <a:r>
-              <a:rPr lang="es-AR" sz="1400" b="1" dirty="0" err="1">
-                <a:solidFill>
-                  <a:schemeClr val="accent6"/>
-                </a:solidFill>
-              </a:rPr>
-              <a:t>Service</a:t>
-            </a:r>
-            <a:r>
-              <a:rPr lang="es-AR" sz="1400" b="1" dirty="0">
-                <a:solidFill>
-                  <a:schemeClr val="accent6"/>
-                </a:solidFill>
-              </a:rPr>
-              <a:t> (AKS): </a:t>
-            </a:r>
-            <a:r>
-              <a:rPr lang="es-AR" sz="1400" dirty="0">
-                <a:solidFill>
-                  <a:schemeClr val="accent6"/>
-                </a:solidFill>
-              </a:rPr>
-              <a:t>Servicio gestionado de </a:t>
-            </a:r>
-            <a:r>
-              <a:rPr lang="es-AR" sz="1400" dirty="0" err="1">
-                <a:solidFill>
-                  <a:schemeClr val="accent6"/>
-                </a:solidFill>
-              </a:rPr>
-              <a:t>Kubernetes</a:t>
-            </a:r>
-            <a:r>
-              <a:rPr lang="es-AR" sz="1400" dirty="0">
-                <a:solidFill>
-                  <a:schemeClr val="accent6"/>
-                </a:solidFill>
-              </a:rPr>
-              <a:t> para orquestación de contenedores a gran escala.</a:t>
-            </a:r>
-          </a:p>
-          <a:p>
-            <a:pPr marL="285750" indent="-285750">
-              <a:lnSpc>
-                <a:spcPct val="150000"/>
-              </a:lnSpc>
-              <a:buFont typeface="Arial" panose="020B0604020202020204" pitchFamily="34" charset="0"/>
-              <a:buChar char="•"/>
-            </a:pPr>
-            <a:r>
-              <a:rPr lang="es-AR" sz="1400" b="1" dirty="0">
-                <a:solidFill>
-                  <a:schemeClr val="accent6"/>
-                </a:solidFill>
-              </a:rPr>
-              <a:t>Azure Container Apps: </a:t>
-            </a:r>
-            <a:r>
-              <a:rPr lang="es-AR" sz="1400" dirty="0">
-                <a:solidFill>
-                  <a:schemeClr val="accent6"/>
-                </a:solidFill>
-              </a:rPr>
-              <a:t>Servicio para desplegar aplicaciones basadas en contenedores con escalabilidad basada en eventos. Es una opción intermedia entre ACI y AKS, ofreciendo orquestación ligera sin la complejidad de gestionar un clúster completo.</a:t>
-            </a:r>
+            <a:endParaRPr lang="es-AR" sz="1400" dirty="0">
+              <a:solidFill>
+                <a:schemeClr val="accent6"/>
+              </a:solidFill>
+            </a:endParaRPr>
           </a:p>
         </p:txBody>
       </p:sp>
-      <p:graphicFrame>
-        <p:nvGraphicFramePr>
-          <p:cNvPr id="8" name="Tabla 7">
+      <p:pic>
+        <p:nvPicPr>
+          <p:cNvPr id="3" name="Imagen 2">
             <a:extLst>
               <a:ext uri="{FF2B5EF4-FFF2-40B4-BE49-F238E27FC236}">
-                <a16:creationId xmlns:a16="http://schemas.microsoft.com/office/drawing/2014/main" id="{420EAE09-99E0-1806-A8EE-8EA2D5FD09C9}"/>
-              </a:ext>
-            </a:extLst>
-          </p:cNvPr>
-          <p:cNvGraphicFramePr>
-            <a:graphicFrameLocks noGrp="1"/>
-          </p:cNvGraphicFramePr>
-          <p:nvPr>
-            <p:extLst>
-              <p:ext uri="{D42A27DB-BD31-4B8C-83A1-F6EECF244321}">
-                <p14:modId xmlns:p14="http://schemas.microsoft.com/office/powerpoint/2010/main" val="4166095892"/>
-              </p:ext>
-            </p:extLst>
-          </p:nvPr>
-        </p:nvGraphicFramePr>
-        <p:xfrm>
-          <a:off x="681400" y="4259047"/>
-          <a:ext cx="11070500" cy="2310094"/>
-        </p:xfrm>
-        <a:graphic>
-          <a:graphicData uri="http://schemas.openxmlformats.org/drawingml/2006/table">
-            <a:tbl>
-              <a:tblPr firstRow="1" bandRow="1">
-                <a:tableStyleId>{5C22544A-7EE6-4342-B048-85BDC9FD1C3A}</a:tableStyleId>
-              </a:tblPr>
-              <a:tblGrid>
-                <a:gridCol w="2767625">
-                  <a:extLst>
-                    <a:ext uri="{9D8B030D-6E8A-4147-A177-3AD203B41FA5}">
-                      <a16:colId xmlns:a16="http://schemas.microsoft.com/office/drawing/2014/main" val="4183600828"/>
-                    </a:ext>
-                  </a:extLst>
-                </a:gridCol>
-                <a:gridCol w="2767625">
-                  <a:extLst>
-                    <a:ext uri="{9D8B030D-6E8A-4147-A177-3AD203B41FA5}">
-                      <a16:colId xmlns:a16="http://schemas.microsoft.com/office/drawing/2014/main" val="562329226"/>
-                    </a:ext>
-                  </a:extLst>
-                </a:gridCol>
-                <a:gridCol w="2767625">
-                  <a:extLst>
-                    <a:ext uri="{9D8B030D-6E8A-4147-A177-3AD203B41FA5}">
-                      <a16:colId xmlns:a16="http://schemas.microsoft.com/office/drawing/2014/main" val="4216609737"/>
-                    </a:ext>
-                  </a:extLst>
-                </a:gridCol>
-                <a:gridCol w="2767625">
-                  <a:extLst>
-                    <a:ext uri="{9D8B030D-6E8A-4147-A177-3AD203B41FA5}">
-                      <a16:colId xmlns:a16="http://schemas.microsoft.com/office/drawing/2014/main" val="3534319347"/>
-                    </a:ext>
-                  </a:extLst>
-                </a:gridCol>
-              </a:tblGrid>
-              <a:tr h="434114">
-                <a:tc>
-                  <a:txBody>
-                    <a:bodyPr/>
-                    <a:lstStyle/>
-                    <a:p>
-                      <a:r>
-                        <a:rPr lang="es-AR" sz="1400" dirty="0"/>
-                        <a:t>Característica</a:t>
-                      </a:r>
-                    </a:p>
-                  </a:txBody>
-                  <a:tcPr/>
-                </a:tc>
-                <a:tc>
-                  <a:txBody>
-                    <a:bodyPr/>
-                    <a:lstStyle/>
-                    <a:p>
-                      <a:r>
-                        <a:rPr lang="es-AR" sz="1400" dirty="0"/>
-                        <a:t>Azure Container </a:t>
-                      </a:r>
-                      <a:r>
-                        <a:rPr lang="es-AR" sz="1400" dirty="0" err="1"/>
-                        <a:t>Instances</a:t>
-                      </a:r>
-                      <a:r>
-                        <a:rPr lang="es-AR" sz="1400" dirty="0"/>
-                        <a:t> (ACI)</a:t>
-                      </a:r>
-                    </a:p>
-                  </a:txBody>
-                  <a:tcPr anchor="ctr"/>
-                </a:tc>
-                <a:tc>
-                  <a:txBody>
-                    <a:bodyPr/>
-                    <a:lstStyle/>
-                    <a:p>
-                      <a:r>
-                        <a:rPr lang="es-AR" sz="1400" dirty="0"/>
-                        <a:t>Azure App </a:t>
-                      </a:r>
-                      <a:r>
-                        <a:rPr lang="es-AR" sz="1400" dirty="0" err="1"/>
-                        <a:t>Services</a:t>
-                      </a:r>
-                      <a:endParaRPr lang="es-AR" sz="1400" dirty="0"/>
-                    </a:p>
-                  </a:txBody>
-                  <a:tcPr anchor="ctr"/>
-                </a:tc>
-                <a:tc>
-                  <a:txBody>
-                    <a:bodyPr/>
-                    <a:lstStyle/>
-                    <a:p>
-                      <a:r>
-                        <a:rPr lang="es-AR" sz="1400" dirty="0"/>
-                        <a:t>Azure Container Apps</a:t>
-                      </a:r>
-                    </a:p>
-                  </a:txBody>
-                  <a:tcPr anchor="ctr"/>
-                </a:tc>
-                <a:extLst>
-                  <a:ext uri="{0D108BD9-81ED-4DB2-BD59-A6C34878D82A}">
-                    <a16:rowId xmlns:a16="http://schemas.microsoft.com/office/drawing/2014/main" val="544284050"/>
-                  </a:ext>
-                </a:extLst>
-              </a:tr>
-              <a:tr h="377807">
-                <a:tc>
-                  <a:txBody>
-                    <a:bodyPr/>
-                    <a:lstStyle/>
-                    <a:p>
-                      <a:r>
-                        <a:rPr lang="es-AR" sz="1400" dirty="0"/>
-                        <a:t>Escalabilidad</a:t>
-                      </a:r>
-                    </a:p>
-                  </a:txBody>
-                  <a:tcPr/>
-                </a:tc>
-                <a:tc>
-                  <a:txBody>
-                    <a:bodyPr/>
-                    <a:lstStyle/>
-                    <a:p>
-                      <a:r>
-                        <a:rPr lang="es-AR" sz="1400" dirty="0"/>
-                        <a:t>Manual</a:t>
-                      </a:r>
-                    </a:p>
-                  </a:txBody>
-                  <a:tcPr/>
-                </a:tc>
-                <a:tc>
-                  <a:txBody>
-                    <a:bodyPr/>
-                    <a:lstStyle/>
-                    <a:p>
-                      <a:r>
-                        <a:rPr lang="es-AR" sz="1400" dirty="0"/>
-                        <a:t>Automática</a:t>
-                      </a:r>
-                    </a:p>
-                  </a:txBody>
-                  <a:tcPr/>
-                </a:tc>
-                <a:tc>
-                  <a:txBody>
-                    <a:bodyPr/>
-                    <a:lstStyle/>
-                    <a:p>
-                      <a:r>
-                        <a:rPr lang="es-AR" sz="1400" dirty="0"/>
-                        <a:t>Automática basada en eventos</a:t>
-                      </a:r>
-                    </a:p>
-                  </a:txBody>
-                  <a:tcPr anchor="ctr"/>
-                </a:tc>
-                <a:extLst>
-                  <a:ext uri="{0D108BD9-81ED-4DB2-BD59-A6C34878D82A}">
-                    <a16:rowId xmlns:a16="http://schemas.microsoft.com/office/drawing/2014/main" val="351814503"/>
-                  </a:ext>
-                </a:extLst>
-              </a:tr>
-              <a:tr h="434114">
-                <a:tc>
-                  <a:txBody>
-                    <a:bodyPr/>
-                    <a:lstStyle/>
-                    <a:p>
-                      <a:r>
-                        <a:rPr lang="es-AR" sz="1400" dirty="0"/>
-                        <a:t>Orquestación</a:t>
-                      </a:r>
-                    </a:p>
-                  </a:txBody>
-                  <a:tcPr/>
-                </a:tc>
-                <a:tc>
-                  <a:txBody>
-                    <a:bodyPr/>
-                    <a:lstStyle/>
-                    <a:p>
-                      <a:r>
-                        <a:rPr lang="es-AR" sz="1400" dirty="0"/>
-                        <a:t>No</a:t>
-                      </a:r>
-                    </a:p>
-                  </a:txBody>
-                  <a:tcPr/>
-                </a:tc>
-                <a:tc>
-                  <a:txBody>
-                    <a:bodyPr/>
-                    <a:lstStyle/>
-                    <a:p>
-                      <a:r>
-                        <a:rPr lang="es-AR" sz="1400" dirty="0"/>
-                        <a:t>No</a:t>
-                      </a:r>
-                    </a:p>
-                  </a:txBody>
-                  <a:tcPr/>
-                </a:tc>
-                <a:tc>
-                  <a:txBody>
-                    <a:bodyPr/>
-                    <a:lstStyle/>
-                    <a:p>
-                      <a:r>
-                        <a:rPr lang="es-AR" sz="1400" dirty="0"/>
-                        <a:t>Sí (microservicios y </a:t>
-                      </a:r>
-                      <a:r>
-                        <a:rPr lang="es-AR" sz="1400" dirty="0" err="1"/>
-                        <a:t>Dapr</a:t>
-                      </a:r>
-                      <a:r>
-                        <a:rPr lang="es-AR" sz="1400" dirty="0"/>
-                        <a:t> integrado)</a:t>
-                      </a:r>
-                    </a:p>
-                  </a:txBody>
-                  <a:tcPr anchor="ctr"/>
-                </a:tc>
-                <a:extLst>
-                  <a:ext uri="{0D108BD9-81ED-4DB2-BD59-A6C34878D82A}">
-                    <a16:rowId xmlns:a16="http://schemas.microsoft.com/office/drawing/2014/main" val="2094418016"/>
-                  </a:ext>
-                </a:extLst>
-              </a:tr>
-              <a:tr h="434114">
-                <a:tc>
-                  <a:txBody>
-                    <a:bodyPr/>
-                    <a:lstStyle/>
-                    <a:p>
-                      <a:r>
-                        <a:rPr lang="es-AR" sz="1400" b="0" dirty="0"/>
-                        <a:t>Ideal Para</a:t>
-                      </a:r>
-                    </a:p>
-                  </a:txBody>
-                  <a:tcPr anchor="ctr"/>
-                </a:tc>
-                <a:tc>
-                  <a:txBody>
-                    <a:bodyPr/>
-                    <a:lstStyle/>
-                    <a:p>
-                      <a:r>
-                        <a:rPr lang="es-AR" sz="1400" dirty="0"/>
-                        <a:t>Tareas puntuales, </a:t>
-                      </a:r>
-                      <a:r>
-                        <a:rPr lang="es-AR" sz="1400" dirty="0" err="1"/>
-                        <a:t>batch</a:t>
-                      </a:r>
-                      <a:r>
-                        <a:rPr lang="es-AR" sz="1400" dirty="0"/>
-                        <a:t> </a:t>
-                      </a:r>
-                      <a:r>
-                        <a:rPr lang="es-AR" sz="1400" dirty="0" err="1"/>
-                        <a:t>jobs</a:t>
-                      </a:r>
-                      <a:endParaRPr lang="es-AR" sz="1400" dirty="0"/>
-                    </a:p>
-                  </a:txBody>
-                  <a:tcPr anchor="ctr"/>
-                </a:tc>
-                <a:tc>
-                  <a:txBody>
-                    <a:bodyPr/>
-                    <a:lstStyle/>
-                    <a:p>
-                      <a:r>
-                        <a:rPr lang="es-AR" sz="1400" dirty="0"/>
-                        <a:t>Aplicaciones web y </a:t>
-                      </a:r>
-                      <a:r>
-                        <a:rPr lang="es-AR" sz="1400" dirty="0" err="1"/>
-                        <a:t>APIs</a:t>
-                      </a:r>
-                      <a:endParaRPr lang="es-AR" sz="1400" dirty="0"/>
-                    </a:p>
-                  </a:txBody>
-                  <a:tcPr anchor="ctr"/>
-                </a:tc>
-                <a:tc>
-                  <a:txBody>
-                    <a:bodyPr/>
-                    <a:lstStyle/>
-                    <a:p>
-                      <a:r>
-                        <a:rPr lang="es-AR" sz="1400" dirty="0"/>
-                        <a:t>Aplicaciones basadas en eventos y microservicios</a:t>
-                      </a:r>
-                    </a:p>
-                  </a:txBody>
-                  <a:tcPr anchor="ctr"/>
-                </a:tc>
-                <a:extLst>
-                  <a:ext uri="{0D108BD9-81ED-4DB2-BD59-A6C34878D82A}">
-                    <a16:rowId xmlns:a16="http://schemas.microsoft.com/office/drawing/2014/main" val="2224786340"/>
-                  </a:ext>
-                </a:extLst>
-              </a:tr>
-              <a:tr h="377807">
-                <a:tc>
-                  <a:txBody>
-                    <a:bodyPr/>
-                    <a:lstStyle/>
-                    <a:p>
-                      <a:r>
-                        <a:rPr lang="es-AR" sz="1400" b="0" dirty="0"/>
-                        <a:t>Integración con </a:t>
-                      </a:r>
-                      <a:r>
-                        <a:rPr lang="es-AR" sz="1400" b="0" dirty="0" err="1"/>
-                        <a:t>Kubernetes</a:t>
-                      </a:r>
-                      <a:endParaRPr lang="es-AR" sz="1400" b="0" dirty="0"/>
-                    </a:p>
-                  </a:txBody>
-                  <a:tcPr anchor="ctr"/>
-                </a:tc>
-                <a:tc>
-                  <a:txBody>
-                    <a:bodyPr/>
-                    <a:lstStyle/>
-                    <a:p>
-                      <a:r>
-                        <a:rPr lang="es-AR" sz="1400" dirty="0"/>
-                        <a:t>Limitada</a:t>
-                      </a:r>
-                    </a:p>
-                  </a:txBody>
-                  <a:tcPr/>
-                </a:tc>
-                <a:tc>
-                  <a:txBody>
-                    <a:bodyPr/>
-                    <a:lstStyle/>
-                    <a:p>
-                      <a:r>
-                        <a:rPr lang="es-AR" sz="1400" dirty="0"/>
-                        <a:t>No</a:t>
-                      </a:r>
-                    </a:p>
-                  </a:txBody>
-                  <a:tcPr/>
-                </a:tc>
-                <a:tc>
-                  <a:txBody>
-                    <a:bodyPr/>
-                    <a:lstStyle/>
-                    <a:p>
-                      <a:r>
-                        <a:rPr lang="es-AR" sz="1400" dirty="0"/>
-                        <a:t>Sí</a:t>
-                      </a:r>
-                    </a:p>
-                  </a:txBody>
-                  <a:tcPr/>
-                </a:tc>
-                <a:extLst>
-                  <a:ext uri="{0D108BD9-81ED-4DB2-BD59-A6C34878D82A}">
-                    <a16:rowId xmlns:a16="http://schemas.microsoft.com/office/drawing/2014/main" val="1670108654"/>
-                  </a:ext>
-                </a:extLst>
-              </a:tr>
-            </a:tbl>
-          </a:graphicData>
-        </a:graphic>
-      </p:graphicFrame>
-      <p:pic>
-        <p:nvPicPr>
-          <p:cNvPr id="9" name="Imagen 8">
-            <a:extLst>
-              <a:ext uri="{FF2B5EF4-FFF2-40B4-BE49-F238E27FC236}">
-                <a16:creationId xmlns:a16="http://schemas.microsoft.com/office/drawing/2014/main" id="{E774793B-F0A4-22CA-A654-B47DADC072F2}"/>
+                <a16:creationId xmlns:a16="http://schemas.microsoft.com/office/drawing/2014/main" id="{351BD0CD-7A74-EA41-E002-D36475C00851}"/>
               </a:ext>
             </a:extLst>
           </p:cNvPr>
@@ -22777,8 +18369,8 @@
         </p:blipFill>
         <p:spPr>
           <a:xfrm>
-            <a:off x="2901010" y="1324799"/>
-            <a:ext cx="6139103" cy="1028900"/>
+            <a:off x="10872838" y="227014"/>
+            <a:ext cx="1207634" cy="1014413"/>
           </a:xfrm>
           <a:prstGeom prst="rect">
             <a:avLst/>
@@ -22788,7 +18380,7 @@
     </p:spTree>
     <p:extLst>
       <p:ext uri="{BB962C8B-B14F-4D97-AF65-F5344CB8AC3E}">
-        <p14:creationId xmlns:p14="http://schemas.microsoft.com/office/powerpoint/2010/main" val="2828006293"/>
+        <p14:creationId xmlns:p14="http://schemas.microsoft.com/office/powerpoint/2010/main" val="1883762894"/>
       </p:ext>
     </p:extLst>
   </p:cSld>
@@ -22845,8 +18437,8 @@
         </p:nvSpPr>
         <p:spPr>
           <a:xfrm>
-            <a:off x="434975" y="227014"/>
-            <a:ext cx="11563350" cy="754061"/>
+            <a:off x="434974" y="227014"/>
+            <a:ext cx="11802421" cy="754061"/>
           </a:xfrm>
         </p:spPr>
         <p:txBody>
@@ -22855,390 +18447,11 @@
           <a:p>
             <a:r>
               <a:rPr lang="es-AR" dirty="0"/>
-              <a:t>Azure Container </a:t>
-            </a:r>
-            <a:r>
-              <a:rPr lang="es-AR" dirty="0" err="1"/>
-              <a:t>Instances</a:t>
-            </a:r>
-            <a:endParaRPr lang="es-AR" b="1" dirty="0"/>
-          </a:p>
-        </p:txBody>
-      </p:sp>
-      <p:sp>
-        <p:nvSpPr>
-          <p:cNvPr id="5" name="Text Placeholder 4">
-            <a:extLst>
-              <a:ext uri="{FF2B5EF4-FFF2-40B4-BE49-F238E27FC236}">
-                <a16:creationId xmlns:a16="http://schemas.microsoft.com/office/drawing/2014/main" id="{795D34CA-2892-4FF4-9588-C6A35829635B}"/>
-              </a:ext>
-            </a:extLst>
-          </p:cNvPr>
-          <p:cNvSpPr>
-            <a:spLocks noGrp="1"/>
-          </p:cNvSpPr>
-          <p:nvPr>
-            <p:ph type="body" sz="quarter" idx="10"/>
-          </p:nvPr>
-        </p:nvSpPr>
-        <p:spPr>
-          <a:xfrm>
-            <a:off x="445129" y="972295"/>
-            <a:ext cx="11717490" cy="544162"/>
-          </a:xfrm>
-        </p:spPr>
-        <p:txBody>
-          <a:bodyPr/>
-          <a:lstStyle/>
-          <a:p>
-            <a:pPr>
-              <a:lnSpc>
-                <a:spcPct val="100000"/>
-              </a:lnSpc>
-              <a:spcAft>
-                <a:spcPts val="800"/>
-              </a:spcAft>
-            </a:pPr>
-            <a:r>
-              <a:rPr lang="es-AR" sz="1800" dirty="0">
-                <a:solidFill>
-                  <a:schemeClr val="tx1">
-                    <a:lumMod val="65000"/>
-                    <a:lumOff val="35000"/>
-                  </a:schemeClr>
-                </a:solidFill>
-              </a:rPr>
-              <a:t>Despliegue Rápido y Sencillo de Contenedores</a:t>
-            </a:r>
-          </a:p>
-          <a:p>
-            <a:pPr>
-              <a:lnSpc>
-                <a:spcPct val="100000"/>
-              </a:lnSpc>
-              <a:spcAft>
-                <a:spcPts val="800"/>
-              </a:spcAft>
-            </a:pPr>
-            <a:endParaRPr lang="es-AR" sz="1800" dirty="0">
+              <a:t>Presentación del TP</a:t>
+            </a:r>
+            <a:endParaRPr lang="en-US" dirty="0">
               <a:solidFill>
-                <a:schemeClr val="tx1">
-                  <a:lumMod val="65000"/>
-                  <a:lumOff val="35000"/>
-                </a:schemeClr>
-              </a:solidFill>
-            </a:endParaRPr>
-          </a:p>
-          <a:p>
-            <a:pPr>
-              <a:lnSpc>
-                <a:spcPct val="100000"/>
-              </a:lnSpc>
-              <a:spcAft>
-                <a:spcPts val="800"/>
-              </a:spcAft>
-            </a:pPr>
-            <a:endParaRPr lang="es-AR" sz="1800" dirty="0">
-              <a:solidFill>
-                <a:schemeClr val="tx1">
-                  <a:lumMod val="65000"/>
-                  <a:lumOff val="35000"/>
-                </a:schemeClr>
-              </a:solidFill>
-            </a:endParaRPr>
-          </a:p>
-        </p:txBody>
-      </p:sp>
-      <p:sp>
-        <p:nvSpPr>
-          <p:cNvPr id="6" name="CuadroTexto 5">
-            <a:extLst>
-              <a:ext uri="{FF2B5EF4-FFF2-40B4-BE49-F238E27FC236}">
-                <a16:creationId xmlns:a16="http://schemas.microsoft.com/office/drawing/2014/main" id="{781CE82A-C8C9-8F82-7426-26E9AE5FCFCA}"/>
-              </a:ext>
-            </a:extLst>
-          </p:cNvPr>
-          <p:cNvSpPr txBox="1"/>
-          <p:nvPr/>
-        </p:nvSpPr>
-        <p:spPr>
-          <a:xfrm>
-            <a:off x="434975" y="1585951"/>
-            <a:ext cx="11563350" cy="4895571"/>
-          </a:xfrm>
-          <a:prstGeom prst="rect">
-            <a:avLst/>
-          </a:prstGeom>
-          <a:noFill/>
-        </p:spPr>
-        <p:txBody>
-          <a:bodyPr wrap="square">
-            <a:spAutoFit/>
-          </a:bodyPr>
-          <a:lstStyle/>
-          <a:p>
-            <a:pPr marL="800100" lvl="1" indent="-342900">
-              <a:buFont typeface="Arial" panose="020B0604020202020204" pitchFamily="34" charset="0"/>
-              <a:buChar char="•"/>
-            </a:pPr>
-            <a:r>
-              <a:rPr lang="es-AR" b="1" dirty="0">
-                <a:solidFill>
-                  <a:schemeClr val="accent6"/>
-                </a:solidFill>
-              </a:rPr>
-              <a:t>Ejecución sin gestionar infraestructura:</a:t>
-            </a:r>
-            <a:br>
-              <a:rPr lang="es-AR" b="1" dirty="0">
-                <a:solidFill>
-                  <a:schemeClr val="accent6"/>
-                </a:solidFill>
-              </a:rPr>
-            </a:br>
-            <a:r>
-              <a:rPr lang="es-AR" dirty="0">
-                <a:solidFill>
-                  <a:schemeClr val="accent6"/>
-                </a:solidFill>
-              </a:rPr>
-              <a:t>Azure Container </a:t>
-            </a:r>
-            <a:r>
-              <a:rPr lang="es-AR" dirty="0" err="1">
-                <a:solidFill>
-                  <a:schemeClr val="accent6"/>
-                </a:solidFill>
-              </a:rPr>
-              <a:t>Instances</a:t>
-            </a:r>
-            <a:r>
-              <a:rPr lang="es-AR" dirty="0">
-                <a:solidFill>
-                  <a:schemeClr val="accent6"/>
-                </a:solidFill>
-              </a:rPr>
-              <a:t> (ACI) permite ejecutar contenedores de manera rápida y sin necesidad de gestionar servidores o clústeres. Ideal para cargas de trabajo temporales o de corta duración</a:t>
-            </a:r>
-            <a:r>
-              <a:rPr lang="es-AR" b="1" dirty="0">
-                <a:solidFill>
-                  <a:schemeClr val="accent6"/>
-                </a:solidFill>
-              </a:rPr>
-              <a:t>.</a:t>
-            </a:r>
-          </a:p>
-          <a:p>
-            <a:pPr marL="800100" lvl="1" indent="-342900">
-              <a:buFont typeface="Arial" panose="020B0604020202020204" pitchFamily="34" charset="0"/>
-              <a:buChar char="•"/>
-            </a:pPr>
-            <a:r>
-              <a:rPr lang="es-AR" b="1" dirty="0">
-                <a:solidFill>
-                  <a:schemeClr val="accent6"/>
-                </a:solidFill>
-              </a:rPr>
-              <a:t>Facturación por segundo:</a:t>
-            </a:r>
-            <a:br>
-              <a:rPr lang="es-AR" b="1" dirty="0">
-                <a:solidFill>
-                  <a:schemeClr val="accent6"/>
-                </a:solidFill>
-              </a:rPr>
-            </a:br>
-            <a:r>
-              <a:rPr lang="es-AR" dirty="0">
-                <a:solidFill>
-                  <a:schemeClr val="accent6"/>
-                </a:solidFill>
-              </a:rPr>
-              <a:t>Paga solo por el tiempo en que los contenedores están en ejecución, lo que lo convierte en una opción económica para tareas puntuales o por lotes.</a:t>
-            </a:r>
-          </a:p>
-          <a:p>
-            <a:pPr marL="800100" lvl="1" indent="-342900">
-              <a:buFont typeface="Arial" panose="020B0604020202020204" pitchFamily="34" charset="0"/>
-              <a:buChar char="•"/>
-            </a:pPr>
-            <a:r>
-              <a:rPr lang="es-AR" b="1" dirty="0">
-                <a:solidFill>
-                  <a:schemeClr val="accent6"/>
-                </a:solidFill>
-              </a:rPr>
-              <a:t>Escenarios ideales para ACI:</a:t>
-            </a:r>
-          </a:p>
-          <a:p>
-            <a:pPr marL="1266444" lvl="2" indent="-342900">
-              <a:buFont typeface="Arial" panose="020B0604020202020204" pitchFamily="34" charset="0"/>
-              <a:buChar char="•"/>
-            </a:pPr>
-            <a:r>
-              <a:rPr lang="es-AR" dirty="0">
-                <a:solidFill>
-                  <a:schemeClr val="accent6"/>
-                </a:solidFill>
-              </a:rPr>
-              <a:t>Procesamiento de datos o trabajos por lotes.</a:t>
-            </a:r>
-          </a:p>
-          <a:p>
-            <a:pPr marL="1266444" lvl="2" indent="-342900">
-              <a:buFont typeface="Arial" panose="020B0604020202020204" pitchFamily="34" charset="0"/>
-              <a:buChar char="•"/>
-            </a:pPr>
-            <a:r>
-              <a:rPr lang="es-AR" dirty="0">
-                <a:solidFill>
-                  <a:schemeClr val="accent6"/>
-                </a:solidFill>
-              </a:rPr>
-              <a:t>Despliegues temporales para pruebas y desarrollo.</a:t>
-            </a:r>
-          </a:p>
-          <a:p>
-            <a:pPr marL="1266444" lvl="2" indent="-342900">
-              <a:buFont typeface="Arial" panose="020B0604020202020204" pitchFamily="34" charset="0"/>
-              <a:buChar char="•"/>
-            </a:pPr>
-            <a:r>
-              <a:rPr lang="es-AR" dirty="0" err="1">
-                <a:solidFill>
-                  <a:schemeClr val="accent6"/>
-                </a:solidFill>
-              </a:rPr>
-              <a:t>Backend</a:t>
-            </a:r>
-            <a:r>
-              <a:rPr lang="es-AR" dirty="0">
-                <a:solidFill>
-                  <a:schemeClr val="accent6"/>
-                </a:solidFill>
-              </a:rPr>
-              <a:t> de aplicaciones o microservicios pequeños.</a:t>
-            </a:r>
-          </a:p>
-          <a:p>
-            <a:pPr marL="800100" lvl="1" indent="-342900">
-              <a:buFont typeface="Arial" panose="020B0604020202020204" pitchFamily="34" charset="0"/>
-              <a:buChar char="•"/>
-            </a:pPr>
-            <a:r>
-              <a:rPr lang="es-AR" b="1" dirty="0">
-                <a:solidFill>
-                  <a:schemeClr val="accent6"/>
-                </a:solidFill>
-              </a:rPr>
-              <a:t>Integración con otros servicios de Azure:</a:t>
-            </a:r>
-            <a:br>
-              <a:rPr lang="es-AR" b="1" dirty="0">
-                <a:solidFill>
-                  <a:schemeClr val="accent6"/>
-                </a:solidFill>
-              </a:rPr>
-            </a:br>
-            <a:r>
-              <a:rPr lang="es-AR" dirty="0">
-                <a:solidFill>
-                  <a:schemeClr val="accent6"/>
-                </a:solidFill>
-              </a:rPr>
-              <a:t>ACI puede integrarse con Azure Virtual Network (</a:t>
-            </a:r>
-            <a:r>
-              <a:rPr lang="es-AR" dirty="0" err="1">
-                <a:solidFill>
-                  <a:schemeClr val="accent6"/>
-                </a:solidFill>
-              </a:rPr>
-              <a:t>VNet</a:t>
-            </a:r>
-            <a:r>
-              <a:rPr lang="es-AR" dirty="0">
-                <a:solidFill>
-                  <a:schemeClr val="accent6"/>
-                </a:solidFill>
-              </a:rPr>
-              <a:t>), Azure Monitor para monitoreo, y Azure Container </a:t>
-            </a:r>
-            <a:r>
-              <a:rPr lang="es-AR" dirty="0" err="1">
-                <a:solidFill>
-                  <a:schemeClr val="accent6"/>
-                </a:solidFill>
-              </a:rPr>
-              <a:t>Registry</a:t>
-            </a:r>
-            <a:r>
-              <a:rPr lang="es-AR" dirty="0">
-                <a:solidFill>
-                  <a:schemeClr val="accent6"/>
-                </a:solidFill>
-              </a:rPr>
-              <a:t> (ACR) para obtener imágenes de contenedores.</a:t>
-            </a:r>
-          </a:p>
-          <a:p>
-            <a:pPr marL="800100" lvl="1" indent="-342900">
-              <a:buFont typeface="Arial" panose="020B0604020202020204" pitchFamily="34" charset="0"/>
-              <a:buChar char="•"/>
-            </a:pPr>
-            <a:r>
-              <a:rPr lang="es-AR" b="1" dirty="0">
-                <a:solidFill>
-                  <a:schemeClr val="accent6"/>
-                </a:solidFill>
-              </a:rPr>
-              <a:t>Limitaciones:</a:t>
-            </a:r>
-            <a:br>
-              <a:rPr lang="es-AR" b="1" dirty="0">
-                <a:solidFill>
-                  <a:schemeClr val="accent6"/>
-                </a:solidFill>
-              </a:rPr>
-            </a:br>
-            <a:r>
-              <a:rPr lang="es-AR" dirty="0">
-                <a:solidFill>
-                  <a:schemeClr val="accent6"/>
-                </a:solidFill>
-              </a:rPr>
-              <a:t>No es ideal para escenarios de producción a gran escala ni para aplicaciones con requisitos complejos de orquestación, ya que ACI no ofrece un sistema de orquestación como </a:t>
-            </a:r>
-            <a:r>
-              <a:rPr lang="es-AR" dirty="0" err="1">
-                <a:solidFill>
-                  <a:schemeClr val="accent6"/>
-                </a:solidFill>
-              </a:rPr>
-              <a:t>Kubernetes</a:t>
-            </a:r>
-            <a:r>
-              <a:rPr lang="es-AR" dirty="0">
-                <a:solidFill>
-                  <a:schemeClr val="accent6"/>
-                </a:solidFill>
-              </a:rPr>
-              <a:t>.</a:t>
-            </a:r>
-          </a:p>
-          <a:p>
-            <a:pPr marL="285750" indent="-285750">
-              <a:lnSpc>
-                <a:spcPct val="150000"/>
-              </a:lnSpc>
-              <a:buFont typeface="Arial" panose="020B0604020202020204" pitchFamily="34" charset="0"/>
-              <a:buChar char="•"/>
-            </a:pPr>
-            <a:endParaRPr lang="es-AR" sz="1400" dirty="0">
-              <a:solidFill>
-                <a:schemeClr val="accent6"/>
+                <a:srgbClr val="2C65E1"/>
               </a:solidFill>
             </a:endParaRPr>
           </a:p>
@@ -23246,10 +18459,10 @@
       </p:sp>
       <p:pic>
         <p:nvPicPr>
-          <p:cNvPr id="7" name="Imagen 6">
+          <p:cNvPr id="24" name="Imagen 23">
             <a:extLst>
               <a:ext uri="{FF2B5EF4-FFF2-40B4-BE49-F238E27FC236}">
-                <a16:creationId xmlns:a16="http://schemas.microsoft.com/office/drawing/2014/main" id="{49F9E98B-9F60-5AAC-79B3-52E36700CC11}"/>
+                <a16:creationId xmlns:a16="http://schemas.microsoft.com/office/drawing/2014/main" id="{6380FFF8-722E-A863-F0A5-558D5BC3638A}"/>
               </a:ext>
             </a:extLst>
           </p:cNvPr>
@@ -23259,15 +18472,23 @@
           <p:nvPr/>
         </p:nvPicPr>
         <p:blipFill>
-          <a:blip r:embed="rId3"/>
-          <a:stretch>
-            <a:fillRect/>
-          </a:stretch>
+          <a:blip r:embed="rId3">
+            <a:extLst>
+              <a:ext uri="{28A0092B-C50C-407E-A947-70E740481C1C}">
+                <a14:useLocalDpi xmlns:a14="http://schemas.microsoft.com/office/drawing/2010/main" val="0"/>
+              </a:ext>
+              <a:ext uri="{837473B0-CC2E-450A-ABE3-18F120FF3D39}">
+                <a1611:picAttrSrcUrl xmlns:a1611="http://schemas.microsoft.com/office/drawing/2016/11/main" r:id="rId4"/>
+              </a:ext>
+            </a:extLst>
+          </a:blip>
+          <a:srcRect/>
+          <a:stretch/>
         </p:blipFill>
         <p:spPr>
           <a:xfrm>
-            <a:off x="10458953" y="169884"/>
-            <a:ext cx="1713820" cy="1346573"/>
+            <a:off x="4787248" y="1661287"/>
+            <a:ext cx="3097871" cy="2789626"/>
           </a:xfrm>
           <a:prstGeom prst="rect">
             <a:avLst/>
@@ -23277,20 +18498,20 @@
     </p:spTree>
     <p:extLst>
       <p:ext uri="{BB962C8B-B14F-4D97-AF65-F5344CB8AC3E}">
-        <p14:creationId xmlns:p14="http://schemas.microsoft.com/office/powerpoint/2010/main" val="3518723789"/>
+        <p14:creationId xmlns:p14="http://schemas.microsoft.com/office/powerpoint/2010/main" val="1146899652"/>
       </p:ext>
     </p:extLst>
   </p:cSld>
   <p:clrMapOvr>
     <a:masterClrMapping/>
   </p:clrMapOvr>
-  <mc:AlternateContent xmlns:mc="http://schemas.openxmlformats.org/markup-compatibility/2006">
-    <mc:Choice xmlns:p14="http://schemas.microsoft.com/office/powerpoint/2010/main" Requires="p14">
+  <mc:AlternateContent xmlns:mc="http://schemas.openxmlformats.org/markup-compatibility/2006" xmlns:p14="http://schemas.microsoft.com/office/powerpoint/2010/main">
+    <mc:Choice Requires="p14">
       <p:transition spd="med" p14:dur="700">
         <p:fade/>
       </p:transition>
     </mc:Choice>
-    <mc:Fallback>
+    <mc:Fallback xmlns="">
       <p:transition spd="med">
         <p:fade/>
       </p:transition>
@@ -23334,8 +18555,8 @@
         </p:nvSpPr>
         <p:spPr>
           <a:xfrm>
-            <a:off x="434975" y="227014"/>
-            <a:ext cx="11563350" cy="754061"/>
+            <a:off x="434974" y="227014"/>
+            <a:ext cx="11802421" cy="754061"/>
           </a:xfrm>
         </p:spPr>
         <p:txBody>
@@ -23344,371 +18565,11 @@
           <a:p>
             <a:r>
               <a:rPr lang="es-AR" dirty="0"/>
-              <a:t>Azure App </a:t>
-            </a:r>
-            <a:r>
-              <a:rPr lang="es-AR" dirty="0" err="1"/>
-              <a:t>Services</a:t>
-            </a:r>
-            <a:r>
-              <a:rPr lang="es-AR" dirty="0"/>
-              <a:t> con Soporte para Contenedores</a:t>
-            </a:r>
-            <a:endParaRPr lang="es-AR" b="1" dirty="0"/>
-          </a:p>
-        </p:txBody>
-      </p:sp>
-      <p:sp>
-        <p:nvSpPr>
-          <p:cNvPr id="5" name="Text Placeholder 4">
-            <a:extLst>
-              <a:ext uri="{FF2B5EF4-FFF2-40B4-BE49-F238E27FC236}">
-                <a16:creationId xmlns:a16="http://schemas.microsoft.com/office/drawing/2014/main" id="{795D34CA-2892-4FF4-9588-C6A35829635B}"/>
-              </a:ext>
-            </a:extLst>
-          </p:cNvPr>
-          <p:cNvSpPr>
-            <a:spLocks noGrp="1"/>
-          </p:cNvSpPr>
-          <p:nvPr>
-            <p:ph type="body" sz="quarter" idx="10"/>
-          </p:nvPr>
-        </p:nvSpPr>
-        <p:spPr>
-          <a:xfrm>
-            <a:off x="445129" y="972295"/>
-            <a:ext cx="11717490" cy="544162"/>
-          </a:xfrm>
-        </p:spPr>
-        <p:txBody>
-          <a:bodyPr/>
-          <a:lstStyle/>
-          <a:p>
-            <a:pPr>
-              <a:lnSpc>
-                <a:spcPct val="100000"/>
-              </a:lnSpc>
-              <a:spcAft>
-                <a:spcPts val="800"/>
-              </a:spcAft>
-            </a:pPr>
-            <a:r>
-              <a:rPr lang="es-AR" sz="1800" dirty="0">
-                <a:solidFill>
-                  <a:schemeClr val="tx1">
-                    <a:lumMod val="65000"/>
-                    <a:lumOff val="35000"/>
-                  </a:schemeClr>
-                </a:solidFill>
-              </a:rPr>
-              <a:t>Plataforma Gestionada para Aplicaciones Web y </a:t>
-            </a:r>
-            <a:r>
-              <a:rPr lang="es-AR" sz="1800" dirty="0" err="1">
-                <a:solidFill>
-                  <a:schemeClr val="tx1">
-                    <a:lumMod val="65000"/>
-                    <a:lumOff val="35000"/>
-                  </a:schemeClr>
-                </a:solidFill>
-              </a:rPr>
-              <a:t>APIs</a:t>
-            </a:r>
-            <a:r>
-              <a:rPr lang="es-AR" sz="1800" dirty="0">
-                <a:solidFill>
-                  <a:schemeClr val="tx1">
-                    <a:lumMod val="65000"/>
-                    <a:lumOff val="35000"/>
-                  </a:schemeClr>
-                </a:solidFill>
-              </a:rPr>
-              <a:t> en Contenedores</a:t>
-            </a:r>
-          </a:p>
-          <a:p>
-            <a:pPr>
-              <a:lnSpc>
-                <a:spcPct val="100000"/>
-              </a:lnSpc>
-              <a:spcAft>
-                <a:spcPts val="800"/>
-              </a:spcAft>
-            </a:pPr>
-            <a:endParaRPr lang="es-AR" sz="1800" dirty="0">
+              <a:t>Espacio para preguntas, dudas y consultas</a:t>
+            </a:r>
+            <a:endParaRPr lang="en-US" dirty="0">
               <a:solidFill>
-                <a:schemeClr val="tx1">
-                  <a:lumMod val="65000"/>
-                  <a:lumOff val="35000"/>
-                </a:schemeClr>
-              </a:solidFill>
-            </a:endParaRPr>
-          </a:p>
-          <a:p>
-            <a:pPr>
-              <a:lnSpc>
-                <a:spcPct val="100000"/>
-              </a:lnSpc>
-              <a:spcAft>
-                <a:spcPts val="800"/>
-              </a:spcAft>
-            </a:pPr>
-            <a:endParaRPr lang="es-AR" sz="1800" dirty="0">
-              <a:solidFill>
-                <a:schemeClr val="tx1">
-                  <a:lumMod val="65000"/>
-                  <a:lumOff val="35000"/>
-                </a:schemeClr>
-              </a:solidFill>
-            </a:endParaRPr>
-          </a:p>
-        </p:txBody>
-      </p:sp>
-      <p:sp>
-        <p:nvSpPr>
-          <p:cNvPr id="6" name="CuadroTexto 5">
-            <a:extLst>
-              <a:ext uri="{FF2B5EF4-FFF2-40B4-BE49-F238E27FC236}">
-                <a16:creationId xmlns:a16="http://schemas.microsoft.com/office/drawing/2014/main" id="{781CE82A-C8C9-8F82-7426-26E9AE5FCFCA}"/>
-              </a:ext>
-            </a:extLst>
-          </p:cNvPr>
-          <p:cNvSpPr txBox="1"/>
-          <p:nvPr/>
-        </p:nvSpPr>
-        <p:spPr>
-          <a:xfrm>
-            <a:off x="434975" y="1585951"/>
-            <a:ext cx="11563350" cy="3765518"/>
-          </a:xfrm>
-          <a:prstGeom prst="rect">
-            <a:avLst/>
-          </a:prstGeom>
-          <a:noFill/>
-        </p:spPr>
-        <p:txBody>
-          <a:bodyPr wrap="square">
-            <a:spAutoFit/>
-          </a:bodyPr>
-          <a:lstStyle/>
-          <a:p>
-            <a:pPr marL="800100" lvl="1" indent="-342900">
-              <a:buFont typeface="Arial" panose="020B0604020202020204" pitchFamily="34" charset="0"/>
-              <a:buChar char="•"/>
-            </a:pPr>
-            <a:r>
-              <a:rPr lang="es-AR" b="1" dirty="0">
-                <a:solidFill>
-                  <a:schemeClr val="accent6"/>
-                </a:solidFill>
-              </a:rPr>
-              <a:t>Plataforma gestionada para aplicaciones web:</a:t>
-            </a:r>
-            <a:br>
-              <a:rPr lang="es-AR" b="1" dirty="0">
-                <a:solidFill>
-                  <a:schemeClr val="accent6"/>
-                </a:solidFill>
-              </a:rPr>
-            </a:br>
-            <a:r>
-              <a:rPr lang="es-AR" dirty="0">
-                <a:solidFill>
-                  <a:schemeClr val="accent6"/>
-                </a:solidFill>
-              </a:rPr>
-              <a:t>Azure App </a:t>
-            </a:r>
-            <a:r>
-              <a:rPr lang="es-AR" dirty="0" err="1">
-                <a:solidFill>
-                  <a:schemeClr val="accent6"/>
-                </a:solidFill>
-              </a:rPr>
-              <a:t>Services</a:t>
-            </a:r>
-            <a:r>
-              <a:rPr lang="es-AR" dirty="0">
-                <a:solidFill>
-                  <a:schemeClr val="accent6"/>
-                </a:solidFill>
-              </a:rPr>
-              <a:t> permite desplegar aplicaciones web y </a:t>
-            </a:r>
-            <a:r>
-              <a:rPr lang="es-AR" dirty="0" err="1">
-                <a:solidFill>
-                  <a:schemeClr val="accent6"/>
-                </a:solidFill>
-              </a:rPr>
-              <a:t>APIs</a:t>
-            </a:r>
-            <a:r>
-              <a:rPr lang="es-AR" dirty="0">
-                <a:solidFill>
-                  <a:schemeClr val="accent6"/>
-                </a:solidFill>
-              </a:rPr>
-              <a:t> directamente desde imágenes de contenedores Docker. No necesitas preocuparte por la infraestructura subyacente, ya que Azure gestiona servidores, escalabilidad, y seguridad.</a:t>
-            </a:r>
-          </a:p>
-          <a:p>
-            <a:pPr marL="800100" lvl="1" indent="-342900">
-              <a:buFont typeface="Arial" panose="020B0604020202020204" pitchFamily="34" charset="0"/>
-              <a:buChar char="•"/>
-            </a:pPr>
-            <a:r>
-              <a:rPr lang="es-AR" b="1" dirty="0">
-                <a:solidFill>
-                  <a:schemeClr val="accent6"/>
-                </a:solidFill>
-              </a:rPr>
-              <a:t>Escalabilidad automática y alta disponibilidad:</a:t>
-            </a:r>
-            <a:br>
-              <a:rPr lang="es-AR" b="1" dirty="0">
-                <a:solidFill>
-                  <a:schemeClr val="accent6"/>
-                </a:solidFill>
-              </a:rPr>
-            </a:br>
-            <a:r>
-              <a:rPr lang="es-AR" dirty="0">
-                <a:solidFill>
-                  <a:schemeClr val="accent6"/>
-                </a:solidFill>
-              </a:rPr>
-              <a:t>App </a:t>
-            </a:r>
-            <a:r>
-              <a:rPr lang="es-AR" dirty="0" err="1">
-                <a:solidFill>
-                  <a:schemeClr val="accent6"/>
-                </a:solidFill>
-              </a:rPr>
-              <a:t>Services</a:t>
-            </a:r>
-            <a:r>
-              <a:rPr lang="es-AR" dirty="0">
-                <a:solidFill>
-                  <a:schemeClr val="accent6"/>
-                </a:solidFill>
-              </a:rPr>
-              <a:t> puede escalar automáticamente en función de la demanda. Además, ofrece alta disponibilidad garantizada mediante acuerdos de nivel de servicio (SLA).</a:t>
-            </a:r>
-            <a:endParaRPr lang="es-AR" b="1" dirty="0">
-              <a:solidFill>
-                <a:schemeClr val="accent6"/>
-              </a:solidFill>
-            </a:endParaRPr>
-          </a:p>
-          <a:p>
-            <a:pPr marL="800100" lvl="1" indent="-342900">
-              <a:buFont typeface="Arial" panose="020B0604020202020204" pitchFamily="34" charset="0"/>
-              <a:buChar char="•"/>
-            </a:pPr>
-            <a:r>
-              <a:rPr lang="es-AR" b="1" dirty="0">
-                <a:solidFill>
-                  <a:schemeClr val="accent6"/>
-                </a:solidFill>
-              </a:rPr>
-              <a:t>Escenarios ideales para App </a:t>
-            </a:r>
-            <a:r>
-              <a:rPr lang="es-AR" b="1" dirty="0" err="1">
-                <a:solidFill>
-                  <a:schemeClr val="accent6"/>
-                </a:solidFill>
-              </a:rPr>
-              <a:t>Services</a:t>
-            </a:r>
-            <a:r>
-              <a:rPr lang="es-AR" b="1" dirty="0">
-                <a:solidFill>
-                  <a:schemeClr val="accent6"/>
-                </a:solidFill>
-              </a:rPr>
-              <a:t>:</a:t>
-            </a:r>
-          </a:p>
-          <a:p>
-            <a:pPr marL="1266444" lvl="2" indent="-342900">
-              <a:buFont typeface="Arial" panose="020B0604020202020204" pitchFamily="34" charset="0"/>
-              <a:buChar char="•"/>
-            </a:pPr>
-            <a:r>
-              <a:rPr lang="es-AR" dirty="0">
-                <a:solidFill>
-                  <a:schemeClr val="accent6"/>
-                </a:solidFill>
-              </a:rPr>
-              <a:t>Aplicaciones web y </a:t>
-            </a:r>
-            <a:r>
-              <a:rPr lang="es-AR" dirty="0" err="1">
-                <a:solidFill>
-                  <a:schemeClr val="accent6"/>
-                </a:solidFill>
-              </a:rPr>
-              <a:t>APIs</a:t>
-            </a:r>
-            <a:r>
-              <a:rPr lang="es-AR" dirty="0">
-                <a:solidFill>
-                  <a:schemeClr val="accent6"/>
-                </a:solidFill>
-              </a:rPr>
-              <a:t> con cargas moderadas o críticas.</a:t>
-            </a:r>
-          </a:p>
-          <a:p>
-            <a:pPr marL="1266444" lvl="2" indent="-342900">
-              <a:buFont typeface="Arial" panose="020B0604020202020204" pitchFamily="34" charset="0"/>
-              <a:buChar char="•"/>
-            </a:pPr>
-            <a:r>
-              <a:rPr lang="es-AR" dirty="0">
-                <a:solidFill>
-                  <a:schemeClr val="accent6"/>
-                </a:solidFill>
-              </a:rPr>
-              <a:t>Migración de aplicaciones tradicionales a contenedores.</a:t>
-            </a:r>
-          </a:p>
-          <a:p>
-            <a:pPr marL="1266444" lvl="2" indent="-342900">
-              <a:buFont typeface="Arial" panose="020B0604020202020204" pitchFamily="34" charset="0"/>
-              <a:buChar char="•"/>
-            </a:pPr>
-            <a:r>
-              <a:rPr lang="es-AR" dirty="0">
-                <a:solidFill>
-                  <a:schemeClr val="accent6"/>
-                </a:solidFill>
-              </a:rPr>
-              <a:t>Aplicaciones que necesitan integración con servicios de Azure como bases de datos y monitorización</a:t>
-            </a:r>
-            <a:r>
-              <a:rPr lang="es-AR" b="1" dirty="0">
-                <a:solidFill>
-                  <a:schemeClr val="accent6"/>
-                </a:solidFill>
-              </a:rPr>
-              <a:t>.</a:t>
-            </a:r>
-          </a:p>
-          <a:p>
-            <a:pPr marL="285750" indent="-285750">
-              <a:lnSpc>
-                <a:spcPct val="150000"/>
-              </a:lnSpc>
-              <a:buFont typeface="Arial" panose="020B0604020202020204" pitchFamily="34" charset="0"/>
-              <a:buChar char="•"/>
-            </a:pPr>
-            <a:endParaRPr lang="es-AR" sz="1400" dirty="0">
-              <a:solidFill>
-                <a:schemeClr val="accent6"/>
+                <a:srgbClr val="2C65E1"/>
               </a:solidFill>
             </a:endParaRPr>
           </a:p>
@@ -23716,10 +18577,10 @@
       </p:sp>
       <p:pic>
         <p:nvPicPr>
-          <p:cNvPr id="3" name="Imagen 2">
+          <p:cNvPr id="24" name="Imagen 23">
             <a:extLst>
               <a:ext uri="{FF2B5EF4-FFF2-40B4-BE49-F238E27FC236}">
-                <a16:creationId xmlns:a16="http://schemas.microsoft.com/office/drawing/2014/main" id="{351BD0CD-7A74-EA41-E002-D36475C00851}"/>
+                <a16:creationId xmlns:a16="http://schemas.microsoft.com/office/drawing/2014/main" id="{6380FFF8-722E-A863-F0A5-558D5BC3638A}"/>
               </a:ext>
             </a:extLst>
           </p:cNvPr>
@@ -23729,15 +18590,23 @@
           <p:nvPr/>
         </p:nvPicPr>
         <p:blipFill>
-          <a:blip r:embed="rId3"/>
-          <a:stretch>
-            <a:fillRect/>
-          </a:stretch>
+          <a:blip r:embed="rId3">
+            <a:extLst>
+              <a:ext uri="{28A0092B-C50C-407E-A947-70E740481C1C}">
+                <a14:useLocalDpi xmlns:a14="http://schemas.microsoft.com/office/drawing/2010/main" val="0"/>
+              </a:ext>
+              <a:ext uri="{837473B0-CC2E-450A-ABE3-18F120FF3D39}">
+                <a1611:picAttrSrcUrl xmlns:a1611="http://schemas.microsoft.com/office/drawing/2016/11/main" r:id="rId4"/>
+              </a:ext>
+            </a:extLst>
+          </a:blip>
+          <a:srcRect/>
+          <a:stretch/>
         </p:blipFill>
         <p:spPr>
           <a:xfrm>
-            <a:off x="10872838" y="227014"/>
-            <a:ext cx="1207634" cy="1014413"/>
+            <a:off x="3836785" y="1910896"/>
+            <a:ext cx="4762904" cy="3172732"/>
           </a:xfrm>
           <a:prstGeom prst="rect">
             <a:avLst/>
@@ -23747,1485 +18616,20 @@
     </p:spTree>
     <p:extLst>
       <p:ext uri="{BB962C8B-B14F-4D97-AF65-F5344CB8AC3E}">
-        <p14:creationId xmlns:p14="http://schemas.microsoft.com/office/powerpoint/2010/main" val="1883762894"/>
+        <p14:creationId xmlns:p14="http://schemas.microsoft.com/office/powerpoint/2010/main" val="2961903864"/>
       </p:ext>
     </p:extLst>
   </p:cSld>
   <p:clrMapOvr>
     <a:masterClrMapping/>
   </p:clrMapOvr>
-  <mc:AlternateContent xmlns:mc="http://schemas.openxmlformats.org/markup-compatibility/2006">
-    <mc:Choice xmlns:p14="http://schemas.microsoft.com/office/powerpoint/2010/main" Requires="p14">
+  <mc:AlternateContent xmlns:mc="http://schemas.openxmlformats.org/markup-compatibility/2006" xmlns:p14="http://schemas.microsoft.com/office/powerpoint/2010/main">
+    <mc:Choice Requires="p14">
       <p:transition spd="med" p14:dur="700">
         <p:fade/>
       </p:transition>
     </mc:Choice>
-    <mc:Fallback>
-      <p:transition spd="med">
-        <p:fade/>
-      </p:transition>
-    </mc:Fallback>
-  </mc:AlternateContent>
-</p:sld>
-</file>
-
-<file path=ppt/slides/slide7.xml><?xml version="1.0" encoding="utf-8"?>
-<p:sld xmlns:a="http://schemas.openxmlformats.org/drawingml/2006/main" xmlns:r="http://schemas.openxmlformats.org/officeDocument/2006/relationships" xmlns:p="http://schemas.openxmlformats.org/presentationml/2006/main" showMasterSp="0">
-  <p:cSld>
-    <p:spTree>
-      <p:nvGrpSpPr>
-        <p:cNvPr id="1" name=""/>
-        <p:cNvGrpSpPr/>
-        <p:nvPr/>
-      </p:nvGrpSpPr>
-      <p:grpSpPr>
-        <a:xfrm>
-          <a:off x="0" y="0"/>
-          <a:ext cx="0" cy="0"/>
-          <a:chOff x="0" y="0"/>
-          <a:chExt cx="0" cy="0"/>
-        </a:xfrm>
-      </p:grpSpPr>
-      <p:sp>
-        <p:nvSpPr>
-          <p:cNvPr id="4" name="Title 3">
-            <a:extLst>
-              <a:ext uri="{FF2B5EF4-FFF2-40B4-BE49-F238E27FC236}">
-                <a16:creationId xmlns:a16="http://schemas.microsoft.com/office/drawing/2014/main" id="{DA6A65AD-43AA-423E-8D08-19A36B5745EF}"/>
-              </a:ext>
-            </a:extLst>
-          </p:cNvPr>
-          <p:cNvSpPr>
-            <a:spLocks noGrp="1"/>
-          </p:cNvSpPr>
-          <p:nvPr>
-            <p:ph type="title"/>
-          </p:nvPr>
-        </p:nvSpPr>
-        <p:spPr>
-          <a:xfrm>
-            <a:off x="434975" y="227014"/>
-            <a:ext cx="11563350" cy="754061"/>
-          </a:xfrm>
-        </p:spPr>
-        <p:txBody>
-          <a:bodyPr/>
-          <a:lstStyle/>
-          <a:p>
-            <a:r>
-              <a:rPr lang="es-AR" dirty="0"/>
-              <a:t>Azure </a:t>
-            </a:r>
-            <a:r>
-              <a:rPr lang="es-AR" dirty="0" err="1"/>
-              <a:t>Kubernetes</a:t>
-            </a:r>
-            <a:r>
-              <a:rPr lang="es-AR" dirty="0"/>
-              <a:t> </a:t>
-            </a:r>
-            <a:r>
-              <a:rPr lang="es-AR" dirty="0" err="1"/>
-              <a:t>Service</a:t>
-            </a:r>
-            <a:r>
-              <a:rPr lang="es-AR" dirty="0"/>
-              <a:t> (AKS)</a:t>
-            </a:r>
-            <a:endParaRPr lang="es-AR" b="1" dirty="0"/>
-          </a:p>
-        </p:txBody>
-      </p:sp>
-      <p:sp>
-        <p:nvSpPr>
-          <p:cNvPr id="5" name="Text Placeholder 4">
-            <a:extLst>
-              <a:ext uri="{FF2B5EF4-FFF2-40B4-BE49-F238E27FC236}">
-                <a16:creationId xmlns:a16="http://schemas.microsoft.com/office/drawing/2014/main" id="{795D34CA-2892-4FF4-9588-C6A35829635B}"/>
-              </a:ext>
-            </a:extLst>
-          </p:cNvPr>
-          <p:cNvSpPr>
-            <a:spLocks noGrp="1"/>
-          </p:cNvSpPr>
-          <p:nvPr>
-            <p:ph type="body" sz="quarter" idx="10"/>
-          </p:nvPr>
-        </p:nvSpPr>
-        <p:spPr>
-          <a:xfrm>
-            <a:off x="445129" y="972295"/>
-            <a:ext cx="11717490" cy="544162"/>
-          </a:xfrm>
-        </p:spPr>
-        <p:txBody>
-          <a:bodyPr/>
-          <a:lstStyle/>
-          <a:p>
-            <a:pPr>
-              <a:lnSpc>
-                <a:spcPct val="100000"/>
-              </a:lnSpc>
-              <a:spcAft>
-                <a:spcPts val="800"/>
-              </a:spcAft>
-            </a:pPr>
-            <a:r>
-              <a:rPr lang="es-AR" sz="1800" dirty="0">
-                <a:solidFill>
-                  <a:schemeClr val="tx1">
-                    <a:lumMod val="65000"/>
-                    <a:lumOff val="35000"/>
-                  </a:schemeClr>
-                </a:solidFill>
-              </a:rPr>
-              <a:t>Orquestación Completa de Contenedores</a:t>
-            </a:r>
-          </a:p>
-          <a:p>
-            <a:pPr>
-              <a:lnSpc>
-                <a:spcPct val="100000"/>
-              </a:lnSpc>
-              <a:spcAft>
-                <a:spcPts val="800"/>
-              </a:spcAft>
-            </a:pPr>
-            <a:endParaRPr lang="es-AR" sz="1800" dirty="0">
-              <a:solidFill>
-                <a:schemeClr val="tx1">
-                  <a:lumMod val="65000"/>
-                  <a:lumOff val="35000"/>
-                </a:schemeClr>
-              </a:solidFill>
-            </a:endParaRPr>
-          </a:p>
-        </p:txBody>
-      </p:sp>
-      <p:sp>
-        <p:nvSpPr>
-          <p:cNvPr id="6" name="CuadroTexto 5">
-            <a:extLst>
-              <a:ext uri="{FF2B5EF4-FFF2-40B4-BE49-F238E27FC236}">
-                <a16:creationId xmlns:a16="http://schemas.microsoft.com/office/drawing/2014/main" id="{781CE82A-C8C9-8F82-7426-26E9AE5FCFCA}"/>
-              </a:ext>
-            </a:extLst>
-          </p:cNvPr>
-          <p:cNvSpPr txBox="1"/>
-          <p:nvPr/>
-        </p:nvSpPr>
-        <p:spPr>
-          <a:xfrm>
-            <a:off x="434975" y="1585951"/>
-            <a:ext cx="11563350" cy="5178084"/>
-          </a:xfrm>
-          <a:prstGeom prst="rect">
-            <a:avLst/>
-          </a:prstGeom>
-          <a:noFill/>
-        </p:spPr>
-        <p:txBody>
-          <a:bodyPr wrap="square">
-            <a:spAutoFit/>
-          </a:bodyPr>
-          <a:lstStyle/>
-          <a:p>
-            <a:pPr marL="800100" lvl="1" indent="-342900">
-              <a:buFont typeface="Arial" panose="020B0604020202020204" pitchFamily="34" charset="0"/>
-              <a:buChar char="•"/>
-            </a:pPr>
-            <a:r>
-              <a:rPr lang="es-AR" b="1" dirty="0">
-                <a:solidFill>
-                  <a:schemeClr val="accent6"/>
-                </a:solidFill>
-              </a:rPr>
-              <a:t>Servicio de </a:t>
-            </a:r>
-            <a:r>
-              <a:rPr lang="es-AR" b="1" dirty="0" err="1">
-                <a:solidFill>
-                  <a:schemeClr val="accent6"/>
-                </a:solidFill>
-              </a:rPr>
-              <a:t>Kubernetes</a:t>
-            </a:r>
-            <a:r>
-              <a:rPr lang="es-AR" b="1" dirty="0">
-                <a:solidFill>
-                  <a:schemeClr val="accent6"/>
-                </a:solidFill>
-              </a:rPr>
-              <a:t> gestionado:</a:t>
-            </a:r>
-            <a:br>
-              <a:rPr lang="es-AR" b="1" dirty="0">
-                <a:solidFill>
-                  <a:schemeClr val="accent6"/>
-                </a:solidFill>
-              </a:rPr>
-            </a:br>
-            <a:r>
-              <a:rPr lang="es-AR" dirty="0">
-                <a:solidFill>
-                  <a:schemeClr val="accent6"/>
-                </a:solidFill>
-              </a:rPr>
-              <a:t>Azure </a:t>
-            </a:r>
-            <a:r>
-              <a:rPr lang="es-AR" dirty="0" err="1">
-                <a:solidFill>
-                  <a:schemeClr val="accent6"/>
-                </a:solidFill>
-              </a:rPr>
-              <a:t>Kubernetes</a:t>
-            </a:r>
-            <a:r>
-              <a:rPr lang="es-AR" dirty="0">
-                <a:solidFill>
-                  <a:schemeClr val="accent6"/>
-                </a:solidFill>
-              </a:rPr>
-              <a:t> </a:t>
-            </a:r>
-            <a:r>
-              <a:rPr lang="es-AR" dirty="0" err="1">
-                <a:solidFill>
-                  <a:schemeClr val="accent6"/>
-                </a:solidFill>
-              </a:rPr>
-              <a:t>Service</a:t>
-            </a:r>
-            <a:r>
-              <a:rPr lang="es-AR" dirty="0">
-                <a:solidFill>
-                  <a:schemeClr val="accent6"/>
-                </a:solidFill>
-              </a:rPr>
-              <a:t> (AKS) proporciona orquestación avanzada para contenedores, ofreciendo escalabilidad, distribución de carga y recuperación ante fallos de manera automatizada mediante </a:t>
-            </a:r>
-            <a:r>
-              <a:rPr lang="es-AR" dirty="0" err="1">
-                <a:solidFill>
-                  <a:schemeClr val="accent6"/>
-                </a:solidFill>
-              </a:rPr>
-              <a:t>Kubernetes</a:t>
-            </a:r>
-            <a:r>
-              <a:rPr lang="es-AR" dirty="0">
-                <a:solidFill>
-                  <a:schemeClr val="accent6"/>
-                </a:solidFill>
-              </a:rPr>
-              <a:t>.</a:t>
-            </a:r>
-          </a:p>
-          <a:p>
-            <a:pPr marL="800100" lvl="1" indent="-342900">
-              <a:buFont typeface="Arial" panose="020B0604020202020204" pitchFamily="34" charset="0"/>
-              <a:buChar char="•"/>
-            </a:pPr>
-            <a:r>
-              <a:rPr lang="es-AR" b="1" dirty="0">
-                <a:solidFill>
-                  <a:schemeClr val="accent6"/>
-                </a:solidFill>
-              </a:rPr>
-              <a:t>Control y flexibilidad total:</a:t>
-            </a:r>
-            <a:br>
-              <a:rPr lang="es-AR" b="1" dirty="0">
-                <a:solidFill>
-                  <a:schemeClr val="accent6"/>
-                </a:solidFill>
-              </a:rPr>
-            </a:br>
-            <a:r>
-              <a:rPr lang="es-AR" dirty="0">
-                <a:solidFill>
-                  <a:schemeClr val="accent6"/>
-                </a:solidFill>
-              </a:rPr>
-              <a:t>Brinda acceso total a las configuraciones y características de </a:t>
-            </a:r>
-            <a:r>
-              <a:rPr lang="es-AR" dirty="0" err="1">
-                <a:solidFill>
-                  <a:schemeClr val="accent6"/>
-                </a:solidFill>
-              </a:rPr>
-              <a:t>Kubernetes</a:t>
-            </a:r>
-            <a:r>
-              <a:rPr lang="es-AR" dirty="0">
-                <a:solidFill>
-                  <a:schemeClr val="accent6"/>
-                </a:solidFill>
-              </a:rPr>
-              <a:t>. Permite gestionar clústeres complejos con alta disponibilidad y escalabilidad en entornos de producción.</a:t>
-            </a:r>
-          </a:p>
-          <a:p>
-            <a:pPr marL="800100" lvl="1" indent="-342900">
-              <a:buFont typeface="Arial" panose="020B0604020202020204" pitchFamily="34" charset="0"/>
-              <a:buChar char="•"/>
-            </a:pPr>
-            <a:r>
-              <a:rPr lang="es-AR" b="1" dirty="0">
-                <a:solidFill>
-                  <a:schemeClr val="accent6"/>
-                </a:solidFill>
-              </a:rPr>
-              <a:t>Casos de uso avanzados:</a:t>
-            </a:r>
-          </a:p>
-          <a:p>
-            <a:pPr marL="1266444" lvl="2" indent="-342900">
-              <a:buFont typeface="Arial" panose="020B0604020202020204" pitchFamily="34" charset="0"/>
-              <a:buChar char="•"/>
-            </a:pPr>
-            <a:r>
-              <a:rPr lang="es-AR" dirty="0">
-                <a:solidFill>
-                  <a:schemeClr val="accent6"/>
-                </a:solidFill>
-              </a:rPr>
-              <a:t>Aplicaciones distribuidas con microservicios.</a:t>
-            </a:r>
-          </a:p>
-          <a:p>
-            <a:pPr marL="1266444" lvl="2" indent="-342900">
-              <a:buFont typeface="Arial" panose="020B0604020202020204" pitchFamily="34" charset="0"/>
-              <a:buChar char="•"/>
-            </a:pPr>
-            <a:r>
-              <a:rPr lang="es-AR" dirty="0" err="1">
-                <a:solidFill>
-                  <a:schemeClr val="accent6"/>
-                </a:solidFill>
-              </a:rPr>
-              <a:t>Workloads</a:t>
-            </a:r>
-            <a:r>
-              <a:rPr lang="es-AR" dirty="0">
-                <a:solidFill>
-                  <a:schemeClr val="accent6"/>
-                </a:solidFill>
-              </a:rPr>
-              <a:t> de alta demanda con múltiples contenedores en producción.</a:t>
-            </a:r>
-          </a:p>
-          <a:p>
-            <a:pPr marL="1266444" lvl="2" indent="-342900">
-              <a:buFont typeface="Arial" panose="020B0604020202020204" pitchFamily="34" charset="0"/>
-              <a:buChar char="•"/>
-            </a:pPr>
-            <a:r>
-              <a:rPr lang="es-AR" dirty="0">
-                <a:solidFill>
-                  <a:schemeClr val="accent6"/>
-                </a:solidFill>
-              </a:rPr>
-              <a:t>Proyectos que ya utilizan </a:t>
-            </a:r>
-            <a:r>
-              <a:rPr lang="es-AR" dirty="0" err="1">
-                <a:solidFill>
-                  <a:schemeClr val="accent6"/>
-                </a:solidFill>
-              </a:rPr>
-              <a:t>Kubernetes</a:t>
-            </a:r>
-            <a:r>
-              <a:rPr lang="es-AR" dirty="0">
-                <a:solidFill>
-                  <a:schemeClr val="accent6"/>
-                </a:solidFill>
-              </a:rPr>
-              <a:t> y buscan una solución gestionada en Azure.</a:t>
-            </a:r>
-          </a:p>
-          <a:p>
-            <a:pPr marL="800100" lvl="1" indent="-342900">
-              <a:buFont typeface="Arial" panose="020B0604020202020204" pitchFamily="34" charset="0"/>
-              <a:buChar char="•"/>
-            </a:pPr>
-            <a:r>
-              <a:rPr lang="es-AR" b="1" dirty="0">
-                <a:solidFill>
-                  <a:schemeClr val="accent6"/>
-                </a:solidFill>
-              </a:rPr>
-              <a:t>Escalabilidad automática:</a:t>
-            </a:r>
-            <a:br>
-              <a:rPr lang="es-AR" b="1" dirty="0">
-                <a:solidFill>
-                  <a:schemeClr val="accent6"/>
-                </a:solidFill>
-              </a:rPr>
-            </a:br>
-            <a:r>
-              <a:rPr lang="es-AR" dirty="0">
-                <a:solidFill>
-                  <a:schemeClr val="accent6"/>
-                </a:solidFill>
-              </a:rPr>
-              <a:t>AKS permite escalar tanto los contenedores como los nodos de manera automática para manejar cargas variables. También se integra con KEDA para escalabilidad basada en eventos.</a:t>
-            </a:r>
-          </a:p>
-          <a:p>
-            <a:pPr marL="800100" lvl="1" indent="-342900">
-              <a:buFont typeface="Arial" panose="020B0604020202020204" pitchFamily="34" charset="0"/>
-              <a:buChar char="•"/>
-            </a:pPr>
-            <a:r>
-              <a:rPr lang="es-AR" b="1" dirty="0">
-                <a:solidFill>
-                  <a:schemeClr val="accent6"/>
-                </a:solidFill>
-              </a:rPr>
-              <a:t>Complejidad de gestión:</a:t>
-            </a:r>
-            <a:br>
-              <a:rPr lang="es-AR" b="1" dirty="0">
-                <a:solidFill>
-                  <a:schemeClr val="accent6"/>
-                </a:solidFill>
-              </a:rPr>
-            </a:br>
-            <a:r>
-              <a:rPr lang="es-AR" dirty="0">
-                <a:solidFill>
-                  <a:schemeClr val="accent6"/>
-                </a:solidFill>
-              </a:rPr>
-              <a:t>Aunque es gestionado por Azure, AKS requiere mayor conocimiento y esfuerzo en la configuración y gestión en comparación con otros servicios como ACI o Azure Container Apps.</a:t>
-            </a:r>
-          </a:p>
-          <a:p>
-            <a:pPr marL="285750" indent="-285750">
-              <a:lnSpc>
-                <a:spcPct val="150000"/>
-              </a:lnSpc>
-              <a:buFont typeface="Arial" panose="020B0604020202020204" pitchFamily="34" charset="0"/>
-              <a:buChar char="•"/>
-            </a:pPr>
-            <a:endParaRPr lang="es-AR" sz="1400" dirty="0">
-              <a:solidFill>
-                <a:schemeClr val="accent6"/>
-              </a:solidFill>
-            </a:endParaRPr>
-          </a:p>
-        </p:txBody>
-      </p:sp>
-      <p:pic>
-        <p:nvPicPr>
-          <p:cNvPr id="3" name="Imagen 2">
-            <a:extLst>
-              <a:ext uri="{FF2B5EF4-FFF2-40B4-BE49-F238E27FC236}">
-                <a16:creationId xmlns:a16="http://schemas.microsoft.com/office/drawing/2014/main" id="{D2CFF424-051E-5585-89FE-7CEBC0CF3168}"/>
-              </a:ext>
-            </a:extLst>
-          </p:cNvPr>
-          <p:cNvPicPr>
-            <a:picLocks noChangeAspect="1"/>
-          </p:cNvPicPr>
-          <p:nvPr/>
-        </p:nvPicPr>
-        <p:blipFill>
-          <a:blip r:embed="rId3"/>
-          <a:stretch>
-            <a:fillRect/>
-          </a:stretch>
-        </p:blipFill>
-        <p:spPr>
-          <a:xfrm>
-            <a:off x="10618240" y="227014"/>
-            <a:ext cx="1462232" cy="1077434"/>
-          </a:xfrm>
-          <a:prstGeom prst="rect">
-            <a:avLst/>
-          </a:prstGeom>
-        </p:spPr>
-      </p:pic>
-    </p:spTree>
-    <p:extLst>
-      <p:ext uri="{BB962C8B-B14F-4D97-AF65-F5344CB8AC3E}">
-        <p14:creationId xmlns:p14="http://schemas.microsoft.com/office/powerpoint/2010/main" val="301180421"/>
-      </p:ext>
-    </p:extLst>
-  </p:cSld>
-  <p:clrMapOvr>
-    <a:masterClrMapping/>
-  </p:clrMapOvr>
-  <mc:AlternateContent xmlns:mc="http://schemas.openxmlformats.org/markup-compatibility/2006">
-    <mc:Choice xmlns:p14="http://schemas.microsoft.com/office/powerpoint/2010/main" Requires="p14">
-      <p:transition spd="med" p14:dur="700">
-        <p:fade/>
-      </p:transition>
-    </mc:Choice>
-    <mc:Fallback>
-      <p:transition spd="med">
-        <p:fade/>
-      </p:transition>
-    </mc:Fallback>
-  </mc:AlternateContent>
-</p:sld>
-</file>
-
-<file path=ppt/slides/slide8.xml><?xml version="1.0" encoding="utf-8"?>
-<p:sld xmlns:a="http://schemas.openxmlformats.org/drawingml/2006/main" xmlns:r="http://schemas.openxmlformats.org/officeDocument/2006/relationships" xmlns:p="http://schemas.openxmlformats.org/presentationml/2006/main" showMasterSp="0">
-  <p:cSld>
-    <p:spTree>
-      <p:nvGrpSpPr>
-        <p:cNvPr id="1" name=""/>
-        <p:cNvGrpSpPr/>
-        <p:nvPr/>
-      </p:nvGrpSpPr>
-      <p:grpSpPr>
-        <a:xfrm>
-          <a:off x="0" y="0"/>
-          <a:ext cx="0" cy="0"/>
-          <a:chOff x="0" y="0"/>
-          <a:chExt cx="0" cy="0"/>
-        </a:xfrm>
-      </p:grpSpPr>
-      <p:sp>
-        <p:nvSpPr>
-          <p:cNvPr id="4" name="Title 3">
-            <a:extLst>
-              <a:ext uri="{FF2B5EF4-FFF2-40B4-BE49-F238E27FC236}">
-                <a16:creationId xmlns:a16="http://schemas.microsoft.com/office/drawing/2014/main" id="{DA6A65AD-43AA-423E-8D08-19A36B5745EF}"/>
-              </a:ext>
-            </a:extLst>
-          </p:cNvPr>
-          <p:cNvSpPr>
-            <a:spLocks noGrp="1"/>
-          </p:cNvSpPr>
-          <p:nvPr>
-            <p:ph type="title"/>
-          </p:nvPr>
-        </p:nvSpPr>
-        <p:spPr>
-          <a:xfrm>
-            <a:off x="434975" y="227014"/>
-            <a:ext cx="11563350" cy="754061"/>
-          </a:xfrm>
-        </p:spPr>
-        <p:txBody>
-          <a:bodyPr/>
-          <a:lstStyle/>
-          <a:p>
-            <a:r>
-              <a:rPr lang="es-AR" dirty="0"/>
-              <a:t>Azure Container Apps</a:t>
-            </a:r>
-            <a:endParaRPr lang="es-AR" b="1" dirty="0"/>
-          </a:p>
-        </p:txBody>
-      </p:sp>
-      <p:sp>
-        <p:nvSpPr>
-          <p:cNvPr id="5" name="Text Placeholder 4">
-            <a:extLst>
-              <a:ext uri="{FF2B5EF4-FFF2-40B4-BE49-F238E27FC236}">
-                <a16:creationId xmlns:a16="http://schemas.microsoft.com/office/drawing/2014/main" id="{795D34CA-2892-4FF4-9588-C6A35829635B}"/>
-              </a:ext>
-            </a:extLst>
-          </p:cNvPr>
-          <p:cNvSpPr>
-            <a:spLocks noGrp="1"/>
-          </p:cNvSpPr>
-          <p:nvPr>
-            <p:ph type="body" sz="quarter" idx="10"/>
-          </p:nvPr>
-        </p:nvSpPr>
-        <p:spPr>
-          <a:xfrm>
-            <a:off x="445129" y="972295"/>
-            <a:ext cx="11717490" cy="544162"/>
-          </a:xfrm>
-        </p:spPr>
-        <p:txBody>
-          <a:bodyPr/>
-          <a:lstStyle/>
-          <a:p>
-            <a:pPr>
-              <a:lnSpc>
-                <a:spcPct val="100000"/>
-              </a:lnSpc>
-              <a:spcAft>
-                <a:spcPts val="800"/>
-              </a:spcAft>
-            </a:pPr>
-            <a:r>
-              <a:rPr lang="es-AR" sz="1800" dirty="0">
-                <a:solidFill>
-                  <a:schemeClr val="tx1">
-                    <a:lumMod val="65000"/>
-                    <a:lumOff val="35000"/>
-                  </a:schemeClr>
-                </a:solidFill>
-              </a:rPr>
-              <a:t>Orquestación Simplificada con </a:t>
-            </a:r>
-            <a:r>
-              <a:rPr lang="es-AR" sz="1800" dirty="0" err="1">
-                <a:solidFill>
-                  <a:schemeClr val="tx1">
-                    <a:lumMod val="65000"/>
-                    <a:lumOff val="35000"/>
-                  </a:schemeClr>
-                </a:solidFill>
-              </a:rPr>
-              <a:t>Kubernetes</a:t>
-            </a:r>
-            <a:endParaRPr lang="es-AR" sz="1800" dirty="0">
-              <a:solidFill>
-                <a:schemeClr val="tx1">
-                  <a:lumMod val="65000"/>
-                  <a:lumOff val="35000"/>
-                </a:schemeClr>
-              </a:solidFill>
-            </a:endParaRPr>
-          </a:p>
-          <a:p>
-            <a:pPr>
-              <a:lnSpc>
-                <a:spcPct val="100000"/>
-              </a:lnSpc>
-              <a:spcAft>
-                <a:spcPts val="800"/>
-              </a:spcAft>
-            </a:pPr>
-            <a:endParaRPr lang="es-AR" sz="1800" dirty="0">
-              <a:solidFill>
-                <a:schemeClr val="tx1">
-                  <a:lumMod val="65000"/>
-                  <a:lumOff val="35000"/>
-                </a:schemeClr>
-              </a:solidFill>
-            </a:endParaRPr>
-          </a:p>
-        </p:txBody>
-      </p:sp>
-      <p:sp>
-        <p:nvSpPr>
-          <p:cNvPr id="6" name="CuadroTexto 5">
-            <a:extLst>
-              <a:ext uri="{FF2B5EF4-FFF2-40B4-BE49-F238E27FC236}">
-                <a16:creationId xmlns:a16="http://schemas.microsoft.com/office/drawing/2014/main" id="{781CE82A-C8C9-8F82-7426-26E9AE5FCFCA}"/>
-              </a:ext>
-            </a:extLst>
-          </p:cNvPr>
-          <p:cNvSpPr txBox="1"/>
-          <p:nvPr/>
-        </p:nvSpPr>
-        <p:spPr>
-          <a:xfrm>
-            <a:off x="434975" y="1585951"/>
-            <a:ext cx="11563350" cy="4330544"/>
-          </a:xfrm>
-          <a:prstGeom prst="rect">
-            <a:avLst/>
-          </a:prstGeom>
-          <a:noFill/>
-        </p:spPr>
-        <p:txBody>
-          <a:bodyPr wrap="square">
-            <a:spAutoFit/>
-          </a:bodyPr>
-          <a:lstStyle/>
-          <a:p>
-            <a:pPr marL="800100" lvl="1" indent="-342900">
-              <a:buFont typeface="Arial" panose="020B0604020202020204" pitchFamily="34" charset="0"/>
-              <a:buChar char="•"/>
-            </a:pPr>
-            <a:r>
-              <a:rPr lang="es-AR" b="1" dirty="0">
-                <a:solidFill>
-                  <a:schemeClr val="accent6"/>
-                </a:solidFill>
-              </a:rPr>
-              <a:t>Orquestación simplificada con </a:t>
-            </a:r>
-            <a:r>
-              <a:rPr lang="es-AR" b="1" dirty="0" err="1">
-                <a:solidFill>
-                  <a:schemeClr val="accent6"/>
-                </a:solidFill>
-              </a:rPr>
-              <a:t>Kubernetes</a:t>
-            </a:r>
-            <a:r>
-              <a:rPr lang="es-AR" b="1" dirty="0">
-                <a:solidFill>
-                  <a:schemeClr val="accent6"/>
-                </a:solidFill>
-              </a:rPr>
-              <a:t>:</a:t>
-            </a:r>
-            <a:br>
-              <a:rPr lang="es-AR" b="1" dirty="0">
-                <a:solidFill>
-                  <a:schemeClr val="accent6"/>
-                </a:solidFill>
-              </a:rPr>
-            </a:br>
-            <a:r>
-              <a:rPr lang="es-AR" dirty="0">
-                <a:solidFill>
-                  <a:schemeClr val="accent6"/>
-                </a:solidFill>
-              </a:rPr>
-              <a:t>Azure Container Apps utiliza </a:t>
-            </a:r>
-            <a:r>
-              <a:rPr lang="es-AR" dirty="0" err="1">
-                <a:solidFill>
-                  <a:schemeClr val="accent6"/>
-                </a:solidFill>
-              </a:rPr>
-              <a:t>Kubernetes</a:t>
-            </a:r>
-            <a:r>
-              <a:rPr lang="es-AR" dirty="0">
-                <a:solidFill>
-                  <a:schemeClr val="accent6"/>
-                </a:solidFill>
-              </a:rPr>
-              <a:t> por detrás para gestionar contenedores, pero abstrae la complejidad de la gestión del clúster, facilitando el despliegue y la operación de microservicios y aplicaciones sin servidor.</a:t>
-            </a:r>
-          </a:p>
-          <a:p>
-            <a:pPr marL="800100" lvl="1" indent="-342900">
-              <a:buFont typeface="Arial" panose="020B0604020202020204" pitchFamily="34" charset="0"/>
-              <a:buChar char="•"/>
-            </a:pPr>
-            <a:r>
-              <a:rPr lang="es-AR" b="1" dirty="0">
-                <a:solidFill>
-                  <a:schemeClr val="accent6"/>
-                </a:solidFill>
-              </a:rPr>
-              <a:t>Escalabilidad automática basada en eventos:</a:t>
-            </a:r>
-            <a:br>
-              <a:rPr lang="es-AR" b="1" dirty="0">
-                <a:solidFill>
-                  <a:schemeClr val="accent6"/>
-                </a:solidFill>
-              </a:rPr>
-            </a:br>
-            <a:r>
-              <a:rPr lang="es-AR" dirty="0">
-                <a:solidFill>
-                  <a:schemeClr val="accent6"/>
-                </a:solidFill>
-              </a:rPr>
-              <a:t>Se integra con KEDA (</a:t>
-            </a:r>
-            <a:r>
-              <a:rPr lang="es-AR" dirty="0" err="1">
-                <a:solidFill>
-                  <a:schemeClr val="accent6"/>
-                </a:solidFill>
-              </a:rPr>
-              <a:t>Kubernetes</a:t>
-            </a:r>
-            <a:r>
-              <a:rPr lang="es-AR" dirty="0">
-                <a:solidFill>
-                  <a:schemeClr val="accent6"/>
-                </a:solidFill>
-              </a:rPr>
-              <a:t> </a:t>
-            </a:r>
-            <a:r>
-              <a:rPr lang="es-AR" dirty="0" err="1">
-                <a:solidFill>
-                  <a:schemeClr val="accent6"/>
-                </a:solidFill>
-              </a:rPr>
-              <a:t>Event-Driven</a:t>
-            </a:r>
-            <a:r>
-              <a:rPr lang="es-AR" dirty="0">
-                <a:solidFill>
-                  <a:schemeClr val="accent6"/>
-                </a:solidFill>
-              </a:rPr>
-              <a:t> </a:t>
-            </a:r>
-            <a:r>
-              <a:rPr lang="es-AR" dirty="0" err="1">
-                <a:solidFill>
-                  <a:schemeClr val="accent6"/>
-                </a:solidFill>
-              </a:rPr>
-              <a:t>Autoscaling</a:t>
-            </a:r>
-            <a:r>
-              <a:rPr lang="es-AR" dirty="0">
-                <a:solidFill>
-                  <a:schemeClr val="accent6"/>
-                </a:solidFill>
-              </a:rPr>
-              <a:t>), lo que permite escalar contenedores automáticamente en función de eventos como colas de mensajes o solicitudes HTTP.</a:t>
-            </a:r>
-          </a:p>
-          <a:p>
-            <a:pPr marL="800100" lvl="1" indent="-342900">
-              <a:buFont typeface="Arial" panose="020B0604020202020204" pitchFamily="34" charset="0"/>
-              <a:buChar char="•"/>
-            </a:pPr>
-            <a:r>
-              <a:rPr lang="es-AR" b="1" dirty="0">
-                <a:solidFill>
-                  <a:schemeClr val="accent6"/>
-                </a:solidFill>
-              </a:rPr>
-              <a:t>Patrones de microservicios:</a:t>
-            </a:r>
-            <a:br>
-              <a:rPr lang="es-AR" b="1" dirty="0">
-                <a:solidFill>
-                  <a:schemeClr val="accent6"/>
-                </a:solidFill>
-              </a:rPr>
-            </a:br>
-            <a:r>
-              <a:rPr lang="es-AR" dirty="0">
-                <a:solidFill>
-                  <a:schemeClr val="accent6"/>
-                </a:solidFill>
-              </a:rPr>
-              <a:t>Azure Container Apps se integra con </a:t>
-            </a:r>
-            <a:r>
-              <a:rPr lang="es-AR" dirty="0" err="1">
-                <a:solidFill>
-                  <a:schemeClr val="accent6"/>
-                </a:solidFill>
-              </a:rPr>
-              <a:t>Dapr</a:t>
-            </a:r>
-            <a:r>
-              <a:rPr lang="es-AR" dirty="0">
-                <a:solidFill>
-                  <a:schemeClr val="accent6"/>
-                </a:solidFill>
-              </a:rPr>
-              <a:t> (</a:t>
-            </a:r>
-            <a:r>
-              <a:rPr lang="es-AR" dirty="0" err="1">
-                <a:solidFill>
-                  <a:schemeClr val="accent6"/>
-                </a:solidFill>
-              </a:rPr>
-              <a:t>Distributed</a:t>
-            </a:r>
-            <a:r>
-              <a:rPr lang="es-AR" dirty="0">
-                <a:solidFill>
-                  <a:schemeClr val="accent6"/>
-                </a:solidFill>
-              </a:rPr>
-              <a:t> </a:t>
-            </a:r>
-            <a:r>
-              <a:rPr lang="es-AR" dirty="0" err="1">
-                <a:solidFill>
-                  <a:schemeClr val="accent6"/>
-                </a:solidFill>
-              </a:rPr>
-              <a:t>Application</a:t>
-            </a:r>
-            <a:r>
-              <a:rPr lang="es-AR" dirty="0">
-                <a:solidFill>
-                  <a:schemeClr val="accent6"/>
-                </a:solidFill>
-              </a:rPr>
-              <a:t> </a:t>
-            </a:r>
-            <a:r>
-              <a:rPr lang="es-AR" dirty="0" err="1">
-                <a:solidFill>
-                  <a:schemeClr val="accent6"/>
-                </a:solidFill>
-              </a:rPr>
-              <a:t>Runtime</a:t>
-            </a:r>
-            <a:r>
-              <a:rPr lang="es-AR" dirty="0">
-                <a:solidFill>
-                  <a:schemeClr val="accent6"/>
-                </a:solidFill>
-              </a:rPr>
-              <a:t>), proporcionando patrones comunes para microservicios, como la comunicación entre servicios, pub/sub, y gestión de estado distribuido.</a:t>
-            </a:r>
-          </a:p>
-          <a:p>
-            <a:pPr marL="800100" lvl="1" indent="-342900">
-              <a:buFont typeface="Arial" panose="020B0604020202020204" pitchFamily="34" charset="0"/>
-              <a:buChar char="•"/>
-            </a:pPr>
-            <a:r>
-              <a:rPr lang="es-AR" b="1" dirty="0">
-                <a:solidFill>
-                  <a:schemeClr val="accent6"/>
-                </a:solidFill>
-              </a:rPr>
-              <a:t>Facilidad de uso frente a AKS:</a:t>
-            </a:r>
-            <a:br>
-              <a:rPr lang="es-AR" b="1" dirty="0">
-                <a:solidFill>
-                  <a:schemeClr val="accent6"/>
-                </a:solidFill>
-              </a:rPr>
-            </a:br>
-            <a:r>
-              <a:rPr lang="es-AR" dirty="0">
-                <a:solidFill>
-                  <a:schemeClr val="accent6"/>
-                </a:solidFill>
-              </a:rPr>
-              <a:t>A diferencia de Azure </a:t>
-            </a:r>
-            <a:r>
-              <a:rPr lang="es-AR" dirty="0" err="1">
-                <a:solidFill>
-                  <a:schemeClr val="accent6"/>
-                </a:solidFill>
-              </a:rPr>
-              <a:t>Kubernetes</a:t>
-            </a:r>
-            <a:r>
-              <a:rPr lang="es-AR" dirty="0">
-                <a:solidFill>
-                  <a:schemeClr val="accent6"/>
-                </a:solidFill>
-              </a:rPr>
-              <a:t> </a:t>
-            </a:r>
-            <a:r>
-              <a:rPr lang="es-AR" dirty="0" err="1">
-                <a:solidFill>
-                  <a:schemeClr val="accent6"/>
-                </a:solidFill>
-              </a:rPr>
-              <a:t>Service</a:t>
-            </a:r>
-            <a:r>
-              <a:rPr lang="es-AR" dirty="0">
-                <a:solidFill>
-                  <a:schemeClr val="accent6"/>
-                </a:solidFill>
-              </a:rPr>
-              <a:t> (AKS), aquí no necesitas gestionar ni configurar directamente un clúster de </a:t>
-            </a:r>
-            <a:r>
-              <a:rPr lang="es-AR" dirty="0" err="1">
-                <a:solidFill>
-                  <a:schemeClr val="accent6"/>
-                </a:solidFill>
-              </a:rPr>
-              <a:t>Kubernetes</a:t>
-            </a:r>
-            <a:r>
-              <a:rPr lang="es-AR" dirty="0">
-                <a:solidFill>
-                  <a:schemeClr val="accent6"/>
-                </a:solidFill>
-              </a:rPr>
-              <a:t>, lo que simplifica el uso y el mantenimiento.</a:t>
-            </a:r>
-          </a:p>
-          <a:p>
-            <a:pPr marL="285750" indent="-285750">
-              <a:lnSpc>
-                <a:spcPct val="150000"/>
-              </a:lnSpc>
-              <a:buFont typeface="Arial" panose="020B0604020202020204" pitchFamily="34" charset="0"/>
-              <a:buChar char="•"/>
-            </a:pPr>
-            <a:endParaRPr lang="es-AR" sz="1400" dirty="0">
-              <a:solidFill>
-                <a:schemeClr val="accent6"/>
-              </a:solidFill>
-            </a:endParaRPr>
-          </a:p>
-        </p:txBody>
-      </p:sp>
-      <p:pic>
-        <p:nvPicPr>
-          <p:cNvPr id="3" name="Imagen 2">
-            <a:extLst>
-              <a:ext uri="{FF2B5EF4-FFF2-40B4-BE49-F238E27FC236}">
-                <a16:creationId xmlns:a16="http://schemas.microsoft.com/office/drawing/2014/main" id="{152E77C7-95EB-960D-6CEE-FFE00FE2F3B0}"/>
-              </a:ext>
-            </a:extLst>
-          </p:cNvPr>
-          <p:cNvPicPr>
-            <a:picLocks noChangeAspect="1"/>
-          </p:cNvPicPr>
-          <p:nvPr/>
-        </p:nvPicPr>
-        <p:blipFill>
-          <a:blip r:embed="rId3"/>
-          <a:stretch>
-            <a:fillRect/>
-          </a:stretch>
-        </p:blipFill>
-        <p:spPr>
-          <a:xfrm>
-            <a:off x="10406797" y="28601"/>
-            <a:ext cx="1765976" cy="1289443"/>
-          </a:xfrm>
-          <a:prstGeom prst="rect">
-            <a:avLst/>
-          </a:prstGeom>
-        </p:spPr>
-      </p:pic>
-    </p:spTree>
-    <p:extLst>
-      <p:ext uri="{BB962C8B-B14F-4D97-AF65-F5344CB8AC3E}">
-        <p14:creationId xmlns:p14="http://schemas.microsoft.com/office/powerpoint/2010/main" val="304086136"/>
-      </p:ext>
-    </p:extLst>
-  </p:cSld>
-  <p:clrMapOvr>
-    <a:masterClrMapping/>
-  </p:clrMapOvr>
-  <mc:AlternateContent xmlns:mc="http://schemas.openxmlformats.org/markup-compatibility/2006">
-    <mc:Choice xmlns:p14="http://schemas.microsoft.com/office/powerpoint/2010/main" Requires="p14">
-      <p:transition spd="med" p14:dur="700">
-        <p:fade/>
-      </p:transition>
-    </mc:Choice>
-    <mc:Fallback>
-      <p:transition spd="med">
-        <p:fade/>
-      </p:transition>
-    </mc:Fallback>
-  </mc:AlternateContent>
-</p:sld>
-</file>
-
-<file path=ppt/slides/slide9.xml><?xml version="1.0" encoding="utf-8"?>
-<p:sld xmlns:a="http://schemas.openxmlformats.org/drawingml/2006/main" xmlns:r="http://schemas.openxmlformats.org/officeDocument/2006/relationships" xmlns:p="http://schemas.openxmlformats.org/presentationml/2006/main" showMasterSp="0">
-  <p:cSld>
-    <p:spTree>
-      <p:nvGrpSpPr>
-        <p:cNvPr id="1" name=""/>
-        <p:cNvGrpSpPr/>
-        <p:nvPr/>
-      </p:nvGrpSpPr>
-      <p:grpSpPr>
-        <a:xfrm>
-          <a:off x="0" y="0"/>
-          <a:ext cx="0" cy="0"/>
-          <a:chOff x="0" y="0"/>
-          <a:chExt cx="0" cy="0"/>
-        </a:xfrm>
-      </p:grpSpPr>
-      <p:sp>
-        <p:nvSpPr>
-          <p:cNvPr id="4" name="Title 3">
-            <a:extLst>
-              <a:ext uri="{FF2B5EF4-FFF2-40B4-BE49-F238E27FC236}">
-                <a16:creationId xmlns:a16="http://schemas.microsoft.com/office/drawing/2014/main" id="{DA6A65AD-43AA-423E-8D08-19A36B5745EF}"/>
-              </a:ext>
-            </a:extLst>
-          </p:cNvPr>
-          <p:cNvSpPr>
-            <a:spLocks noGrp="1"/>
-          </p:cNvSpPr>
-          <p:nvPr>
-            <p:ph type="title"/>
-          </p:nvPr>
-        </p:nvSpPr>
-        <p:spPr>
-          <a:xfrm>
-            <a:off x="434975" y="227014"/>
-            <a:ext cx="11563350" cy="754061"/>
-          </a:xfrm>
-        </p:spPr>
-        <p:txBody>
-          <a:bodyPr/>
-          <a:lstStyle/>
-          <a:p>
-            <a:r>
-              <a:rPr lang="es-AR" b="1" dirty="0"/>
-              <a:t>Azure Container </a:t>
-            </a:r>
-            <a:r>
-              <a:rPr lang="es-AR" b="1" dirty="0" err="1"/>
-              <a:t>Registry</a:t>
-            </a:r>
-            <a:r>
-              <a:rPr lang="es-AR" b="1" dirty="0"/>
-              <a:t> (ACR)</a:t>
-            </a:r>
-          </a:p>
-        </p:txBody>
-      </p:sp>
-      <p:sp>
-        <p:nvSpPr>
-          <p:cNvPr id="5" name="Text Placeholder 4">
-            <a:extLst>
-              <a:ext uri="{FF2B5EF4-FFF2-40B4-BE49-F238E27FC236}">
-                <a16:creationId xmlns:a16="http://schemas.microsoft.com/office/drawing/2014/main" id="{795D34CA-2892-4FF4-9588-C6A35829635B}"/>
-              </a:ext>
-            </a:extLst>
-          </p:cNvPr>
-          <p:cNvSpPr>
-            <a:spLocks noGrp="1"/>
-          </p:cNvSpPr>
-          <p:nvPr>
-            <p:ph type="body" sz="quarter" idx="10"/>
-          </p:nvPr>
-        </p:nvSpPr>
-        <p:spPr>
-          <a:xfrm>
-            <a:off x="445129" y="972295"/>
-            <a:ext cx="10342614" cy="544162"/>
-          </a:xfrm>
-        </p:spPr>
-        <p:txBody>
-          <a:bodyPr/>
-          <a:lstStyle/>
-          <a:p>
-            <a:pPr>
-              <a:lnSpc>
-                <a:spcPct val="100000"/>
-              </a:lnSpc>
-              <a:spcAft>
-                <a:spcPts val="800"/>
-              </a:spcAft>
-            </a:pPr>
-            <a:r>
-              <a:rPr lang="es-AR" sz="1800" dirty="0">
-                <a:solidFill>
-                  <a:schemeClr val="tx1">
-                    <a:lumMod val="65000"/>
-                    <a:lumOff val="35000"/>
-                  </a:schemeClr>
-                </a:solidFill>
-              </a:rPr>
-              <a:t>Servicio de Azure que permite almacenar y gestionar imágenes de contenedores de manera segura y escalable</a:t>
-            </a:r>
-          </a:p>
-        </p:txBody>
-      </p:sp>
-      <p:sp>
-        <p:nvSpPr>
-          <p:cNvPr id="6" name="CuadroTexto 5">
-            <a:extLst>
-              <a:ext uri="{FF2B5EF4-FFF2-40B4-BE49-F238E27FC236}">
-                <a16:creationId xmlns:a16="http://schemas.microsoft.com/office/drawing/2014/main" id="{781CE82A-C8C9-8F82-7426-26E9AE5FCFCA}"/>
-              </a:ext>
-            </a:extLst>
-          </p:cNvPr>
-          <p:cNvSpPr txBox="1"/>
-          <p:nvPr/>
-        </p:nvSpPr>
-        <p:spPr>
-          <a:xfrm>
-            <a:off x="-1" y="1516457"/>
-            <a:ext cx="12172773" cy="3765518"/>
-          </a:xfrm>
-          <a:prstGeom prst="rect">
-            <a:avLst/>
-          </a:prstGeom>
-          <a:noFill/>
-        </p:spPr>
-        <p:txBody>
-          <a:bodyPr wrap="square">
-            <a:spAutoFit/>
-          </a:bodyPr>
-          <a:lstStyle/>
-          <a:p>
-            <a:pPr marL="800100" lvl="1" indent="-342900">
-              <a:buFont typeface="Arial" panose="020B0604020202020204" pitchFamily="34" charset="0"/>
-              <a:buChar char="•"/>
-            </a:pPr>
-            <a:r>
-              <a:rPr lang="es-AR" dirty="0">
-                <a:solidFill>
-                  <a:schemeClr val="accent6"/>
-                </a:solidFill>
-              </a:rPr>
-              <a:t>Es compatible</a:t>
-            </a:r>
-            <a:r>
-              <a:rPr lang="es-AR" b="1" dirty="0">
-                <a:solidFill>
-                  <a:schemeClr val="accent6"/>
-                </a:solidFill>
-              </a:rPr>
-              <a:t> con Docker y OCI (Open Container </a:t>
-            </a:r>
-            <a:r>
-              <a:rPr lang="es-AR" b="1" dirty="0" err="1">
-                <a:solidFill>
-                  <a:schemeClr val="accent6"/>
-                </a:solidFill>
-              </a:rPr>
-              <a:t>Initiative</a:t>
-            </a:r>
-            <a:r>
-              <a:rPr lang="es-AR" dirty="0">
-                <a:solidFill>
-                  <a:schemeClr val="accent6"/>
-                </a:solidFill>
-              </a:rPr>
-              <a:t>), lo que lo hace adecuado para almacenar y desplegar contenedores Docker en Azure o en cualquier otra plataforma compatible con estos estándares.</a:t>
-            </a:r>
-          </a:p>
-          <a:p>
-            <a:pPr marL="800100" lvl="1" indent="-342900">
-              <a:buFont typeface="Arial" panose="020B0604020202020204" pitchFamily="34" charset="0"/>
-              <a:buChar char="•"/>
-            </a:pPr>
-            <a:r>
-              <a:rPr lang="es-AR" b="1" dirty="0">
-                <a:solidFill>
-                  <a:schemeClr val="accent6"/>
-                </a:solidFill>
-              </a:rPr>
-              <a:t>Cuándo Usar ACR:</a:t>
-            </a:r>
-          </a:p>
-          <a:p>
-            <a:pPr marL="1266444" lvl="2" indent="-342900">
-              <a:buFont typeface="Arial" panose="020B0604020202020204" pitchFamily="34" charset="0"/>
-              <a:buChar char="•"/>
-            </a:pPr>
-            <a:r>
-              <a:rPr lang="es-AR" b="1" dirty="0">
-                <a:solidFill>
-                  <a:schemeClr val="accent6"/>
-                </a:solidFill>
-              </a:rPr>
-              <a:t>Despliegue en Azure: </a:t>
-            </a:r>
-            <a:r>
-              <a:rPr lang="es-AR" dirty="0">
-                <a:solidFill>
-                  <a:schemeClr val="accent6"/>
-                </a:solidFill>
-              </a:rPr>
-              <a:t>Siempre que desees desplegar contenedores en servicios de Azure como Azure </a:t>
-            </a:r>
-            <a:r>
-              <a:rPr lang="es-AR" dirty="0" err="1">
-                <a:solidFill>
-                  <a:schemeClr val="accent6"/>
-                </a:solidFill>
-              </a:rPr>
-              <a:t>Kubernetes</a:t>
-            </a:r>
-            <a:r>
-              <a:rPr lang="es-AR" dirty="0">
-                <a:solidFill>
-                  <a:schemeClr val="accent6"/>
-                </a:solidFill>
-              </a:rPr>
-              <a:t> </a:t>
-            </a:r>
-            <a:r>
-              <a:rPr lang="es-AR" dirty="0" err="1">
-                <a:solidFill>
-                  <a:schemeClr val="accent6"/>
-                </a:solidFill>
-              </a:rPr>
-              <a:t>Service</a:t>
-            </a:r>
-            <a:r>
-              <a:rPr lang="es-AR" dirty="0">
-                <a:solidFill>
-                  <a:schemeClr val="accent6"/>
-                </a:solidFill>
-              </a:rPr>
-              <a:t> (AKS), Azure Container </a:t>
-            </a:r>
-            <a:r>
-              <a:rPr lang="es-AR" dirty="0" err="1">
-                <a:solidFill>
-                  <a:schemeClr val="accent6"/>
-                </a:solidFill>
-              </a:rPr>
-              <a:t>Instances</a:t>
-            </a:r>
-            <a:r>
-              <a:rPr lang="es-AR" dirty="0">
-                <a:solidFill>
-                  <a:schemeClr val="accent6"/>
-                </a:solidFill>
-              </a:rPr>
-              <a:t> (ACI), o Azure App </a:t>
-            </a:r>
-            <a:r>
-              <a:rPr lang="es-AR" dirty="0" err="1">
-                <a:solidFill>
-                  <a:schemeClr val="accent6"/>
-                </a:solidFill>
-              </a:rPr>
-              <a:t>Services</a:t>
-            </a:r>
-            <a:r>
-              <a:rPr lang="es-AR" dirty="0">
-                <a:solidFill>
-                  <a:schemeClr val="accent6"/>
-                </a:solidFill>
-              </a:rPr>
-              <a:t>, ACR facilita el almacenamiento de las imágenes necesarias.</a:t>
-            </a:r>
-          </a:p>
-          <a:p>
-            <a:pPr marL="1266444" lvl="2" indent="-342900">
-              <a:buFont typeface="Arial" panose="020B0604020202020204" pitchFamily="34" charset="0"/>
-              <a:buChar char="•"/>
-            </a:pPr>
-            <a:r>
-              <a:rPr lang="es-AR" b="1" dirty="0">
-                <a:solidFill>
-                  <a:schemeClr val="accent6"/>
-                </a:solidFill>
-              </a:rPr>
-              <a:t>Automatización CI/CD: </a:t>
-            </a:r>
-            <a:r>
-              <a:rPr lang="es-AR" dirty="0">
-                <a:solidFill>
-                  <a:schemeClr val="accent6"/>
-                </a:solidFill>
-              </a:rPr>
-              <a:t>Para proyectos que incluyen pipelines automatizados de CI/CD, ACR se integra perfectamente con Azure DevOps para facilitar el proceso de construcción, almacenamiento y despliegue de contenedores.</a:t>
-            </a:r>
-          </a:p>
-          <a:p>
-            <a:pPr marL="1266444" lvl="2" indent="-342900">
-              <a:buFont typeface="Arial" panose="020B0604020202020204" pitchFamily="34" charset="0"/>
-              <a:buChar char="•"/>
-            </a:pPr>
-            <a:r>
-              <a:rPr lang="es-AR" b="1" dirty="0">
-                <a:solidFill>
-                  <a:schemeClr val="accent6"/>
-                </a:solidFill>
-              </a:rPr>
-              <a:t>Seguridad y Gestión Centralizada: </a:t>
-            </a:r>
-            <a:r>
-              <a:rPr lang="es-AR" dirty="0">
-                <a:solidFill>
-                  <a:schemeClr val="accent6"/>
-                </a:solidFill>
-              </a:rPr>
-              <a:t>Cuando necesitas un registro privado y centralizado para gestionar las imágenes de contenedores, ACR proporciona un control granular sobre el acceso y las políticas de seguridad.</a:t>
-            </a:r>
-          </a:p>
-          <a:p>
-            <a:pPr marL="285750" indent="-285750">
-              <a:lnSpc>
-                <a:spcPct val="150000"/>
-              </a:lnSpc>
-              <a:buFont typeface="Arial" panose="020B0604020202020204" pitchFamily="34" charset="0"/>
-              <a:buChar char="•"/>
-            </a:pPr>
-            <a:endParaRPr lang="es-AR" sz="1400" dirty="0">
-              <a:solidFill>
-                <a:schemeClr val="accent6"/>
-              </a:solidFill>
-            </a:endParaRPr>
-          </a:p>
-        </p:txBody>
-      </p:sp>
-      <p:pic>
-        <p:nvPicPr>
-          <p:cNvPr id="3" name="Imagen 2">
-            <a:extLst>
-              <a:ext uri="{FF2B5EF4-FFF2-40B4-BE49-F238E27FC236}">
-                <a16:creationId xmlns:a16="http://schemas.microsoft.com/office/drawing/2014/main" id="{F96F3419-FBD2-C085-5C6B-589252F0E8EF}"/>
-              </a:ext>
-            </a:extLst>
-          </p:cNvPr>
-          <p:cNvPicPr>
-            <a:picLocks noChangeAspect="1"/>
-          </p:cNvPicPr>
-          <p:nvPr/>
-        </p:nvPicPr>
-        <p:blipFill>
-          <a:blip r:embed="rId3"/>
-          <a:stretch>
-            <a:fillRect/>
-          </a:stretch>
-        </p:blipFill>
-        <p:spPr>
-          <a:xfrm>
-            <a:off x="10171389" y="227014"/>
-            <a:ext cx="2001384" cy="1105242"/>
-          </a:xfrm>
-          <a:prstGeom prst="rect">
-            <a:avLst/>
-          </a:prstGeom>
-        </p:spPr>
-      </p:pic>
-      <p:pic>
-        <p:nvPicPr>
-          <p:cNvPr id="7" name="Imagen 6">
-            <a:extLst>
-              <a:ext uri="{FF2B5EF4-FFF2-40B4-BE49-F238E27FC236}">
-                <a16:creationId xmlns:a16="http://schemas.microsoft.com/office/drawing/2014/main" id="{CFC9EC2A-FE71-A52C-3F83-01B7EC3CA183}"/>
-              </a:ext>
-            </a:extLst>
-          </p:cNvPr>
-          <p:cNvPicPr>
-            <a:picLocks noChangeAspect="1"/>
-          </p:cNvPicPr>
-          <p:nvPr/>
-        </p:nvPicPr>
-        <p:blipFill>
-          <a:blip r:embed="rId4"/>
-          <a:stretch>
-            <a:fillRect/>
-          </a:stretch>
-        </p:blipFill>
-        <p:spPr>
-          <a:xfrm>
-            <a:off x="3693318" y="4802385"/>
-            <a:ext cx="5046663" cy="2029943"/>
-          </a:xfrm>
-          <a:prstGeom prst="rect">
-            <a:avLst/>
-          </a:prstGeom>
-        </p:spPr>
-      </p:pic>
-    </p:spTree>
-    <p:extLst>
-      <p:ext uri="{BB962C8B-B14F-4D97-AF65-F5344CB8AC3E}">
-        <p14:creationId xmlns:p14="http://schemas.microsoft.com/office/powerpoint/2010/main" val="3863074810"/>
-      </p:ext>
-    </p:extLst>
-  </p:cSld>
-  <p:clrMapOvr>
-    <a:masterClrMapping/>
-  </p:clrMapOvr>
-  <mc:AlternateContent xmlns:mc="http://schemas.openxmlformats.org/markup-compatibility/2006">
-    <mc:Choice xmlns:p14="http://schemas.microsoft.com/office/powerpoint/2010/main" Requires="p14">
-      <p:transition spd="med" p14:dur="700">
-        <p:fade/>
-      </p:transition>
-    </mc:Choice>
-    <mc:Fallback>
+    <mc:Fallback xmlns="">
       <p:transition spd="med">
         <p:fade/>
       </p:transition>
@@ -26131,6 +19535,20 @@
 </file>
 
 <file path=customXml/item2.xml><?xml version="1.0" encoding="utf-8"?>
+<p:properties xmlns:p="http://schemas.microsoft.com/office/2006/metadata/properties" xmlns:xsi="http://www.w3.org/2001/XMLSchema-instance" xmlns:pc="http://schemas.microsoft.com/office/infopath/2007/PartnerControls">
+  <documentManagement>
+    <_ip_UnifiedCompliancePolicyUIAction xmlns="http://schemas.microsoft.com/sharepoint/v3" xsi:nil="true"/>
+    <IconOverlay xmlns="http://schemas.microsoft.com/sharepoint/v4" xsi:nil="true"/>
+    <Preview xmlns="15c98cf3-0896-4040-874f-f436925621df">
+      <Url xsi:nil="true"/>
+      <Description xsi:nil="true"/>
+    </Preview>
+    <_ip_UnifiedCompliancePolicyProperties xmlns="http://schemas.microsoft.com/sharepoint/v3" xsi:nil="true"/>
+  </documentManagement>
+</p:properties>
+</file>
+
+<file path=customXml/item3.xml><?xml version="1.0" encoding="utf-8"?>
 <ct:contentTypeSchema xmlns:ct="http://schemas.microsoft.com/office/2006/metadata/contentType" xmlns:ma="http://schemas.microsoft.com/office/2006/metadata/properties/metaAttributes" ct:_="" ma:_="" ma:contentTypeName="Document" ma:contentTypeID="0x010100F5F187B9059DF945B25AB5B2F3BA0895" ma:contentTypeVersion="17" ma:contentTypeDescription="Create a new document." ma:contentTypeScope="" ma:versionID="454b11af52e6a4a001d7a94430b0600d">
   <xsd:schema xmlns:xsd="http://www.w3.org/2001/XMLSchema" xmlns:xs="http://www.w3.org/2001/XMLSchema" xmlns:p="http://schemas.microsoft.com/office/2006/metadata/properties" xmlns:ns1="http://schemas.microsoft.com/sharepoint/v3" xmlns:ns2="af610f50-4aee-43ff-9d65-64420adb70d2" xmlns:ns3="http://schemas.microsoft.com/sharepoint/v4" xmlns:ns4="15c98cf3-0896-4040-874f-f436925621df" targetNamespace="http://schemas.microsoft.com/office/2006/metadata/properties" ma:root="true" ma:fieldsID="94f54606d29a996f622cc5db0382967e" ns1:_="" ns2:_="" ns3:_="" ns4:_="">
     <xsd:import namespace="http://schemas.microsoft.com/sharepoint/v3"/>
@@ -26394,20 +19812,6 @@
 </ct:contentTypeSchema>
 </file>
 
-<file path=customXml/item3.xml><?xml version="1.0" encoding="utf-8"?>
-<p:properties xmlns:p="http://schemas.microsoft.com/office/2006/metadata/properties" xmlns:xsi="http://www.w3.org/2001/XMLSchema-instance" xmlns:pc="http://schemas.microsoft.com/office/infopath/2007/PartnerControls">
-  <documentManagement>
-    <_ip_UnifiedCompliancePolicyUIAction xmlns="http://schemas.microsoft.com/sharepoint/v3" xsi:nil="true"/>
-    <IconOverlay xmlns="http://schemas.microsoft.com/sharepoint/v4" xsi:nil="true"/>
-    <Preview xmlns="15c98cf3-0896-4040-874f-f436925621df">
-      <Url xsi:nil="true"/>
-      <Description xsi:nil="true"/>
-    </Preview>
-    <_ip_UnifiedCompliancePolicyProperties xmlns="http://schemas.microsoft.com/sharepoint/v3" xsi:nil="true"/>
-  </documentManagement>
-</p:properties>
-</file>
-
 <file path=customXml/itemProps1.xml><?xml version="1.0" encoding="utf-8"?>
 <ds:datastoreItem xmlns:ds="http://schemas.openxmlformats.org/officeDocument/2006/customXml" ds:itemID="{A0CFF515-FEE6-4B9C-8B96-C300A0063377}">
   <ds:schemaRefs>
@@ -26417,6 +19821,25 @@
 </file>
 
 <file path=customXml/itemProps2.xml><?xml version="1.0" encoding="utf-8"?>
+<ds:datastoreItem xmlns:ds="http://schemas.openxmlformats.org/officeDocument/2006/customXml" ds:itemID="{32A15399-885A-441B-A114-CB6E80EBF6A5}">
+  <ds:schemaRefs>
+    <ds:schemaRef ds:uri="http://schemas.microsoft.com/office/infopath/2007/PartnerControls"/>
+    <ds:schemaRef ds:uri="http://schemas.microsoft.com/office/2006/documentManagement/types"/>
+    <ds:schemaRef ds:uri="http://purl.org/dc/terms/"/>
+    <ds:schemaRef ds:uri="15c98cf3-0896-4040-874f-f436925621df"/>
+    <ds:schemaRef ds:uri="http://purl.org/dc/dcmitype/"/>
+    <ds:schemaRef ds:uri="http://schemas.openxmlformats.org/package/2006/metadata/core-properties"/>
+    <ds:schemaRef ds:uri="http://www.w3.org/XML/1998/namespace"/>
+    <ds:schemaRef ds:uri="http://schemas.microsoft.com/sharepoint/v3"/>
+    <ds:schemaRef ds:uri="http://purl.org/dc/elements/1.1/"/>
+    <ds:schemaRef ds:uri="http://schemas.microsoft.com/office/2006/metadata/properties"/>
+    <ds:schemaRef ds:uri="http://schemas.microsoft.com/sharepoint/v4"/>
+    <ds:schemaRef ds:uri="af610f50-4aee-43ff-9d65-64420adb70d2"/>
+  </ds:schemaRefs>
+</ds:datastoreItem>
+</file>
+
+<file path=customXml/itemProps3.xml><?xml version="1.0" encoding="utf-8"?>
 <ds:datastoreItem xmlns:ds="http://schemas.openxmlformats.org/officeDocument/2006/customXml" ds:itemID="{366A0CB4-B94D-48B7-AE6B-3133538C8CAA}">
   <ds:schemaRefs>
     <ds:schemaRef ds:uri="http://schemas.microsoft.com/office/2006/metadata/contentType"/>
@@ -26435,23 +19858,4 @@
     <ds:schemaRef ds:uri="http://schemas.microsoft.com/internal/obd"/>
   </ds:schemaRefs>
 </ds:datastoreItem>
-</file>
-
-<file path=customXml/itemProps3.xml><?xml version="1.0" encoding="utf-8"?>
-<ds:datastoreItem xmlns:ds="http://schemas.openxmlformats.org/officeDocument/2006/customXml" ds:itemID="{32A15399-885A-441B-A114-CB6E80EBF6A5}">
-  <ds:schemaRefs>
-    <ds:schemaRef ds:uri="http://schemas.microsoft.com/office/infopath/2007/PartnerControls"/>
-    <ds:schemaRef ds:uri="http://schemas.microsoft.com/office/2006/documentManagement/types"/>
-    <ds:schemaRef ds:uri="http://purl.org/dc/terms/"/>
-    <ds:schemaRef ds:uri="15c98cf3-0896-4040-874f-f436925621df"/>
-    <ds:schemaRef ds:uri="http://purl.org/dc/dcmitype/"/>
-    <ds:schemaRef ds:uri="http://schemas.openxmlformats.org/package/2006/metadata/core-properties"/>
-    <ds:schemaRef ds:uri="http://www.w3.org/XML/1998/namespace"/>
-    <ds:schemaRef ds:uri="http://schemas.microsoft.com/sharepoint/v3"/>
-    <ds:schemaRef ds:uri="http://purl.org/dc/elements/1.1/"/>
-    <ds:schemaRef ds:uri="http://schemas.microsoft.com/office/2006/metadata/properties"/>
-    <ds:schemaRef ds:uri="http://schemas.microsoft.com/sharepoint/v4"/>
-    <ds:schemaRef ds:uri="af610f50-4aee-43ff-9d65-64420adb70d2"/>
-  </ds:schemaRefs>
-</ds:datastoreItem>
 </file>